--- a/Containerization as an Open Science tool.pptx
+++ b/Containerization as an Open Science tool.pptx
@@ -2,7 +2,7 @@
 <file path=ppt/presentation.xml><?xml version="1.0" encoding="utf-8"?>
 <p:presentation xmlns:a="http://schemas.openxmlformats.org/drawingml/2006/main" xmlns:r="http://schemas.openxmlformats.org/officeDocument/2006/relationships" xmlns:p="http://schemas.openxmlformats.org/presentationml/2006/main" saveSubsetFonts="1">
   <p:sldMasterIdLst>
-    <p:sldMasterId id="2147483648" r:id="rId1"/>
+    <p:sldMasterId id="2147483975" r:id="rId1"/>
   </p:sldMasterIdLst>
   <p:notesMasterIdLst>
     <p:notesMasterId r:id="rId20"/>
@@ -13,18 +13,18 @@
     <p:sldId id="266" r:id="rId4"/>
     <p:sldId id="258" r:id="rId5"/>
     <p:sldId id="267" r:id="rId6"/>
-    <p:sldId id="259" r:id="rId7"/>
-    <p:sldId id="275" r:id="rId8"/>
-    <p:sldId id="268" r:id="rId9"/>
-    <p:sldId id="265" r:id="rId10"/>
-    <p:sldId id="261" r:id="rId11"/>
-    <p:sldId id="269" r:id="rId12"/>
-    <p:sldId id="270" r:id="rId13"/>
-    <p:sldId id="272" r:id="rId14"/>
-    <p:sldId id="273" r:id="rId15"/>
-    <p:sldId id="274" r:id="rId16"/>
-    <p:sldId id="262" r:id="rId17"/>
-    <p:sldId id="263" r:id="rId18"/>
+    <p:sldId id="277" r:id="rId7"/>
+    <p:sldId id="259" r:id="rId8"/>
+    <p:sldId id="275" r:id="rId9"/>
+    <p:sldId id="268" r:id="rId10"/>
+    <p:sldId id="265" r:id="rId11"/>
+    <p:sldId id="261" r:id="rId12"/>
+    <p:sldId id="269" r:id="rId13"/>
+    <p:sldId id="270" r:id="rId14"/>
+    <p:sldId id="272" r:id="rId15"/>
+    <p:sldId id="273" r:id="rId16"/>
+    <p:sldId id="274" r:id="rId17"/>
+    <p:sldId id="262" r:id="rId18"/>
     <p:sldId id="264" r:id="rId19"/>
   </p:sldIdLst>
   <p:sldSz cx="12192000" cy="6858000"/>
@@ -33,7 +33,7 @@
     <a:defPPr>
       <a:defRPr lang="en-US"/>
     </a:defPPr>
-    <a:lvl1pPr marL="0" algn="l" defTabSz="914400" rtl="0" eaLnBrk="1" latinLnBrk="0" hangingPunct="1">
+    <a:lvl1pPr marL="0" algn="l" defTabSz="457200" rtl="0" eaLnBrk="1" latinLnBrk="0" hangingPunct="1">
       <a:defRPr sz="1800" kern="1200">
         <a:solidFill>
           <a:schemeClr val="tx1"/>
@@ -43,7 +43,7 @@
         <a:cs typeface="+mn-cs"/>
       </a:defRPr>
     </a:lvl1pPr>
-    <a:lvl2pPr marL="457200" algn="l" defTabSz="914400" rtl="0" eaLnBrk="1" latinLnBrk="0" hangingPunct="1">
+    <a:lvl2pPr marL="457200" algn="l" defTabSz="457200" rtl="0" eaLnBrk="1" latinLnBrk="0" hangingPunct="1">
       <a:defRPr sz="1800" kern="1200">
         <a:solidFill>
           <a:schemeClr val="tx1"/>
@@ -53,7 +53,7 @@
         <a:cs typeface="+mn-cs"/>
       </a:defRPr>
     </a:lvl2pPr>
-    <a:lvl3pPr marL="914400" algn="l" defTabSz="914400" rtl="0" eaLnBrk="1" latinLnBrk="0" hangingPunct="1">
+    <a:lvl3pPr marL="914400" algn="l" defTabSz="457200" rtl="0" eaLnBrk="1" latinLnBrk="0" hangingPunct="1">
       <a:defRPr sz="1800" kern="1200">
         <a:solidFill>
           <a:schemeClr val="tx1"/>
@@ -63,7 +63,7 @@
         <a:cs typeface="+mn-cs"/>
       </a:defRPr>
     </a:lvl3pPr>
-    <a:lvl4pPr marL="1371600" algn="l" defTabSz="914400" rtl="0" eaLnBrk="1" latinLnBrk="0" hangingPunct="1">
+    <a:lvl4pPr marL="1371600" algn="l" defTabSz="457200" rtl="0" eaLnBrk="1" latinLnBrk="0" hangingPunct="1">
       <a:defRPr sz="1800" kern="1200">
         <a:solidFill>
           <a:schemeClr val="tx1"/>
@@ -73,7 +73,7 @@
         <a:cs typeface="+mn-cs"/>
       </a:defRPr>
     </a:lvl4pPr>
-    <a:lvl5pPr marL="1828800" algn="l" defTabSz="914400" rtl="0" eaLnBrk="1" latinLnBrk="0" hangingPunct="1">
+    <a:lvl5pPr marL="1828800" algn="l" defTabSz="457200" rtl="0" eaLnBrk="1" latinLnBrk="0" hangingPunct="1">
       <a:defRPr sz="1800" kern="1200">
         <a:solidFill>
           <a:schemeClr val="tx1"/>
@@ -83,7 +83,7 @@
         <a:cs typeface="+mn-cs"/>
       </a:defRPr>
     </a:lvl5pPr>
-    <a:lvl6pPr marL="2286000" algn="l" defTabSz="914400" rtl="0" eaLnBrk="1" latinLnBrk="0" hangingPunct="1">
+    <a:lvl6pPr marL="2286000" algn="l" defTabSz="457200" rtl="0" eaLnBrk="1" latinLnBrk="0" hangingPunct="1">
       <a:defRPr sz="1800" kern="1200">
         <a:solidFill>
           <a:schemeClr val="tx1"/>
@@ -93,7 +93,7 @@
         <a:cs typeface="+mn-cs"/>
       </a:defRPr>
     </a:lvl6pPr>
-    <a:lvl7pPr marL="2743200" algn="l" defTabSz="914400" rtl="0" eaLnBrk="1" latinLnBrk="0" hangingPunct="1">
+    <a:lvl7pPr marL="2743200" algn="l" defTabSz="457200" rtl="0" eaLnBrk="1" latinLnBrk="0" hangingPunct="1">
       <a:defRPr sz="1800" kern="1200">
         <a:solidFill>
           <a:schemeClr val="tx1"/>
@@ -103,7 +103,7 @@
         <a:cs typeface="+mn-cs"/>
       </a:defRPr>
     </a:lvl7pPr>
-    <a:lvl8pPr marL="3200400" algn="l" defTabSz="914400" rtl="0" eaLnBrk="1" latinLnBrk="0" hangingPunct="1">
+    <a:lvl8pPr marL="3200400" algn="l" defTabSz="457200" rtl="0" eaLnBrk="1" latinLnBrk="0" hangingPunct="1">
       <a:defRPr sz="1800" kern="1200">
         <a:solidFill>
           <a:schemeClr val="tx1"/>
@@ -113,7 +113,7 @@
         <a:cs typeface="+mn-cs"/>
       </a:defRPr>
     </a:lvl8pPr>
-    <a:lvl9pPr marL="3657600" algn="l" defTabSz="914400" rtl="0" eaLnBrk="1" latinLnBrk="0" hangingPunct="1">
+    <a:lvl9pPr marL="3657600" algn="l" defTabSz="457200" rtl="0" eaLnBrk="1" latinLnBrk="0" hangingPunct="1">
       <a:defRPr sz="1800" kern="1200">
         <a:solidFill>
           <a:schemeClr val="tx1"/>
@@ -134,6 +134,7 @@
             <p14:sldId id="266"/>
             <p14:sldId id="258"/>
             <p14:sldId id="267"/>
+            <p14:sldId id="277"/>
             <p14:sldId id="259"/>
             <p14:sldId id="275"/>
             <p14:sldId id="268"/>
@@ -149,11 +150,13 @@
         </p14:section>
         <p14:section name="Additional content" id="{B4B8171F-9D0E-48DA-9832-196833C08B5A}">
           <p14:sldIdLst>
-            <p14:sldId id="263"/>
             <p14:sldId id="264"/>
           </p14:sldIdLst>
         </p14:section>
       </p14:sectionLst>
+    </p:ext>
+    <p:ext uri="{EFAFB233-063F-42B5-8137-9DF3F51BA10A}">
+      <p15:sldGuideLst xmlns:p15="http://schemas.microsoft.com/office/powerpoint/2012/main"/>
     </p:ext>
   </p:extLst>
 </p:presentation>
@@ -241,7 +244,7 @@
           <a:p>
             <a:fld id="{6E8E2D7E-3693-49CA-9795-0131CF2AA16C}" type="datetimeFigureOut">
               <a:rPr lang="en-US" smtClean="0"/>
-              <a:t>12/7/2021</a:t>
+              <a:t>12/8/2021</a:t>
             </a:fld>
             <a:endParaRPr lang="en-US"/>
           </a:p>
@@ -565,8 +568,19 @@
             </a:r>
             <a:r>
               <a:rPr lang="en-US" baseline="0" dirty="0" smtClean="0"/>
-              <a:t> this talk is my own and is not related to my employer</a:t>
-            </a:r>
+              <a:t> this talk is my own and is not related to my </a:t>
+            </a:r>
+            <a:r>
+              <a:rPr lang="en-US" baseline="0" dirty="0" smtClean="0"/>
+              <a:t>employer</a:t>
+            </a:r>
+          </a:p>
+          <a:p>
+            <a:r>
+              <a:rPr lang="en-US" baseline="0" dirty="0" smtClean="0"/>
+              <a:t>Clarify that you don’t need to understand everything, don’t need to read every detail, don’t need to understand all the diagrams in depth</a:t>
+            </a:r>
+            <a:endParaRPr lang="en-US" baseline="0" dirty="0" smtClean="0"/>
           </a:p>
           <a:p>
             <a:endParaRPr lang="en-US" baseline="0" dirty="0" smtClean="0"/>
@@ -693,6 +707,90 @@
     <p:extLst>
       <p:ext uri="{BB962C8B-B14F-4D97-AF65-F5344CB8AC3E}">
         <p14:creationId xmlns:p14="http://schemas.microsoft.com/office/powerpoint/2010/main" val="3887010878"/>
+      </p:ext>
+    </p:extLst>
+  </p:cSld>
+  <p:clrMapOvr>
+    <a:masterClrMapping/>
+  </p:clrMapOvr>
+</p:notes>
+</file>
+
+<file path=ppt/notesSlides/notesSlide10.xml><?xml version="1.0" encoding="utf-8"?>
+<p:notes xmlns:a="http://schemas.openxmlformats.org/drawingml/2006/main" xmlns:r="http://schemas.openxmlformats.org/officeDocument/2006/relationships" xmlns:p="http://schemas.openxmlformats.org/presentationml/2006/main">
+  <p:cSld>
+    <p:spTree>
+      <p:nvGrpSpPr>
+        <p:cNvPr id="1" name=""/>
+        <p:cNvGrpSpPr/>
+        <p:nvPr/>
+      </p:nvGrpSpPr>
+      <p:grpSpPr>
+        <a:xfrm>
+          <a:off x="0" y="0"/>
+          <a:ext cx="0" cy="0"/>
+          <a:chOff x="0" y="0"/>
+          <a:chExt cx="0" cy="0"/>
+        </a:xfrm>
+      </p:grpSpPr>
+      <p:sp>
+        <p:nvSpPr>
+          <p:cNvPr id="2" name="Slide Image Placeholder 1"/>
+          <p:cNvSpPr>
+            <a:spLocks noGrp="1" noRot="1" noChangeAspect="1"/>
+          </p:cNvSpPr>
+          <p:nvPr>
+            <p:ph type="sldImg"/>
+          </p:nvPr>
+        </p:nvSpPr>
+        <p:spPr/>
+      </p:sp>
+      <p:sp>
+        <p:nvSpPr>
+          <p:cNvPr id="3" name="Notes Placeholder 2"/>
+          <p:cNvSpPr>
+            <a:spLocks noGrp="1"/>
+          </p:cNvSpPr>
+          <p:nvPr>
+            <p:ph type="body" idx="1"/>
+          </p:nvPr>
+        </p:nvSpPr>
+        <p:spPr/>
+        <p:txBody>
+          <a:bodyPr/>
+          <a:lstStyle/>
+          <a:p>
+            <a:endParaRPr lang="en-US" dirty="0"/>
+          </a:p>
+        </p:txBody>
+      </p:sp>
+      <p:sp>
+        <p:nvSpPr>
+          <p:cNvPr id="4" name="Slide Number Placeholder 3"/>
+          <p:cNvSpPr>
+            <a:spLocks noGrp="1"/>
+          </p:cNvSpPr>
+          <p:nvPr>
+            <p:ph type="sldNum" sz="quarter" idx="10"/>
+          </p:nvPr>
+        </p:nvSpPr>
+        <p:spPr/>
+        <p:txBody>
+          <a:bodyPr/>
+          <a:lstStyle/>
+          <a:p>
+            <a:fld id="{500BB746-7DEE-45D5-86D8-AC17FCBC3912}" type="slidenum">
+              <a:rPr lang="en-US" smtClean="0"/>
+              <a:t>16</a:t>
+            </a:fld>
+            <a:endParaRPr lang="en-US"/>
+          </a:p>
+        </p:txBody>
+      </p:sp>
+    </p:spTree>
+    <p:extLst>
+      <p:ext uri="{BB962C8B-B14F-4D97-AF65-F5344CB8AC3E}">
+        <p14:creationId xmlns:p14="http://schemas.microsoft.com/office/powerpoint/2010/main" val="3332460098"/>
       </p:ext>
     </p:extLst>
   </p:cSld>
@@ -746,29 +844,6 @@
           <a:bodyPr/>
           <a:lstStyle/>
           <a:p>
-            <a:r>
-              <a:rPr lang="en-US" dirty="0" smtClean="0"/>
-              <a:t>Performance: a container is,</a:t>
-            </a:r>
-            <a:r>
-              <a:rPr lang="en-US" baseline="0" dirty="0" smtClean="0"/>
-              <a:t> fundamentally, just a process</a:t>
-            </a:r>
-          </a:p>
-          <a:p>
-            <a:r>
-              <a:rPr lang="en-US" baseline="0" dirty="0" smtClean="0"/>
-              <a:t>OS native technology (LXC, under Linux)</a:t>
-            </a:r>
-          </a:p>
-          <a:p>
-            <a:endParaRPr lang="en-US" baseline="0" dirty="0" smtClean="0"/>
-          </a:p>
-          <a:p>
-            <a:r>
-              <a:rPr lang="en-US" baseline="0" dirty="0" smtClean="0"/>
-              <a:t>From the inside, a container looks reasonably like a VM or bare metal</a:t>
-            </a:r>
             <a:endParaRPr lang="en-US" dirty="0"/>
           </a:p>
         </p:txBody>
@@ -790,7 +865,7 @@
           <a:p>
             <a:fld id="{500BB746-7DEE-45D5-86D8-AC17FCBC3912}" type="slidenum">
               <a:rPr lang="en-US" smtClean="0"/>
-              <a:t>6</a:t>
+              <a:t>4</a:t>
             </a:fld>
             <a:endParaRPr lang="en-US"/>
           </a:p>
@@ -799,7 +874,7 @@
     </p:spTree>
     <p:extLst>
       <p:ext uri="{BB962C8B-B14F-4D97-AF65-F5344CB8AC3E}">
-        <p14:creationId xmlns:p14="http://schemas.microsoft.com/office/powerpoint/2010/main" val="2599798664"/>
+        <p14:creationId xmlns:p14="http://schemas.microsoft.com/office/powerpoint/2010/main" val="2447243486"/>
       </p:ext>
     </p:extLst>
   </p:cSld>
@@ -855,7 +930,582 @@
           <a:p>
             <a:r>
               <a:rPr lang="en-US" dirty="0" smtClean="0"/>
-              <a:t>Source: Google</a:t>
+              <a:t>Based on the previous</a:t>
+            </a:r>
+            <a:r>
+              <a:rPr lang="en-US" baseline="0" dirty="0" smtClean="0"/>
+              <a:t> scenario, containers can help you solve four related problems we just encountered</a:t>
+            </a:r>
+            <a:endParaRPr lang="en-US" dirty="0"/>
+          </a:p>
+        </p:txBody>
+      </p:sp>
+      <p:sp>
+        <p:nvSpPr>
+          <p:cNvPr id="4" name="Slide Number Placeholder 3"/>
+          <p:cNvSpPr>
+            <a:spLocks noGrp="1"/>
+          </p:cNvSpPr>
+          <p:nvPr>
+            <p:ph type="sldNum" sz="quarter" idx="10"/>
+          </p:nvPr>
+        </p:nvSpPr>
+        <p:spPr/>
+        <p:txBody>
+          <a:bodyPr/>
+          <a:lstStyle/>
+          <a:p>
+            <a:fld id="{500BB746-7DEE-45D5-86D8-AC17FCBC3912}" type="slidenum">
+              <a:rPr lang="en-US" smtClean="0"/>
+              <a:t>5</a:t>
+            </a:fld>
+            <a:endParaRPr lang="en-US"/>
+          </a:p>
+        </p:txBody>
+      </p:sp>
+    </p:spTree>
+    <p:extLst>
+      <p:ext uri="{BB962C8B-B14F-4D97-AF65-F5344CB8AC3E}">
+        <p14:creationId xmlns:p14="http://schemas.microsoft.com/office/powerpoint/2010/main" val="1869253066"/>
+      </p:ext>
+    </p:extLst>
+  </p:cSld>
+  <p:clrMapOvr>
+    <a:masterClrMapping/>
+  </p:clrMapOvr>
+</p:notes>
+</file>
+
+<file path=ppt/notesSlides/notesSlide4.xml><?xml version="1.0" encoding="utf-8"?>
+<p:notes xmlns:a="http://schemas.openxmlformats.org/drawingml/2006/main" xmlns:r="http://schemas.openxmlformats.org/officeDocument/2006/relationships" xmlns:p="http://schemas.openxmlformats.org/presentationml/2006/main">
+  <p:cSld>
+    <p:spTree>
+      <p:nvGrpSpPr>
+        <p:cNvPr id="1" name=""/>
+        <p:cNvGrpSpPr/>
+        <p:nvPr/>
+      </p:nvGrpSpPr>
+      <p:grpSpPr>
+        <a:xfrm>
+          <a:off x="0" y="0"/>
+          <a:ext cx="0" cy="0"/>
+          <a:chOff x="0" y="0"/>
+          <a:chExt cx="0" cy="0"/>
+        </a:xfrm>
+      </p:grpSpPr>
+      <p:sp>
+        <p:nvSpPr>
+          <p:cNvPr id="2" name="Slide Image Placeholder 1"/>
+          <p:cNvSpPr>
+            <a:spLocks noGrp="1" noRot="1" noChangeAspect="1"/>
+          </p:cNvSpPr>
+          <p:nvPr>
+            <p:ph type="sldImg"/>
+          </p:nvPr>
+        </p:nvSpPr>
+        <p:spPr/>
+      </p:sp>
+      <p:sp>
+        <p:nvSpPr>
+          <p:cNvPr id="3" name="Notes Placeholder 2"/>
+          <p:cNvSpPr>
+            <a:spLocks noGrp="1"/>
+          </p:cNvSpPr>
+          <p:nvPr>
+            <p:ph type="body" idx="1"/>
+          </p:nvPr>
+        </p:nvSpPr>
+        <p:spPr/>
+        <p:txBody>
+          <a:bodyPr/>
+          <a:lstStyle/>
+          <a:p>
+            <a:r>
+              <a:rPr lang="en-US" dirty="0" err="1" smtClean="0"/>
+              <a:t>Handwavy</a:t>
+            </a:r>
+            <a:r>
+              <a:rPr lang="en-US" dirty="0" smtClean="0"/>
+              <a:t> magic demo of using</a:t>
+            </a:r>
+            <a:r>
+              <a:rPr lang="en-US" baseline="0" dirty="0" smtClean="0"/>
+              <a:t> containers as a dev environment for Nicolas’ Python code.</a:t>
+            </a:r>
+          </a:p>
+          <a:p>
+            <a:endParaRPr lang="en-US" baseline="0" dirty="0" smtClean="0"/>
+          </a:p>
+          <a:p>
+            <a:r>
+              <a:rPr lang="en-US" dirty="0" err="1" smtClean="0"/>
+              <a:t>docker</a:t>
+            </a:r>
+            <a:r>
+              <a:rPr lang="en-US" dirty="0" smtClean="0"/>
+              <a:t> run -it --</a:t>
+            </a:r>
+            <a:r>
+              <a:rPr lang="en-US" dirty="0" err="1" smtClean="0"/>
+              <a:t>rm</a:t>
+            </a:r>
+            <a:r>
+              <a:rPr lang="en-US" dirty="0" smtClean="0"/>
+              <a:t> -p 8888:8888 -v ${</a:t>
+            </a:r>
+            <a:r>
+              <a:rPr lang="en-US" dirty="0" err="1" smtClean="0"/>
+              <a:t>pwd</a:t>
+            </a:r>
+            <a:r>
+              <a:rPr lang="en-US" dirty="0" smtClean="0"/>
+              <a:t>}:/app </a:t>
+            </a:r>
+            <a:r>
+              <a:rPr lang="en-US" dirty="0" err="1" smtClean="0"/>
+              <a:t>continuumio</a:t>
+            </a:r>
+            <a:r>
+              <a:rPr lang="en-US" dirty="0" smtClean="0"/>
+              <a:t>/anaconda3 bash</a:t>
+            </a:r>
+          </a:p>
+          <a:p>
+            <a:r>
+              <a:rPr lang="en-US" dirty="0" err="1" smtClean="0"/>
+              <a:t>jupyter</a:t>
+            </a:r>
+            <a:r>
+              <a:rPr lang="en-US" dirty="0" smtClean="0"/>
+              <a:t> notebook --notebook-</a:t>
+            </a:r>
+            <a:r>
+              <a:rPr lang="en-US" dirty="0" err="1" smtClean="0"/>
+              <a:t>dir</a:t>
+            </a:r>
+            <a:r>
+              <a:rPr lang="en-US" dirty="0" smtClean="0"/>
+              <a:t>=/app --</a:t>
+            </a:r>
+            <a:r>
+              <a:rPr lang="en-US" dirty="0" err="1" smtClean="0"/>
+              <a:t>ip</a:t>
+            </a:r>
+            <a:r>
+              <a:rPr lang="en-US" dirty="0" smtClean="0"/>
+              <a:t>='*' --port=8888 --no-browser --allow-root</a:t>
+            </a:r>
+          </a:p>
+          <a:p>
+            <a:endParaRPr lang="en-US" dirty="0"/>
+          </a:p>
+        </p:txBody>
+      </p:sp>
+      <p:sp>
+        <p:nvSpPr>
+          <p:cNvPr id="4" name="Slide Number Placeholder 3"/>
+          <p:cNvSpPr>
+            <a:spLocks noGrp="1"/>
+          </p:cNvSpPr>
+          <p:nvPr>
+            <p:ph type="sldNum" sz="quarter" idx="10"/>
+          </p:nvPr>
+        </p:nvSpPr>
+        <p:spPr/>
+        <p:txBody>
+          <a:bodyPr/>
+          <a:lstStyle/>
+          <a:p>
+            <a:fld id="{500BB746-7DEE-45D5-86D8-AC17FCBC3912}" type="slidenum">
+              <a:rPr lang="en-US" smtClean="0"/>
+              <a:t>6</a:t>
+            </a:fld>
+            <a:endParaRPr lang="en-US"/>
+          </a:p>
+        </p:txBody>
+      </p:sp>
+    </p:spTree>
+    <p:extLst>
+      <p:ext uri="{BB962C8B-B14F-4D97-AF65-F5344CB8AC3E}">
+        <p14:creationId xmlns:p14="http://schemas.microsoft.com/office/powerpoint/2010/main" val="2740685461"/>
+      </p:ext>
+    </p:extLst>
+  </p:cSld>
+  <p:clrMapOvr>
+    <a:masterClrMapping/>
+  </p:clrMapOvr>
+</p:notes>
+</file>
+
+<file path=ppt/notesSlides/notesSlide5.xml><?xml version="1.0" encoding="utf-8"?>
+<p:notes xmlns:a="http://schemas.openxmlformats.org/drawingml/2006/main" xmlns:r="http://schemas.openxmlformats.org/officeDocument/2006/relationships" xmlns:p="http://schemas.openxmlformats.org/presentationml/2006/main">
+  <p:cSld>
+    <p:spTree>
+      <p:nvGrpSpPr>
+        <p:cNvPr id="1" name=""/>
+        <p:cNvGrpSpPr/>
+        <p:nvPr/>
+      </p:nvGrpSpPr>
+      <p:grpSpPr>
+        <a:xfrm>
+          <a:off x="0" y="0"/>
+          <a:ext cx="0" cy="0"/>
+          <a:chOff x="0" y="0"/>
+          <a:chExt cx="0" cy="0"/>
+        </a:xfrm>
+      </p:grpSpPr>
+      <p:sp>
+        <p:nvSpPr>
+          <p:cNvPr id="2" name="Slide Image Placeholder 1"/>
+          <p:cNvSpPr>
+            <a:spLocks noGrp="1" noRot="1" noChangeAspect="1"/>
+          </p:cNvSpPr>
+          <p:nvPr>
+            <p:ph type="sldImg"/>
+          </p:nvPr>
+        </p:nvSpPr>
+        <p:spPr/>
+      </p:sp>
+      <p:sp>
+        <p:nvSpPr>
+          <p:cNvPr id="3" name="Notes Placeholder 2"/>
+          <p:cNvSpPr>
+            <a:spLocks noGrp="1"/>
+          </p:cNvSpPr>
+          <p:nvPr>
+            <p:ph type="body" idx="1"/>
+          </p:nvPr>
+        </p:nvSpPr>
+        <p:spPr/>
+        <p:txBody>
+          <a:bodyPr/>
+          <a:lstStyle/>
+          <a:p>
+            <a:r>
+              <a:rPr lang="en-US" dirty="0" smtClean="0"/>
+              <a:t>Now</a:t>
+            </a:r>
+            <a:r>
+              <a:rPr lang="en-US" baseline="0" dirty="0" smtClean="0"/>
+              <a:t> that we’ve briefly used containers… what actually IS a container?</a:t>
+            </a:r>
+            <a:endParaRPr lang="en-US" dirty="0" smtClean="0"/>
+          </a:p>
+          <a:p>
+            <a:endParaRPr lang="en-US" dirty="0" smtClean="0"/>
+          </a:p>
+          <a:p>
+            <a:r>
+              <a:rPr lang="en-US" dirty="0" smtClean="0"/>
+              <a:t>Performance</a:t>
+            </a:r>
+            <a:r>
+              <a:rPr lang="en-US" dirty="0" smtClean="0"/>
+              <a:t>: a container is,</a:t>
+            </a:r>
+            <a:r>
+              <a:rPr lang="en-US" baseline="0" dirty="0" smtClean="0"/>
+              <a:t> fundamentally, just a process</a:t>
+            </a:r>
+          </a:p>
+          <a:p>
+            <a:r>
+              <a:rPr lang="en-US" baseline="0" dirty="0" smtClean="0"/>
+              <a:t>OS native technology (LXC, under Linux)</a:t>
+            </a:r>
+          </a:p>
+          <a:p>
+            <a:endParaRPr lang="en-US" baseline="0" dirty="0" smtClean="0"/>
+          </a:p>
+          <a:p>
+            <a:r>
+              <a:rPr lang="en-US" baseline="0" dirty="0" smtClean="0"/>
+              <a:t>From the inside, a container looks reasonably like a VM or bare metal</a:t>
+            </a:r>
+            <a:endParaRPr lang="en-US" dirty="0"/>
+          </a:p>
+        </p:txBody>
+      </p:sp>
+      <p:sp>
+        <p:nvSpPr>
+          <p:cNvPr id="4" name="Slide Number Placeholder 3"/>
+          <p:cNvSpPr>
+            <a:spLocks noGrp="1"/>
+          </p:cNvSpPr>
+          <p:nvPr>
+            <p:ph type="sldNum" sz="quarter" idx="10"/>
+          </p:nvPr>
+        </p:nvSpPr>
+        <p:spPr/>
+        <p:txBody>
+          <a:bodyPr/>
+          <a:lstStyle/>
+          <a:p>
+            <a:fld id="{500BB746-7DEE-45D5-86D8-AC17FCBC3912}" type="slidenum">
+              <a:rPr lang="en-US" smtClean="0"/>
+              <a:t>7</a:t>
+            </a:fld>
+            <a:endParaRPr lang="en-US"/>
+          </a:p>
+        </p:txBody>
+      </p:sp>
+    </p:spTree>
+    <p:extLst>
+      <p:ext uri="{BB962C8B-B14F-4D97-AF65-F5344CB8AC3E}">
+        <p14:creationId xmlns:p14="http://schemas.microsoft.com/office/powerpoint/2010/main" val="2599798664"/>
+      </p:ext>
+    </p:extLst>
+  </p:cSld>
+  <p:clrMapOvr>
+    <a:masterClrMapping/>
+  </p:clrMapOvr>
+</p:notes>
+</file>
+
+<file path=ppt/notesSlides/notesSlide6.xml><?xml version="1.0" encoding="utf-8"?>
+<p:notes xmlns:a="http://schemas.openxmlformats.org/drawingml/2006/main" xmlns:r="http://schemas.openxmlformats.org/officeDocument/2006/relationships" xmlns:p="http://schemas.openxmlformats.org/presentationml/2006/main">
+  <p:cSld>
+    <p:spTree>
+      <p:nvGrpSpPr>
+        <p:cNvPr id="1" name=""/>
+        <p:cNvGrpSpPr/>
+        <p:nvPr/>
+      </p:nvGrpSpPr>
+      <p:grpSpPr>
+        <a:xfrm>
+          <a:off x="0" y="0"/>
+          <a:ext cx="0" cy="0"/>
+          <a:chOff x="0" y="0"/>
+          <a:chExt cx="0" cy="0"/>
+        </a:xfrm>
+      </p:grpSpPr>
+      <p:sp>
+        <p:nvSpPr>
+          <p:cNvPr id="2" name="Slide Image Placeholder 1"/>
+          <p:cNvSpPr>
+            <a:spLocks noGrp="1" noRot="1" noChangeAspect="1"/>
+          </p:cNvSpPr>
+          <p:nvPr>
+            <p:ph type="sldImg"/>
+          </p:nvPr>
+        </p:nvSpPr>
+        <p:spPr/>
+      </p:sp>
+      <p:sp>
+        <p:nvSpPr>
+          <p:cNvPr id="3" name="Notes Placeholder 2"/>
+          <p:cNvSpPr>
+            <a:spLocks noGrp="1"/>
+          </p:cNvSpPr>
+          <p:nvPr>
+            <p:ph type="body" idx="1"/>
+          </p:nvPr>
+        </p:nvSpPr>
+        <p:spPr/>
+        <p:txBody>
+          <a:bodyPr/>
+          <a:lstStyle/>
+          <a:p>
+            <a:r>
+              <a:rPr lang="en-US" dirty="0" smtClean="0"/>
+              <a:t>Running a container is the act of eating</a:t>
+            </a:r>
+            <a:r>
+              <a:rPr lang="en-US" baseline="0" dirty="0" smtClean="0"/>
+              <a:t> a cake</a:t>
+            </a:r>
+          </a:p>
+          <a:p>
+            <a:r>
+              <a:rPr lang="en-US" baseline="0" dirty="0" smtClean="0"/>
+              <a:t>The image is the cake</a:t>
+            </a:r>
+          </a:p>
+          <a:p>
+            <a:r>
+              <a:rPr lang="en-US" baseline="0" dirty="0" err="1" smtClean="0"/>
+              <a:t>Dockerfiles</a:t>
+            </a:r>
+            <a:r>
+              <a:rPr lang="en-US" baseline="0" dirty="0" smtClean="0"/>
+              <a:t> / recipes / blueprints are the recipe for the cake</a:t>
+            </a:r>
+          </a:p>
+          <a:p>
+            <a:endParaRPr lang="en-US" baseline="0" dirty="0" smtClean="0"/>
+          </a:p>
+          <a:p>
+            <a:r>
+              <a:rPr lang="en-US" baseline="0" dirty="0" smtClean="0"/>
+              <a:t>You can get a cake from the bakery (registry) without knowing the recipe. Even if you do know it, if you have the cake / image, you don’t need to apply the recipe again before eating the cake / running the image as a container, since you already have the cake!</a:t>
+            </a:r>
+          </a:p>
+          <a:p>
+            <a:endParaRPr lang="en-US" baseline="0" dirty="0" smtClean="0"/>
+          </a:p>
+          <a:p>
+            <a:r>
+              <a:rPr lang="en-US" baseline="0" dirty="0" smtClean="0"/>
+              <a:t>(this analogy works weirdly well for security, too: if you don’t know the recipe, the cake could be poisonous. Even if you do know the recipe, there’s no guarantee a given image actually IS the recipe, and not a different thing with poison in it, technically!)</a:t>
+            </a:r>
+          </a:p>
+          <a:p>
+            <a:endParaRPr lang="en-US" baseline="0" dirty="0" smtClean="0"/>
+          </a:p>
+          <a:p>
+            <a:r>
+              <a:rPr lang="en-US" baseline="0" dirty="0" smtClean="0"/>
+              <a:t>Source : Docker documentation (modified)</a:t>
+            </a:r>
+            <a:endParaRPr lang="en-US" dirty="0"/>
+          </a:p>
+        </p:txBody>
+      </p:sp>
+      <p:sp>
+        <p:nvSpPr>
+          <p:cNvPr id="4" name="Slide Number Placeholder 3"/>
+          <p:cNvSpPr>
+            <a:spLocks noGrp="1"/>
+          </p:cNvSpPr>
+          <p:nvPr>
+            <p:ph type="sldNum" sz="quarter" idx="10"/>
+          </p:nvPr>
+        </p:nvSpPr>
+        <p:spPr/>
+        <p:txBody>
+          <a:bodyPr/>
+          <a:lstStyle/>
+          <a:p>
+            <a:fld id="{500BB746-7DEE-45D5-86D8-AC17FCBC3912}" type="slidenum">
+              <a:rPr lang="en-US" smtClean="0"/>
+              <a:t>8</a:t>
+            </a:fld>
+            <a:endParaRPr lang="en-US"/>
+          </a:p>
+        </p:txBody>
+      </p:sp>
+    </p:spTree>
+    <p:extLst>
+      <p:ext uri="{BB962C8B-B14F-4D97-AF65-F5344CB8AC3E}">
+        <p14:creationId xmlns:p14="http://schemas.microsoft.com/office/powerpoint/2010/main" val="2430669539"/>
+      </p:ext>
+    </p:extLst>
+  </p:cSld>
+  <p:clrMapOvr>
+    <a:masterClrMapping/>
+  </p:clrMapOvr>
+</p:notes>
+</file>
+
+<file path=ppt/notesSlides/notesSlide7.xml><?xml version="1.0" encoding="utf-8"?>
+<p:notes xmlns:a="http://schemas.openxmlformats.org/drawingml/2006/main" xmlns:r="http://schemas.openxmlformats.org/officeDocument/2006/relationships" xmlns:p="http://schemas.openxmlformats.org/presentationml/2006/main">
+  <p:cSld>
+    <p:spTree>
+      <p:nvGrpSpPr>
+        <p:cNvPr id="1" name=""/>
+        <p:cNvGrpSpPr/>
+        <p:nvPr/>
+      </p:nvGrpSpPr>
+      <p:grpSpPr>
+        <a:xfrm>
+          <a:off x="0" y="0"/>
+          <a:ext cx="0" cy="0"/>
+          <a:chOff x="0" y="0"/>
+          <a:chExt cx="0" cy="0"/>
+        </a:xfrm>
+      </p:grpSpPr>
+      <p:sp>
+        <p:nvSpPr>
+          <p:cNvPr id="2" name="Slide Image Placeholder 1"/>
+          <p:cNvSpPr>
+            <a:spLocks noGrp="1" noRot="1" noChangeAspect="1"/>
+          </p:cNvSpPr>
+          <p:nvPr>
+            <p:ph type="sldImg"/>
+          </p:nvPr>
+        </p:nvSpPr>
+        <p:spPr/>
+      </p:sp>
+      <p:sp>
+        <p:nvSpPr>
+          <p:cNvPr id="3" name="Notes Placeholder 2"/>
+          <p:cNvSpPr>
+            <a:spLocks noGrp="1"/>
+          </p:cNvSpPr>
+          <p:nvPr>
+            <p:ph type="body" idx="1"/>
+          </p:nvPr>
+        </p:nvSpPr>
+        <p:spPr/>
+        <p:txBody>
+          <a:bodyPr/>
+          <a:lstStyle/>
+          <a:p>
+            <a:r>
+              <a:rPr lang="en-US" dirty="0" smtClean="0"/>
+              <a:t>As context, this slide gives a brief</a:t>
+            </a:r>
+            <a:r>
+              <a:rPr lang="en-US" baseline="0" dirty="0" smtClean="0"/>
+              <a:t> overview of what other people are doing with containers, and why. Probably not of interest to this audience at this time, but it is useful to place containers in the broader context of software development.</a:t>
+            </a:r>
+            <a:endParaRPr lang="en-US" dirty="0" smtClean="0"/>
+          </a:p>
+          <a:p>
+            <a:endParaRPr lang="en-US" dirty="0" smtClean="0"/>
+          </a:p>
+          <a:p>
+            <a:r>
+              <a:rPr lang="en-US" dirty="0" smtClean="0"/>
+              <a:t>YOU DON’T NEED TO UNDERSTAND THIS DIAGRAM. A</a:t>
+            </a:r>
+            <a:r>
+              <a:rPr lang="en-US" baseline="0" dirty="0" smtClean="0"/>
+              <a:t> historical perspective on why containers exist is interesting context, not a requirement for anything.</a:t>
+            </a:r>
+            <a:endParaRPr lang="en-US" dirty="0" smtClean="0"/>
+          </a:p>
+          <a:p>
+            <a:pPr marL="0" marR="0" lvl="0" indent="0" algn="l" defTabSz="914400" rtl="0" eaLnBrk="1" fontAlgn="auto" latinLnBrk="0" hangingPunct="1">
+              <a:lnSpc>
+                <a:spcPct val="100000"/>
+              </a:lnSpc>
+              <a:spcBef>
+                <a:spcPts val="0"/>
+              </a:spcBef>
+              <a:spcAft>
+                <a:spcPts val="0"/>
+              </a:spcAft>
+              <a:buClrTx/>
+              <a:buSzTx/>
+              <a:buFontTx/>
+              <a:buNone/>
+              <a:tabLst/>
+              <a:defRPr/>
+            </a:pPr>
+            <a:r>
+              <a:rPr lang="en-US" dirty="0" smtClean="0"/>
+              <a:t>Containers are an evolution of existing deployment models and naturally</a:t>
+            </a:r>
+            <a:r>
+              <a:rPr lang="en-US" baseline="0" dirty="0" smtClean="0"/>
+              <a:t> result from the historical progression from individual servers to VMs onwards.</a:t>
+            </a:r>
+          </a:p>
+          <a:p>
+            <a:endParaRPr lang="en-US" dirty="0" smtClean="0"/>
+          </a:p>
+          <a:p>
+            <a:endParaRPr lang="en-US" dirty="0" smtClean="0"/>
+          </a:p>
+          <a:p>
+            <a:r>
+              <a:rPr lang="en-US" dirty="0" smtClean="0"/>
+              <a:t>Source</a:t>
+            </a:r>
+            <a:r>
+              <a:rPr lang="en-US" dirty="0" smtClean="0"/>
+              <a:t>: Google</a:t>
             </a:r>
             <a:r>
               <a:rPr lang="en-US" baseline="0" dirty="0" smtClean="0"/>
@@ -864,16 +1514,6 @@
           </a:p>
           <a:p>
             <a:endParaRPr lang="en-US" dirty="0" smtClean="0"/>
-          </a:p>
-          <a:p>
-            <a:r>
-              <a:rPr lang="en-US" dirty="0" smtClean="0"/>
-              <a:t>Containers are an evolution of existing deployment models and naturally</a:t>
-            </a:r>
-            <a:r>
-              <a:rPr lang="en-US" baseline="0" dirty="0" smtClean="0"/>
-              <a:t> result from the historical progression from individual servers to VMs onwards.</a:t>
-            </a:r>
           </a:p>
           <a:p>
             <a:endParaRPr lang="en-US" baseline="0" dirty="0" smtClean="0"/>
@@ -940,7 +1580,7 @@
           <a:p>
             <a:fld id="{500BB746-7DEE-45D5-86D8-AC17FCBC3912}" type="slidenum">
               <a:rPr lang="en-US" smtClean="0"/>
-              <a:t>9</a:t>
+              <a:t>10</a:t>
             </a:fld>
             <a:endParaRPr lang="en-US"/>
           </a:p>
@@ -959,8 +1599,223 @@
 </p:notes>
 </file>
 
+<file path=ppt/notesSlides/notesSlide8.xml><?xml version="1.0" encoding="utf-8"?>
+<p:notes xmlns:a="http://schemas.openxmlformats.org/drawingml/2006/main" xmlns:r="http://schemas.openxmlformats.org/officeDocument/2006/relationships" xmlns:p="http://schemas.openxmlformats.org/presentationml/2006/main">
+  <p:cSld>
+    <p:spTree>
+      <p:nvGrpSpPr>
+        <p:cNvPr id="1" name=""/>
+        <p:cNvGrpSpPr/>
+        <p:nvPr/>
+      </p:nvGrpSpPr>
+      <p:grpSpPr>
+        <a:xfrm>
+          <a:off x="0" y="0"/>
+          <a:ext cx="0" cy="0"/>
+          <a:chOff x="0" y="0"/>
+          <a:chExt cx="0" cy="0"/>
+        </a:xfrm>
+      </p:grpSpPr>
+      <p:sp>
+        <p:nvSpPr>
+          <p:cNvPr id="2" name="Slide Image Placeholder 1"/>
+          <p:cNvSpPr>
+            <a:spLocks noGrp="1" noRot="1" noChangeAspect="1"/>
+          </p:cNvSpPr>
+          <p:nvPr>
+            <p:ph type="sldImg"/>
+          </p:nvPr>
+        </p:nvSpPr>
+        <p:spPr/>
+      </p:sp>
+      <p:sp>
+        <p:nvSpPr>
+          <p:cNvPr id="3" name="Notes Placeholder 2"/>
+          <p:cNvSpPr>
+            <a:spLocks noGrp="1"/>
+          </p:cNvSpPr>
+          <p:nvPr>
+            <p:ph type="body" idx="1"/>
+          </p:nvPr>
+        </p:nvSpPr>
+        <p:spPr/>
+        <p:txBody>
+          <a:bodyPr/>
+          <a:lstStyle/>
+          <a:p>
+            <a:r>
+              <a:rPr lang="en-US" dirty="0" smtClean="0"/>
+              <a:t>Diagram for illustration</a:t>
+            </a:r>
+            <a:r>
+              <a:rPr lang="en-US" baseline="0" dirty="0" smtClean="0"/>
+              <a:t> of the complexity of K8S; not intended to be detailed or understood</a:t>
+            </a:r>
+            <a:endParaRPr lang="en-US" dirty="0" smtClean="0"/>
+          </a:p>
+          <a:p>
+            <a:endParaRPr lang="en-US" dirty="0" smtClean="0"/>
+          </a:p>
+          <a:p>
+            <a:r>
+              <a:rPr lang="en-US" dirty="0" smtClean="0"/>
+              <a:t>Source: Kubernetes</a:t>
+            </a:r>
+            <a:r>
+              <a:rPr lang="en-US" baseline="0" dirty="0" smtClean="0"/>
+              <a:t> Documentation</a:t>
+            </a:r>
+          </a:p>
+          <a:p>
+            <a:endParaRPr lang="en-US" baseline="0" dirty="0" smtClean="0"/>
+          </a:p>
+          <a:p>
+            <a:endParaRPr lang="en-US" dirty="0"/>
+          </a:p>
+        </p:txBody>
+      </p:sp>
+      <p:sp>
+        <p:nvSpPr>
+          <p:cNvPr id="4" name="Slide Number Placeholder 3"/>
+          <p:cNvSpPr>
+            <a:spLocks noGrp="1"/>
+          </p:cNvSpPr>
+          <p:nvPr>
+            <p:ph type="sldNum" sz="quarter" idx="10"/>
+          </p:nvPr>
+        </p:nvSpPr>
+        <p:spPr/>
+        <p:txBody>
+          <a:bodyPr/>
+          <a:lstStyle/>
+          <a:p>
+            <a:fld id="{500BB746-7DEE-45D5-86D8-AC17FCBC3912}" type="slidenum">
+              <a:rPr lang="en-US" smtClean="0"/>
+              <a:t>11</a:t>
+            </a:fld>
+            <a:endParaRPr lang="en-US"/>
+          </a:p>
+        </p:txBody>
+      </p:sp>
+    </p:spTree>
+    <p:extLst>
+      <p:ext uri="{BB962C8B-B14F-4D97-AF65-F5344CB8AC3E}">
+        <p14:creationId xmlns:p14="http://schemas.microsoft.com/office/powerpoint/2010/main" val="1120187255"/>
+      </p:ext>
+    </p:extLst>
+  </p:cSld>
+  <p:clrMapOvr>
+    <a:masterClrMapping/>
+  </p:clrMapOvr>
+</p:notes>
+</file>
+
+<file path=ppt/notesSlides/notesSlide9.xml><?xml version="1.0" encoding="utf-8"?>
+<p:notes xmlns:a="http://schemas.openxmlformats.org/drawingml/2006/main" xmlns:r="http://schemas.openxmlformats.org/officeDocument/2006/relationships" xmlns:p="http://schemas.openxmlformats.org/presentationml/2006/main">
+  <p:cSld>
+    <p:spTree>
+      <p:nvGrpSpPr>
+        <p:cNvPr id="1" name=""/>
+        <p:cNvGrpSpPr/>
+        <p:nvPr/>
+      </p:nvGrpSpPr>
+      <p:grpSpPr>
+        <a:xfrm>
+          <a:off x="0" y="0"/>
+          <a:ext cx="0" cy="0"/>
+          <a:chOff x="0" y="0"/>
+          <a:chExt cx="0" cy="0"/>
+        </a:xfrm>
+      </p:grpSpPr>
+      <p:sp>
+        <p:nvSpPr>
+          <p:cNvPr id="2" name="Slide Image Placeholder 1"/>
+          <p:cNvSpPr>
+            <a:spLocks noGrp="1" noRot="1" noChangeAspect="1"/>
+          </p:cNvSpPr>
+          <p:nvPr>
+            <p:ph type="sldImg"/>
+          </p:nvPr>
+        </p:nvSpPr>
+        <p:spPr/>
+      </p:sp>
+      <p:sp>
+        <p:nvSpPr>
+          <p:cNvPr id="3" name="Notes Placeholder 2"/>
+          <p:cNvSpPr>
+            <a:spLocks noGrp="1"/>
+          </p:cNvSpPr>
+          <p:nvPr>
+            <p:ph type="body" idx="1"/>
+          </p:nvPr>
+        </p:nvSpPr>
+        <p:spPr/>
+        <p:txBody>
+          <a:bodyPr/>
+          <a:lstStyle/>
+          <a:p>
+            <a:r>
+              <a:rPr lang="en-US" dirty="0" smtClean="0"/>
+              <a:t>We’ll see how to define a </a:t>
+            </a:r>
+            <a:r>
+              <a:rPr lang="en-US" dirty="0" err="1" smtClean="0"/>
+              <a:t>Dockerfile</a:t>
+            </a:r>
+            <a:r>
+              <a:rPr lang="en-US" dirty="0" smtClean="0"/>
+              <a:t> in a second in the 2</a:t>
+            </a:r>
+            <a:r>
+              <a:rPr lang="en-US" baseline="30000" dirty="0" smtClean="0"/>
+              <a:t>nd</a:t>
+            </a:r>
+            <a:r>
+              <a:rPr lang="en-US" dirty="0" smtClean="0"/>
+              <a:t> demo</a:t>
+            </a:r>
+            <a:endParaRPr lang="en-US" dirty="0"/>
+          </a:p>
+        </p:txBody>
+      </p:sp>
+      <p:sp>
+        <p:nvSpPr>
+          <p:cNvPr id="4" name="Slide Number Placeholder 3"/>
+          <p:cNvSpPr>
+            <a:spLocks noGrp="1"/>
+          </p:cNvSpPr>
+          <p:nvPr>
+            <p:ph type="sldNum" sz="quarter" idx="10"/>
+          </p:nvPr>
+        </p:nvSpPr>
+        <p:spPr/>
+        <p:txBody>
+          <a:bodyPr/>
+          <a:lstStyle/>
+          <a:p>
+            <a:fld id="{500BB746-7DEE-45D5-86D8-AC17FCBC3912}" type="slidenum">
+              <a:rPr lang="en-US" smtClean="0"/>
+              <a:t>14</a:t>
+            </a:fld>
+            <a:endParaRPr lang="en-US"/>
+          </a:p>
+        </p:txBody>
+      </p:sp>
+    </p:spTree>
+    <p:extLst>
+      <p:ext uri="{BB962C8B-B14F-4D97-AF65-F5344CB8AC3E}">
+        <p14:creationId xmlns:p14="http://schemas.microsoft.com/office/powerpoint/2010/main" val="2981992216"/>
+      </p:ext>
+    </p:extLst>
+  </p:cSld>
+  <p:clrMapOvr>
+    <a:masterClrMapping/>
+  </p:clrMapOvr>
+</p:notes>
+</file>
+
 <file path=ppt/slideLayouts/slideLayout1.xml><?xml version="1.0" encoding="utf-8"?>
-<p:sldLayout xmlns:a="http://schemas.openxmlformats.org/drawingml/2006/main" xmlns:r="http://schemas.openxmlformats.org/officeDocument/2006/relationships" xmlns:p="http://schemas.openxmlformats.org/presentationml/2006/main" type="title" preserve="1">
+<p:sldLayout xmlns:a="http://schemas.openxmlformats.org/drawingml/2006/main" xmlns:r="http://schemas.openxmlformats.org/officeDocument/2006/relationships" xmlns:p="http://schemas.openxmlformats.org/presentationml/2006/main" showMasterSp="0" type="title" preserve="1">
   <p:cSld name="Title Slide">
     <p:spTree>
       <p:nvGrpSpPr>
@@ -976,6 +1831,536 @@
           <a:chExt cx="0" cy="0"/>
         </a:xfrm>
       </p:grpSpPr>
+      <p:grpSp>
+        <p:nvGrpSpPr>
+          <p:cNvPr id="7" name="Group 6"/>
+          <p:cNvGrpSpPr/>
+          <p:nvPr/>
+        </p:nvGrpSpPr>
+        <p:grpSpPr>
+          <a:xfrm>
+            <a:off x="0" y="-8467"/>
+            <a:ext cx="12192000" cy="6866467"/>
+            <a:chOff x="0" y="-8467"/>
+            <a:chExt cx="12192000" cy="6866467"/>
+          </a:xfrm>
+        </p:grpSpPr>
+        <p:cxnSp>
+          <p:nvCxnSpPr>
+            <p:cNvPr id="32" name="Straight Connector 31"/>
+            <p:cNvCxnSpPr/>
+            <p:nvPr/>
+          </p:nvCxnSpPr>
+          <p:spPr>
+            <a:xfrm>
+              <a:off x="9371012" y="0"/>
+              <a:ext cx="1219200" cy="6858000"/>
+            </a:xfrm>
+            <a:prstGeom prst="line">
+              <a:avLst/>
+            </a:prstGeom>
+            <a:ln w="9525">
+              <a:solidFill>
+                <a:schemeClr val="bg1">
+                  <a:lumMod val="75000"/>
+                </a:schemeClr>
+              </a:solidFill>
+            </a:ln>
+          </p:spPr>
+          <p:style>
+            <a:lnRef idx="2">
+              <a:schemeClr val="accent1"/>
+            </a:lnRef>
+            <a:fillRef idx="0">
+              <a:schemeClr val="accent1"/>
+            </a:fillRef>
+            <a:effectRef idx="1">
+              <a:schemeClr val="accent1"/>
+            </a:effectRef>
+            <a:fontRef idx="minor">
+              <a:schemeClr val="tx1"/>
+            </a:fontRef>
+          </p:style>
+        </p:cxnSp>
+        <p:cxnSp>
+          <p:nvCxnSpPr>
+            <p:cNvPr id="21" name="Straight Connector 20"/>
+            <p:cNvCxnSpPr/>
+            <p:nvPr/>
+          </p:nvCxnSpPr>
+          <p:spPr>
+            <a:xfrm flipH="1">
+              <a:off x="7425267" y="3681413"/>
+              <a:ext cx="4763558" cy="3176587"/>
+            </a:xfrm>
+            <a:prstGeom prst="line">
+              <a:avLst/>
+            </a:prstGeom>
+            <a:ln w="9525">
+              <a:solidFill>
+                <a:schemeClr val="bg1">
+                  <a:lumMod val="85000"/>
+                </a:schemeClr>
+              </a:solidFill>
+            </a:ln>
+          </p:spPr>
+          <p:style>
+            <a:lnRef idx="2">
+              <a:schemeClr val="accent1"/>
+            </a:lnRef>
+            <a:fillRef idx="0">
+              <a:schemeClr val="accent1"/>
+            </a:fillRef>
+            <a:effectRef idx="1">
+              <a:schemeClr val="accent1"/>
+            </a:effectRef>
+            <a:fontRef idx="minor">
+              <a:schemeClr val="tx1"/>
+            </a:fontRef>
+          </p:style>
+        </p:cxnSp>
+        <p:sp>
+          <p:nvSpPr>
+            <p:cNvPr id="24" name="Rectangle 23"/>
+            <p:cNvSpPr/>
+            <p:nvPr/>
+          </p:nvSpPr>
+          <p:spPr>
+            <a:xfrm>
+              <a:off x="9181476" y="-8467"/>
+              <a:ext cx="3007349" cy="6866467"/>
+            </a:xfrm>
+            <a:custGeom>
+              <a:avLst/>
+              <a:gdLst/>
+              <a:ahLst/>
+              <a:cxnLst/>
+              <a:rect l="l" t="t" r="r" b="b"/>
+              <a:pathLst>
+                <a:path w="3007349" h="6866467">
+                  <a:moveTo>
+                    <a:pt x="2045532" y="0"/>
+                  </a:moveTo>
+                  <a:lnTo>
+                    <a:pt x="3007349" y="0"/>
+                  </a:lnTo>
+                  <a:lnTo>
+                    <a:pt x="3007349" y="6866467"/>
+                  </a:lnTo>
+                  <a:lnTo>
+                    <a:pt x="0" y="6866467"/>
+                  </a:lnTo>
+                  <a:lnTo>
+                    <a:pt x="2045532" y="0"/>
+                  </a:lnTo>
+                  <a:close/>
+                </a:path>
+              </a:pathLst>
+            </a:custGeom>
+            <a:solidFill>
+              <a:schemeClr val="accent1">
+                <a:alpha val="30000"/>
+              </a:schemeClr>
+            </a:solidFill>
+            <a:ln>
+              <a:noFill/>
+            </a:ln>
+            <a:effectLst/>
+          </p:spPr>
+          <p:style>
+            <a:lnRef idx="1">
+              <a:schemeClr val="accent1"/>
+            </a:lnRef>
+            <a:fillRef idx="3">
+              <a:schemeClr val="accent1"/>
+            </a:fillRef>
+            <a:effectRef idx="2">
+              <a:schemeClr val="accent1"/>
+            </a:effectRef>
+            <a:fontRef idx="minor">
+              <a:schemeClr val="lt1"/>
+            </a:fontRef>
+          </p:style>
+        </p:sp>
+        <p:sp>
+          <p:nvSpPr>
+            <p:cNvPr id="26" name="Rectangle 25"/>
+            <p:cNvSpPr/>
+            <p:nvPr/>
+          </p:nvSpPr>
+          <p:spPr>
+            <a:xfrm>
+              <a:off x="9603442" y="-8467"/>
+              <a:ext cx="2588558" cy="6866467"/>
+            </a:xfrm>
+            <a:custGeom>
+              <a:avLst/>
+              <a:gdLst/>
+              <a:ahLst/>
+              <a:cxnLst/>
+              <a:rect l="l" t="t" r="r" b="b"/>
+              <a:pathLst>
+                <a:path w="2573311" h="6866467">
+                  <a:moveTo>
+                    <a:pt x="0" y="0"/>
+                  </a:moveTo>
+                  <a:lnTo>
+                    <a:pt x="2573311" y="0"/>
+                  </a:lnTo>
+                  <a:lnTo>
+                    <a:pt x="2573311" y="6866467"/>
+                  </a:lnTo>
+                  <a:lnTo>
+                    <a:pt x="1202336" y="6866467"/>
+                  </a:lnTo>
+                  <a:lnTo>
+                    <a:pt x="0" y="0"/>
+                  </a:lnTo>
+                  <a:close/>
+                </a:path>
+              </a:pathLst>
+            </a:custGeom>
+            <a:solidFill>
+              <a:schemeClr val="accent1">
+                <a:alpha val="20000"/>
+              </a:schemeClr>
+            </a:solidFill>
+            <a:ln>
+              <a:noFill/>
+            </a:ln>
+            <a:effectLst/>
+          </p:spPr>
+          <p:style>
+            <a:lnRef idx="1">
+              <a:schemeClr val="accent1"/>
+            </a:lnRef>
+            <a:fillRef idx="3">
+              <a:schemeClr val="accent1"/>
+            </a:fillRef>
+            <a:effectRef idx="2">
+              <a:schemeClr val="accent1"/>
+            </a:effectRef>
+            <a:fontRef idx="minor">
+              <a:schemeClr val="lt1"/>
+            </a:fontRef>
+          </p:style>
+        </p:sp>
+        <p:sp>
+          <p:nvSpPr>
+            <p:cNvPr id="27" name="Isosceles Triangle 26"/>
+            <p:cNvSpPr/>
+            <p:nvPr/>
+          </p:nvSpPr>
+          <p:spPr>
+            <a:xfrm>
+              <a:off x="8932333" y="3048000"/>
+              <a:ext cx="3259667" cy="3810000"/>
+            </a:xfrm>
+            <a:prstGeom prst="triangle">
+              <a:avLst>
+                <a:gd name="adj" fmla="val 100000"/>
+              </a:avLst>
+            </a:prstGeom>
+            <a:solidFill>
+              <a:schemeClr val="accent2">
+                <a:alpha val="72000"/>
+              </a:schemeClr>
+            </a:solidFill>
+            <a:ln>
+              <a:noFill/>
+            </a:ln>
+            <a:effectLst/>
+          </p:spPr>
+          <p:style>
+            <a:lnRef idx="1">
+              <a:schemeClr val="accent1"/>
+            </a:lnRef>
+            <a:fillRef idx="3">
+              <a:schemeClr val="accent1"/>
+            </a:fillRef>
+            <a:effectRef idx="2">
+              <a:schemeClr val="accent1"/>
+            </a:effectRef>
+            <a:fontRef idx="minor">
+              <a:schemeClr val="lt1"/>
+            </a:fontRef>
+          </p:style>
+        </p:sp>
+        <p:sp>
+          <p:nvSpPr>
+            <p:cNvPr id="28" name="Rectangle 27"/>
+            <p:cNvSpPr/>
+            <p:nvPr/>
+          </p:nvSpPr>
+          <p:spPr>
+            <a:xfrm>
+              <a:off x="9334500" y="-8467"/>
+              <a:ext cx="2854326" cy="6866467"/>
+            </a:xfrm>
+            <a:custGeom>
+              <a:avLst/>
+              <a:gdLst/>
+              <a:ahLst/>
+              <a:cxnLst/>
+              <a:rect l="l" t="t" r="r" b="b"/>
+              <a:pathLst>
+                <a:path w="2858013" h="6866467">
+                  <a:moveTo>
+                    <a:pt x="0" y="0"/>
+                  </a:moveTo>
+                  <a:lnTo>
+                    <a:pt x="2858013" y="0"/>
+                  </a:lnTo>
+                  <a:lnTo>
+                    <a:pt x="2858013" y="6866467"/>
+                  </a:lnTo>
+                  <a:lnTo>
+                    <a:pt x="2473942" y="6866467"/>
+                  </a:lnTo>
+                  <a:lnTo>
+                    <a:pt x="0" y="0"/>
+                  </a:lnTo>
+                  <a:close/>
+                </a:path>
+              </a:pathLst>
+            </a:custGeom>
+            <a:solidFill>
+              <a:schemeClr val="accent2">
+                <a:lumMod val="75000"/>
+                <a:alpha val="70000"/>
+              </a:schemeClr>
+            </a:solidFill>
+            <a:ln>
+              <a:noFill/>
+            </a:ln>
+            <a:effectLst/>
+          </p:spPr>
+          <p:style>
+            <a:lnRef idx="1">
+              <a:schemeClr val="accent1"/>
+            </a:lnRef>
+            <a:fillRef idx="3">
+              <a:schemeClr val="accent1"/>
+            </a:fillRef>
+            <a:effectRef idx="2">
+              <a:schemeClr val="accent1"/>
+            </a:effectRef>
+            <a:fontRef idx="minor">
+              <a:schemeClr val="lt1"/>
+            </a:fontRef>
+          </p:style>
+        </p:sp>
+        <p:sp>
+          <p:nvSpPr>
+            <p:cNvPr id="29" name="Rectangle 28"/>
+            <p:cNvSpPr/>
+            <p:nvPr/>
+          </p:nvSpPr>
+          <p:spPr>
+            <a:xfrm>
+              <a:off x="10898730" y="-8467"/>
+              <a:ext cx="1290094" cy="6866467"/>
+            </a:xfrm>
+            <a:custGeom>
+              <a:avLst/>
+              <a:gdLst/>
+              <a:ahLst/>
+              <a:cxnLst/>
+              <a:rect l="l" t="t" r="r" b="b"/>
+              <a:pathLst>
+                <a:path w="1290094" h="6858000">
+                  <a:moveTo>
+                    <a:pt x="1019735" y="0"/>
+                  </a:moveTo>
+                  <a:lnTo>
+                    <a:pt x="1290094" y="0"/>
+                  </a:lnTo>
+                  <a:lnTo>
+                    <a:pt x="1290094" y="6858000"/>
+                  </a:lnTo>
+                  <a:lnTo>
+                    <a:pt x="0" y="6858000"/>
+                  </a:lnTo>
+                  <a:lnTo>
+                    <a:pt x="1019735" y="0"/>
+                  </a:lnTo>
+                  <a:close/>
+                </a:path>
+              </a:pathLst>
+            </a:custGeom>
+            <a:solidFill>
+              <a:schemeClr val="accent1">
+                <a:lumMod val="60000"/>
+                <a:lumOff val="40000"/>
+                <a:alpha val="70000"/>
+              </a:schemeClr>
+            </a:solidFill>
+            <a:ln>
+              <a:noFill/>
+            </a:ln>
+            <a:effectLst/>
+          </p:spPr>
+          <p:style>
+            <a:lnRef idx="1">
+              <a:schemeClr val="accent1"/>
+            </a:lnRef>
+            <a:fillRef idx="3">
+              <a:schemeClr val="accent1"/>
+            </a:fillRef>
+            <a:effectRef idx="2">
+              <a:schemeClr val="accent1"/>
+            </a:effectRef>
+            <a:fontRef idx="minor">
+              <a:schemeClr val="lt1"/>
+            </a:fontRef>
+          </p:style>
+        </p:sp>
+        <p:sp>
+          <p:nvSpPr>
+            <p:cNvPr id="30" name="Rectangle 29"/>
+            <p:cNvSpPr/>
+            <p:nvPr/>
+          </p:nvSpPr>
+          <p:spPr>
+            <a:xfrm>
+              <a:off x="10938999" y="-8467"/>
+              <a:ext cx="1249825" cy="6866467"/>
+            </a:xfrm>
+            <a:custGeom>
+              <a:avLst/>
+              <a:gdLst/>
+              <a:ahLst/>
+              <a:cxnLst/>
+              <a:rect l="l" t="t" r="r" b="b"/>
+              <a:pathLst>
+                <a:path w="1249825" h="6858000">
+                  <a:moveTo>
+                    <a:pt x="0" y="0"/>
+                  </a:moveTo>
+                  <a:lnTo>
+                    <a:pt x="1249825" y="0"/>
+                  </a:lnTo>
+                  <a:lnTo>
+                    <a:pt x="1249825" y="6858000"/>
+                  </a:lnTo>
+                  <a:lnTo>
+                    <a:pt x="1109382" y="6858000"/>
+                  </a:lnTo>
+                  <a:lnTo>
+                    <a:pt x="0" y="0"/>
+                  </a:lnTo>
+                  <a:close/>
+                </a:path>
+              </a:pathLst>
+            </a:custGeom>
+            <a:solidFill>
+              <a:schemeClr val="accent1">
+                <a:alpha val="65000"/>
+              </a:schemeClr>
+            </a:solidFill>
+            <a:ln>
+              <a:noFill/>
+            </a:ln>
+            <a:effectLst/>
+          </p:spPr>
+          <p:style>
+            <a:lnRef idx="1">
+              <a:schemeClr val="accent1"/>
+            </a:lnRef>
+            <a:fillRef idx="3">
+              <a:schemeClr val="accent1"/>
+            </a:fillRef>
+            <a:effectRef idx="2">
+              <a:schemeClr val="accent1"/>
+            </a:effectRef>
+            <a:fontRef idx="minor">
+              <a:schemeClr val="lt1"/>
+            </a:fontRef>
+          </p:style>
+        </p:sp>
+        <p:sp>
+          <p:nvSpPr>
+            <p:cNvPr id="31" name="Isosceles Triangle 30"/>
+            <p:cNvSpPr/>
+            <p:nvPr/>
+          </p:nvSpPr>
+          <p:spPr>
+            <a:xfrm>
+              <a:off x="10371666" y="3589867"/>
+              <a:ext cx="1817159" cy="3268133"/>
+            </a:xfrm>
+            <a:prstGeom prst="triangle">
+              <a:avLst>
+                <a:gd name="adj" fmla="val 100000"/>
+              </a:avLst>
+            </a:prstGeom>
+            <a:solidFill>
+              <a:schemeClr val="accent1">
+                <a:alpha val="80000"/>
+              </a:schemeClr>
+            </a:solidFill>
+            <a:ln>
+              <a:noFill/>
+            </a:ln>
+            <a:effectLst/>
+          </p:spPr>
+          <p:style>
+            <a:lnRef idx="1">
+              <a:schemeClr val="accent1"/>
+            </a:lnRef>
+            <a:fillRef idx="3">
+              <a:schemeClr val="accent1"/>
+            </a:fillRef>
+            <a:effectRef idx="2">
+              <a:schemeClr val="accent1"/>
+            </a:effectRef>
+            <a:fontRef idx="minor">
+              <a:schemeClr val="lt1"/>
+            </a:fontRef>
+          </p:style>
+        </p:sp>
+        <p:sp>
+          <p:nvSpPr>
+            <p:cNvPr id="19" name="Isosceles Triangle 18"/>
+            <p:cNvSpPr/>
+            <p:nvPr/>
+          </p:nvSpPr>
+          <p:spPr>
+            <a:xfrm rot="10800000">
+              <a:off x="0" y="0"/>
+              <a:ext cx="842596" cy="5666154"/>
+            </a:xfrm>
+            <a:prstGeom prst="triangle">
+              <a:avLst>
+                <a:gd name="adj" fmla="val 100000"/>
+              </a:avLst>
+            </a:prstGeom>
+            <a:solidFill>
+              <a:schemeClr val="accent1">
+                <a:alpha val="85000"/>
+              </a:schemeClr>
+            </a:solidFill>
+            <a:ln>
+              <a:noFill/>
+            </a:ln>
+            <a:effectLst/>
+          </p:spPr>
+          <p:style>
+            <a:lnRef idx="1">
+              <a:schemeClr val="accent1"/>
+            </a:lnRef>
+            <a:fillRef idx="3">
+              <a:schemeClr val="accent1"/>
+            </a:fillRef>
+            <a:effectRef idx="2">
+              <a:schemeClr val="accent1"/>
+            </a:effectRef>
+            <a:fontRef idx="minor">
+              <a:schemeClr val="lt1"/>
+            </a:fontRef>
+          </p:style>
+        </p:sp>
+      </p:grpSp>
       <p:sp>
         <p:nvSpPr>
           <p:cNvPr id="2" name="Title 1"/>
@@ -988,15 +2373,21 @@
         </p:nvSpPr>
         <p:spPr>
           <a:xfrm>
-            <a:off x="1524000" y="1122363"/>
-            <a:ext cx="9144000" cy="2387600"/>
+            <a:off x="1507067" y="2404534"/>
+            <a:ext cx="7766936" cy="1646302"/>
           </a:xfrm>
         </p:spPr>
         <p:txBody>
-          <a:bodyPr anchor="b"/>
+          <a:bodyPr anchor="b">
+            <a:noAutofit/>
+          </a:bodyPr>
           <a:lstStyle>
-            <a:lvl1pPr algn="ctr">
-              <a:defRPr sz="6000"/>
+            <a:lvl1pPr algn="r">
+              <a:defRPr sz="5400">
+                <a:solidFill>
+                  <a:schemeClr val="accent1"/>
+                </a:solidFill>
+              </a:defRPr>
             </a:lvl1pPr>
           </a:lstStyle>
           <a:p>
@@ -1004,7 +2395,7 @@
               <a:rPr lang="en-US" smtClean="0"/>
               <a:t>Click to edit Master title style</a:t>
             </a:r>
-            <a:endParaRPr lang="en-US"/>
+            <a:endParaRPr lang="en-US" dirty="0"/>
           </a:p>
         </p:txBody>
       </p:sp>
@@ -1020,48 +2411,103 @@
         </p:nvSpPr>
         <p:spPr>
           <a:xfrm>
-            <a:off x="1524000" y="3602038"/>
-            <a:ext cx="9144000" cy="1655762"/>
+            <a:off x="1507067" y="4050833"/>
+            <a:ext cx="7766936" cy="1096899"/>
           </a:xfrm>
         </p:spPr>
         <p:txBody>
-          <a:bodyPr/>
+          <a:bodyPr anchor="t"/>
           <a:lstStyle>
-            <a:lvl1pPr marL="0" indent="0" algn="ctr">
-              <a:buNone/>
-              <a:defRPr sz="2400"/>
+            <a:lvl1pPr marL="0" indent="0" algn="r">
+              <a:buNone/>
+              <a:defRPr>
+                <a:solidFill>
+                  <a:schemeClr val="tx1">
+                    <a:lumMod val="50000"/>
+                    <a:lumOff val="50000"/>
+                  </a:schemeClr>
+                </a:solidFill>
+              </a:defRPr>
             </a:lvl1pPr>
             <a:lvl2pPr marL="457200" indent="0" algn="ctr">
               <a:buNone/>
-              <a:defRPr sz="2000"/>
+              <a:defRPr>
+                <a:solidFill>
+                  <a:schemeClr val="tx1">
+                    <a:tint val="75000"/>
+                  </a:schemeClr>
+                </a:solidFill>
+              </a:defRPr>
             </a:lvl2pPr>
             <a:lvl3pPr marL="914400" indent="0" algn="ctr">
               <a:buNone/>
-              <a:defRPr sz="1800"/>
+              <a:defRPr>
+                <a:solidFill>
+                  <a:schemeClr val="tx1">
+                    <a:tint val="75000"/>
+                  </a:schemeClr>
+                </a:solidFill>
+              </a:defRPr>
             </a:lvl3pPr>
             <a:lvl4pPr marL="1371600" indent="0" algn="ctr">
               <a:buNone/>
-              <a:defRPr sz="1600"/>
+              <a:defRPr>
+                <a:solidFill>
+                  <a:schemeClr val="tx1">
+                    <a:tint val="75000"/>
+                  </a:schemeClr>
+                </a:solidFill>
+              </a:defRPr>
             </a:lvl4pPr>
             <a:lvl5pPr marL="1828800" indent="0" algn="ctr">
               <a:buNone/>
-              <a:defRPr sz="1600"/>
+              <a:defRPr>
+                <a:solidFill>
+                  <a:schemeClr val="tx1">
+                    <a:tint val="75000"/>
+                  </a:schemeClr>
+                </a:solidFill>
+              </a:defRPr>
             </a:lvl5pPr>
             <a:lvl6pPr marL="2286000" indent="0" algn="ctr">
               <a:buNone/>
-              <a:defRPr sz="1600"/>
+              <a:defRPr>
+                <a:solidFill>
+                  <a:schemeClr val="tx1">
+                    <a:tint val="75000"/>
+                  </a:schemeClr>
+                </a:solidFill>
+              </a:defRPr>
             </a:lvl6pPr>
             <a:lvl7pPr marL="2743200" indent="0" algn="ctr">
               <a:buNone/>
-              <a:defRPr sz="1600"/>
+              <a:defRPr>
+                <a:solidFill>
+                  <a:schemeClr val="tx1">
+                    <a:tint val="75000"/>
+                  </a:schemeClr>
+                </a:solidFill>
+              </a:defRPr>
             </a:lvl7pPr>
             <a:lvl8pPr marL="3200400" indent="0" algn="ctr">
               <a:buNone/>
-              <a:defRPr sz="1600"/>
+              <a:defRPr>
+                <a:solidFill>
+                  <a:schemeClr val="tx1">
+                    <a:tint val="75000"/>
+                  </a:schemeClr>
+                </a:solidFill>
+              </a:defRPr>
             </a:lvl8pPr>
             <a:lvl9pPr marL="3657600" indent="0" algn="ctr">
               <a:buNone/>
-              <a:defRPr sz="1600"/>
+              <a:defRPr>
+                <a:solidFill>
+                  <a:schemeClr val="tx1">
+                    <a:tint val="75000"/>
+                  </a:schemeClr>
+                </a:solidFill>
+              </a:defRPr>
             </a:lvl9pPr>
           </a:lstStyle>
           <a:p>
@@ -1069,7 +2515,7 @@
               <a:rPr lang="en-US" smtClean="0"/>
               <a:t>Click to edit Master subtitle style</a:t>
             </a:r>
-            <a:endParaRPr lang="en-US"/>
+            <a:endParaRPr lang="en-US" dirty="0"/>
           </a:p>
         </p:txBody>
       </p:sp>
@@ -1090,7 +2536,7 @@
           <a:p>
             <a:fld id="{58E8A07E-AF8F-4286-B046-EB93E7655C6A}" type="datetimeFigureOut">
               <a:rPr lang="en-US" smtClean="0"/>
-              <a:t>12/7/2021</a:t>
+              <a:t>12/8/2021</a:t>
             </a:fld>
             <a:endParaRPr lang="en-US"/>
           </a:p>
@@ -1141,7 +2587,7 @@
     </p:spTree>
     <p:extLst>
       <p:ext uri="{BB962C8B-B14F-4D97-AF65-F5344CB8AC3E}">
-        <p14:creationId xmlns:p14="http://schemas.microsoft.com/office/powerpoint/2010/main" val="3759371398"/>
+        <p14:creationId xmlns:p14="http://schemas.microsoft.com/office/powerpoint/2010/main" val="374608298"/>
       </p:ext>
     </p:extLst>
   </p:cSld>
@@ -1152,6 +2598,1619 @@
 </file>
 
 <file path=ppt/slideLayouts/slideLayout10.xml><?xml version="1.0" encoding="utf-8"?>
+<p:sldLayout xmlns:a="http://schemas.openxmlformats.org/drawingml/2006/main" xmlns:r="http://schemas.openxmlformats.org/officeDocument/2006/relationships" xmlns:p="http://schemas.openxmlformats.org/presentationml/2006/main" preserve="1">
+  <p:cSld name="Title and Caption">
+    <p:spTree>
+      <p:nvGrpSpPr>
+        <p:cNvPr id="1" name=""/>
+        <p:cNvGrpSpPr/>
+        <p:nvPr/>
+      </p:nvGrpSpPr>
+      <p:grpSpPr>
+        <a:xfrm>
+          <a:off x="0" y="0"/>
+          <a:ext cx="0" cy="0"/>
+          <a:chOff x="0" y="0"/>
+          <a:chExt cx="0" cy="0"/>
+        </a:xfrm>
+      </p:grpSpPr>
+      <p:sp>
+        <p:nvSpPr>
+          <p:cNvPr id="2" name="Title 1"/>
+          <p:cNvSpPr>
+            <a:spLocks noGrp="1"/>
+          </p:cNvSpPr>
+          <p:nvPr>
+            <p:ph type="title"/>
+          </p:nvPr>
+        </p:nvSpPr>
+        <p:spPr>
+          <a:xfrm>
+            <a:off x="677335" y="609600"/>
+            <a:ext cx="8596668" cy="3403600"/>
+          </a:xfrm>
+        </p:spPr>
+        <p:txBody>
+          <a:bodyPr anchor="ctr">
+            <a:normAutofit/>
+          </a:bodyPr>
+          <a:lstStyle>
+            <a:lvl1pPr algn="l">
+              <a:defRPr sz="4400" b="0" cap="none"/>
+            </a:lvl1pPr>
+          </a:lstStyle>
+          <a:p>
+            <a:r>
+              <a:rPr lang="en-US" smtClean="0"/>
+              <a:t>Click to edit Master title style</a:t>
+            </a:r>
+            <a:endParaRPr lang="en-US" dirty="0"/>
+          </a:p>
+        </p:txBody>
+      </p:sp>
+      <p:sp>
+        <p:nvSpPr>
+          <p:cNvPr id="3" name="Text Placeholder 2"/>
+          <p:cNvSpPr>
+            <a:spLocks noGrp="1"/>
+          </p:cNvSpPr>
+          <p:nvPr>
+            <p:ph type="body" idx="1"/>
+          </p:nvPr>
+        </p:nvSpPr>
+        <p:spPr>
+          <a:xfrm>
+            <a:off x="677335" y="4470400"/>
+            <a:ext cx="8596668" cy="1570962"/>
+          </a:xfrm>
+        </p:spPr>
+        <p:txBody>
+          <a:bodyPr anchor="ctr">
+            <a:normAutofit/>
+          </a:bodyPr>
+          <a:lstStyle>
+            <a:lvl1pPr marL="0" indent="0" algn="l">
+              <a:buNone/>
+              <a:defRPr sz="1800">
+                <a:solidFill>
+                  <a:schemeClr val="tx1">
+                    <a:lumMod val="75000"/>
+                    <a:lumOff val="25000"/>
+                  </a:schemeClr>
+                </a:solidFill>
+              </a:defRPr>
+            </a:lvl1pPr>
+            <a:lvl2pPr marL="457200" indent="0">
+              <a:buNone/>
+              <a:defRPr sz="1800">
+                <a:solidFill>
+                  <a:schemeClr val="tx1">
+                    <a:tint val="75000"/>
+                  </a:schemeClr>
+                </a:solidFill>
+              </a:defRPr>
+            </a:lvl2pPr>
+            <a:lvl3pPr marL="914400" indent="0">
+              <a:buNone/>
+              <a:defRPr sz="1600">
+                <a:solidFill>
+                  <a:schemeClr val="tx1">
+                    <a:tint val="75000"/>
+                  </a:schemeClr>
+                </a:solidFill>
+              </a:defRPr>
+            </a:lvl3pPr>
+            <a:lvl4pPr marL="1371600" indent="0">
+              <a:buNone/>
+              <a:defRPr sz="1400">
+                <a:solidFill>
+                  <a:schemeClr val="tx1">
+                    <a:tint val="75000"/>
+                  </a:schemeClr>
+                </a:solidFill>
+              </a:defRPr>
+            </a:lvl4pPr>
+            <a:lvl5pPr marL="1828800" indent="0">
+              <a:buNone/>
+              <a:defRPr sz="1400">
+                <a:solidFill>
+                  <a:schemeClr val="tx1">
+                    <a:tint val="75000"/>
+                  </a:schemeClr>
+                </a:solidFill>
+              </a:defRPr>
+            </a:lvl5pPr>
+            <a:lvl6pPr marL="2286000" indent="0">
+              <a:buNone/>
+              <a:defRPr sz="1400">
+                <a:solidFill>
+                  <a:schemeClr val="tx1">
+                    <a:tint val="75000"/>
+                  </a:schemeClr>
+                </a:solidFill>
+              </a:defRPr>
+            </a:lvl6pPr>
+            <a:lvl7pPr marL="2743200" indent="0">
+              <a:buNone/>
+              <a:defRPr sz="1400">
+                <a:solidFill>
+                  <a:schemeClr val="tx1">
+                    <a:tint val="75000"/>
+                  </a:schemeClr>
+                </a:solidFill>
+              </a:defRPr>
+            </a:lvl7pPr>
+            <a:lvl8pPr marL="3200400" indent="0">
+              <a:buNone/>
+              <a:defRPr sz="1400">
+                <a:solidFill>
+                  <a:schemeClr val="tx1">
+                    <a:tint val="75000"/>
+                  </a:schemeClr>
+                </a:solidFill>
+              </a:defRPr>
+            </a:lvl8pPr>
+            <a:lvl9pPr marL="3657600" indent="0">
+              <a:buNone/>
+              <a:defRPr sz="1400">
+                <a:solidFill>
+                  <a:schemeClr val="tx1">
+                    <a:tint val="75000"/>
+                  </a:schemeClr>
+                </a:solidFill>
+              </a:defRPr>
+            </a:lvl9pPr>
+          </a:lstStyle>
+          <a:p>
+            <a:pPr lvl="0"/>
+            <a:r>
+              <a:rPr lang="en-US" smtClean="0"/>
+              <a:t>Edit Master text styles</a:t>
+            </a:r>
+          </a:p>
+        </p:txBody>
+      </p:sp>
+      <p:sp>
+        <p:nvSpPr>
+          <p:cNvPr id="4" name="Date Placeholder 3"/>
+          <p:cNvSpPr>
+            <a:spLocks noGrp="1"/>
+          </p:cNvSpPr>
+          <p:nvPr>
+            <p:ph type="dt" sz="half" idx="10"/>
+          </p:nvPr>
+        </p:nvSpPr>
+        <p:spPr/>
+        <p:txBody>
+          <a:bodyPr/>
+          <a:lstStyle/>
+          <a:p>
+            <a:fld id="{58E8A07E-AF8F-4286-B046-EB93E7655C6A}" type="datetimeFigureOut">
+              <a:rPr lang="en-US" smtClean="0"/>
+              <a:t>12/8/2021</a:t>
+            </a:fld>
+            <a:endParaRPr lang="en-US"/>
+          </a:p>
+        </p:txBody>
+      </p:sp>
+      <p:sp>
+        <p:nvSpPr>
+          <p:cNvPr id="5" name="Footer Placeholder 4"/>
+          <p:cNvSpPr>
+            <a:spLocks noGrp="1"/>
+          </p:cNvSpPr>
+          <p:nvPr>
+            <p:ph type="ftr" sz="quarter" idx="11"/>
+          </p:nvPr>
+        </p:nvSpPr>
+        <p:spPr/>
+        <p:txBody>
+          <a:bodyPr/>
+          <a:lstStyle/>
+          <a:p>
+            <a:endParaRPr lang="en-US"/>
+          </a:p>
+        </p:txBody>
+      </p:sp>
+      <p:sp>
+        <p:nvSpPr>
+          <p:cNvPr id="6" name="Slide Number Placeholder 5"/>
+          <p:cNvSpPr>
+            <a:spLocks noGrp="1"/>
+          </p:cNvSpPr>
+          <p:nvPr>
+            <p:ph type="sldNum" sz="quarter" idx="12"/>
+          </p:nvPr>
+        </p:nvSpPr>
+        <p:spPr/>
+        <p:txBody>
+          <a:bodyPr/>
+          <a:lstStyle/>
+          <a:p>
+            <a:fld id="{7001B143-6C1E-491B-A652-DFB0F654D66F}" type="slidenum">
+              <a:rPr lang="en-US" smtClean="0"/>
+              <a:t>‹#›</a:t>
+            </a:fld>
+            <a:endParaRPr lang="en-US"/>
+          </a:p>
+        </p:txBody>
+      </p:sp>
+    </p:spTree>
+    <p:extLst>
+      <p:ext uri="{BB962C8B-B14F-4D97-AF65-F5344CB8AC3E}">
+        <p14:creationId xmlns:p14="http://schemas.microsoft.com/office/powerpoint/2010/main" val="1571894341"/>
+      </p:ext>
+    </p:extLst>
+  </p:cSld>
+  <p:clrMapOvr>
+    <a:masterClrMapping/>
+  </p:clrMapOvr>
+</p:sldLayout>
+</file>
+
+<file path=ppt/slideLayouts/slideLayout11.xml><?xml version="1.0" encoding="utf-8"?>
+<p:sldLayout xmlns:a="http://schemas.openxmlformats.org/drawingml/2006/main" xmlns:r="http://schemas.openxmlformats.org/officeDocument/2006/relationships" xmlns:p="http://schemas.openxmlformats.org/presentationml/2006/main" preserve="1">
+  <p:cSld name="Quote with Caption">
+    <p:spTree>
+      <p:nvGrpSpPr>
+        <p:cNvPr id="1" name=""/>
+        <p:cNvGrpSpPr/>
+        <p:nvPr/>
+      </p:nvGrpSpPr>
+      <p:grpSpPr>
+        <a:xfrm>
+          <a:off x="0" y="0"/>
+          <a:ext cx="0" cy="0"/>
+          <a:chOff x="0" y="0"/>
+          <a:chExt cx="0" cy="0"/>
+        </a:xfrm>
+      </p:grpSpPr>
+      <p:sp>
+        <p:nvSpPr>
+          <p:cNvPr id="2" name="Title 1"/>
+          <p:cNvSpPr>
+            <a:spLocks noGrp="1"/>
+          </p:cNvSpPr>
+          <p:nvPr>
+            <p:ph type="title"/>
+          </p:nvPr>
+        </p:nvSpPr>
+        <p:spPr>
+          <a:xfrm>
+            <a:off x="931334" y="609600"/>
+            <a:ext cx="8094134" cy="3022600"/>
+          </a:xfrm>
+        </p:spPr>
+        <p:txBody>
+          <a:bodyPr anchor="ctr">
+            <a:normAutofit/>
+          </a:bodyPr>
+          <a:lstStyle>
+            <a:lvl1pPr algn="l">
+              <a:defRPr sz="4400" b="0" cap="none"/>
+            </a:lvl1pPr>
+          </a:lstStyle>
+          <a:p>
+            <a:r>
+              <a:rPr lang="en-US" smtClean="0"/>
+              <a:t>Click to edit Master title style</a:t>
+            </a:r>
+            <a:endParaRPr lang="en-US" dirty="0"/>
+          </a:p>
+        </p:txBody>
+      </p:sp>
+      <p:sp>
+        <p:nvSpPr>
+          <p:cNvPr id="23" name="Text Placeholder 9"/>
+          <p:cNvSpPr>
+            <a:spLocks noGrp="1"/>
+          </p:cNvSpPr>
+          <p:nvPr>
+            <p:ph type="body" sz="quarter" idx="13"/>
+          </p:nvPr>
+        </p:nvSpPr>
+        <p:spPr>
+          <a:xfrm>
+            <a:off x="1366139" y="3632200"/>
+            <a:ext cx="7224524" cy="381000"/>
+          </a:xfrm>
+        </p:spPr>
+        <p:txBody>
+          <a:bodyPr anchor="ctr">
+            <a:noAutofit/>
+          </a:bodyPr>
+          <a:lstStyle>
+            <a:lvl1pPr marL="0" indent="0">
+              <a:buFontTx/>
+              <a:buNone/>
+              <a:defRPr sz="1600">
+                <a:solidFill>
+                  <a:schemeClr val="tx1">
+                    <a:lumMod val="50000"/>
+                    <a:lumOff val="50000"/>
+                  </a:schemeClr>
+                </a:solidFill>
+              </a:defRPr>
+            </a:lvl1pPr>
+            <a:lvl2pPr marL="457200" indent="0">
+              <a:buFontTx/>
+              <a:buNone/>
+              <a:defRPr/>
+            </a:lvl2pPr>
+            <a:lvl3pPr marL="914400" indent="0">
+              <a:buFontTx/>
+              <a:buNone/>
+              <a:defRPr/>
+            </a:lvl3pPr>
+            <a:lvl4pPr marL="1371600" indent="0">
+              <a:buFontTx/>
+              <a:buNone/>
+              <a:defRPr/>
+            </a:lvl4pPr>
+            <a:lvl5pPr marL="1828800" indent="0">
+              <a:buFontTx/>
+              <a:buNone/>
+              <a:defRPr/>
+            </a:lvl5pPr>
+          </a:lstStyle>
+          <a:p>
+            <a:pPr lvl="0"/>
+            <a:r>
+              <a:rPr lang="en-US" smtClean="0"/>
+              <a:t>Edit Master text styles</a:t>
+            </a:r>
+          </a:p>
+        </p:txBody>
+      </p:sp>
+      <p:sp>
+        <p:nvSpPr>
+          <p:cNvPr id="3" name="Text Placeholder 2"/>
+          <p:cNvSpPr>
+            <a:spLocks noGrp="1"/>
+          </p:cNvSpPr>
+          <p:nvPr>
+            <p:ph type="body" idx="1"/>
+          </p:nvPr>
+        </p:nvSpPr>
+        <p:spPr>
+          <a:xfrm>
+            <a:off x="677335" y="4470400"/>
+            <a:ext cx="8596668" cy="1570962"/>
+          </a:xfrm>
+        </p:spPr>
+        <p:txBody>
+          <a:bodyPr anchor="ctr">
+            <a:normAutofit/>
+          </a:bodyPr>
+          <a:lstStyle>
+            <a:lvl1pPr marL="0" indent="0" algn="l">
+              <a:buNone/>
+              <a:defRPr sz="1800">
+                <a:solidFill>
+                  <a:schemeClr val="tx1">
+                    <a:lumMod val="75000"/>
+                    <a:lumOff val="25000"/>
+                  </a:schemeClr>
+                </a:solidFill>
+              </a:defRPr>
+            </a:lvl1pPr>
+            <a:lvl2pPr marL="457200" indent="0">
+              <a:buNone/>
+              <a:defRPr sz="1800">
+                <a:solidFill>
+                  <a:schemeClr val="tx1">
+                    <a:tint val="75000"/>
+                  </a:schemeClr>
+                </a:solidFill>
+              </a:defRPr>
+            </a:lvl2pPr>
+            <a:lvl3pPr marL="914400" indent="0">
+              <a:buNone/>
+              <a:defRPr sz="1600">
+                <a:solidFill>
+                  <a:schemeClr val="tx1">
+                    <a:tint val="75000"/>
+                  </a:schemeClr>
+                </a:solidFill>
+              </a:defRPr>
+            </a:lvl3pPr>
+            <a:lvl4pPr marL="1371600" indent="0">
+              <a:buNone/>
+              <a:defRPr sz="1400">
+                <a:solidFill>
+                  <a:schemeClr val="tx1">
+                    <a:tint val="75000"/>
+                  </a:schemeClr>
+                </a:solidFill>
+              </a:defRPr>
+            </a:lvl4pPr>
+            <a:lvl5pPr marL="1828800" indent="0">
+              <a:buNone/>
+              <a:defRPr sz="1400">
+                <a:solidFill>
+                  <a:schemeClr val="tx1">
+                    <a:tint val="75000"/>
+                  </a:schemeClr>
+                </a:solidFill>
+              </a:defRPr>
+            </a:lvl5pPr>
+            <a:lvl6pPr marL="2286000" indent="0">
+              <a:buNone/>
+              <a:defRPr sz="1400">
+                <a:solidFill>
+                  <a:schemeClr val="tx1">
+                    <a:tint val="75000"/>
+                  </a:schemeClr>
+                </a:solidFill>
+              </a:defRPr>
+            </a:lvl6pPr>
+            <a:lvl7pPr marL="2743200" indent="0">
+              <a:buNone/>
+              <a:defRPr sz="1400">
+                <a:solidFill>
+                  <a:schemeClr val="tx1">
+                    <a:tint val="75000"/>
+                  </a:schemeClr>
+                </a:solidFill>
+              </a:defRPr>
+            </a:lvl7pPr>
+            <a:lvl8pPr marL="3200400" indent="0">
+              <a:buNone/>
+              <a:defRPr sz="1400">
+                <a:solidFill>
+                  <a:schemeClr val="tx1">
+                    <a:tint val="75000"/>
+                  </a:schemeClr>
+                </a:solidFill>
+              </a:defRPr>
+            </a:lvl8pPr>
+            <a:lvl9pPr marL="3657600" indent="0">
+              <a:buNone/>
+              <a:defRPr sz="1400">
+                <a:solidFill>
+                  <a:schemeClr val="tx1">
+                    <a:tint val="75000"/>
+                  </a:schemeClr>
+                </a:solidFill>
+              </a:defRPr>
+            </a:lvl9pPr>
+          </a:lstStyle>
+          <a:p>
+            <a:pPr lvl="0"/>
+            <a:r>
+              <a:rPr lang="en-US" smtClean="0"/>
+              <a:t>Edit Master text styles</a:t>
+            </a:r>
+          </a:p>
+        </p:txBody>
+      </p:sp>
+      <p:sp>
+        <p:nvSpPr>
+          <p:cNvPr id="4" name="Date Placeholder 3"/>
+          <p:cNvSpPr>
+            <a:spLocks noGrp="1"/>
+          </p:cNvSpPr>
+          <p:nvPr>
+            <p:ph type="dt" sz="half" idx="10"/>
+          </p:nvPr>
+        </p:nvSpPr>
+        <p:spPr/>
+        <p:txBody>
+          <a:bodyPr/>
+          <a:lstStyle/>
+          <a:p>
+            <a:fld id="{58E8A07E-AF8F-4286-B046-EB93E7655C6A}" type="datetimeFigureOut">
+              <a:rPr lang="en-US" smtClean="0"/>
+              <a:t>12/8/2021</a:t>
+            </a:fld>
+            <a:endParaRPr lang="en-US"/>
+          </a:p>
+        </p:txBody>
+      </p:sp>
+      <p:sp>
+        <p:nvSpPr>
+          <p:cNvPr id="5" name="Footer Placeholder 4"/>
+          <p:cNvSpPr>
+            <a:spLocks noGrp="1"/>
+          </p:cNvSpPr>
+          <p:nvPr>
+            <p:ph type="ftr" sz="quarter" idx="11"/>
+          </p:nvPr>
+        </p:nvSpPr>
+        <p:spPr/>
+        <p:txBody>
+          <a:bodyPr/>
+          <a:lstStyle/>
+          <a:p>
+            <a:endParaRPr lang="en-US"/>
+          </a:p>
+        </p:txBody>
+      </p:sp>
+      <p:sp>
+        <p:nvSpPr>
+          <p:cNvPr id="6" name="Slide Number Placeholder 5"/>
+          <p:cNvSpPr>
+            <a:spLocks noGrp="1"/>
+          </p:cNvSpPr>
+          <p:nvPr>
+            <p:ph type="sldNum" sz="quarter" idx="12"/>
+          </p:nvPr>
+        </p:nvSpPr>
+        <p:spPr/>
+        <p:txBody>
+          <a:bodyPr/>
+          <a:lstStyle/>
+          <a:p>
+            <a:fld id="{7001B143-6C1E-491B-A652-DFB0F654D66F}" type="slidenum">
+              <a:rPr lang="en-US" smtClean="0"/>
+              <a:t>‹#›</a:t>
+            </a:fld>
+            <a:endParaRPr lang="en-US"/>
+          </a:p>
+        </p:txBody>
+      </p:sp>
+      <p:sp>
+        <p:nvSpPr>
+          <p:cNvPr id="20" name="TextBox 19"/>
+          <p:cNvSpPr txBox="1"/>
+          <p:nvPr/>
+        </p:nvSpPr>
+        <p:spPr>
+          <a:xfrm>
+            <a:off x="541870" y="790378"/>
+            <a:ext cx="609600" cy="584776"/>
+          </a:xfrm>
+          <a:prstGeom prst="rect">
+            <a:avLst/>
+          </a:prstGeom>
+        </p:spPr>
+        <p:txBody>
+          <a:bodyPr vert="horz" lIns="91440" tIns="45720" rIns="91440" bIns="45720" rtlCol="0" anchor="ctr">
+            <a:noAutofit/>
+          </a:bodyPr>
+          <a:lstStyle/>
+          <a:p>
+            <a:pPr lvl="0"/>
+            <a:r>
+              <a:rPr lang="en-US" sz="8000" baseline="0" dirty="0">
+                <a:ln w="3175" cmpd="sng">
+                  <a:noFill/>
+                </a:ln>
+                <a:solidFill>
+                  <a:schemeClr val="accent1">
+                    <a:lumMod val="60000"/>
+                    <a:lumOff val="40000"/>
+                  </a:schemeClr>
+                </a:solidFill>
+                <a:effectLst/>
+                <a:latin typeface="Arial"/>
+              </a:rPr>
+              <a:t>“</a:t>
+            </a:r>
+          </a:p>
+        </p:txBody>
+      </p:sp>
+      <p:sp>
+        <p:nvSpPr>
+          <p:cNvPr id="22" name="TextBox 21"/>
+          <p:cNvSpPr txBox="1"/>
+          <p:nvPr/>
+        </p:nvSpPr>
+        <p:spPr>
+          <a:xfrm>
+            <a:off x="8893011" y="2886556"/>
+            <a:ext cx="609600" cy="584776"/>
+          </a:xfrm>
+          <a:prstGeom prst="rect">
+            <a:avLst/>
+          </a:prstGeom>
+        </p:spPr>
+        <p:txBody>
+          <a:bodyPr vert="horz" lIns="91440" tIns="45720" rIns="91440" bIns="45720" rtlCol="0" anchor="ctr">
+            <a:noAutofit/>
+          </a:bodyPr>
+          <a:lstStyle/>
+          <a:p>
+            <a:pPr lvl="0"/>
+            <a:r>
+              <a:rPr lang="en-US" sz="8000" baseline="0" dirty="0">
+                <a:ln w="3175" cmpd="sng">
+                  <a:noFill/>
+                </a:ln>
+                <a:solidFill>
+                  <a:schemeClr val="accent1">
+                    <a:lumMod val="60000"/>
+                    <a:lumOff val="40000"/>
+                  </a:schemeClr>
+                </a:solidFill>
+                <a:latin typeface="Arial"/>
+              </a:rPr>
+              <a:t>”</a:t>
+            </a:r>
+            <a:endParaRPr lang="en-US" dirty="0">
+              <a:solidFill>
+                <a:schemeClr val="accent1">
+                  <a:lumMod val="60000"/>
+                  <a:lumOff val="40000"/>
+                </a:schemeClr>
+              </a:solidFill>
+              <a:latin typeface="Arial"/>
+            </a:endParaRPr>
+          </a:p>
+        </p:txBody>
+      </p:sp>
+    </p:spTree>
+    <p:extLst>
+      <p:ext uri="{BB962C8B-B14F-4D97-AF65-F5344CB8AC3E}">
+        <p14:creationId xmlns:p14="http://schemas.microsoft.com/office/powerpoint/2010/main" val="1507106341"/>
+      </p:ext>
+    </p:extLst>
+  </p:cSld>
+  <p:clrMapOvr>
+    <a:masterClrMapping/>
+  </p:clrMapOvr>
+</p:sldLayout>
+</file>
+
+<file path=ppt/slideLayouts/slideLayout12.xml><?xml version="1.0" encoding="utf-8"?>
+<p:sldLayout xmlns:a="http://schemas.openxmlformats.org/drawingml/2006/main" xmlns:r="http://schemas.openxmlformats.org/officeDocument/2006/relationships" xmlns:p="http://schemas.openxmlformats.org/presentationml/2006/main" preserve="1">
+  <p:cSld name="Name Card">
+    <p:spTree>
+      <p:nvGrpSpPr>
+        <p:cNvPr id="1" name=""/>
+        <p:cNvGrpSpPr/>
+        <p:nvPr/>
+      </p:nvGrpSpPr>
+      <p:grpSpPr>
+        <a:xfrm>
+          <a:off x="0" y="0"/>
+          <a:ext cx="0" cy="0"/>
+          <a:chOff x="0" y="0"/>
+          <a:chExt cx="0" cy="0"/>
+        </a:xfrm>
+      </p:grpSpPr>
+      <p:sp>
+        <p:nvSpPr>
+          <p:cNvPr id="2" name="Title 1"/>
+          <p:cNvSpPr>
+            <a:spLocks noGrp="1"/>
+          </p:cNvSpPr>
+          <p:nvPr>
+            <p:ph type="title"/>
+          </p:nvPr>
+        </p:nvSpPr>
+        <p:spPr>
+          <a:xfrm>
+            <a:off x="677335" y="1931988"/>
+            <a:ext cx="8596668" cy="2595460"/>
+          </a:xfrm>
+        </p:spPr>
+        <p:txBody>
+          <a:bodyPr anchor="b">
+            <a:normAutofit/>
+          </a:bodyPr>
+          <a:lstStyle>
+            <a:lvl1pPr algn="l">
+              <a:defRPr sz="4400" b="0" cap="none"/>
+            </a:lvl1pPr>
+          </a:lstStyle>
+          <a:p>
+            <a:r>
+              <a:rPr lang="en-US" smtClean="0"/>
+              <a:t>Click to edit Master title style</a:t>
+            </a:r>
+            <a:endParaRPr lang="en-US" dirty="0"/>
+          </a:p>
+        </p:txBody>
+      </p:sp>
+      <p:sp>
+        <p:nvSpPr>
+          <p:cNvPr id="3" name="Text Placeholder 2"/>
+          <p:cNvSpPr>
+            <a:spLocks noGrp="1"/>
+          </p:cNvSpPr>
+          <p:nvPr>
+            <p:ph type="body" idx="1"/>
+          </p:nvPr>
+        </p:nvSpPr>
+        <p:spPr>
+          <a:xfrm>
+            <a:off x="677335" y="4527448"/>
+            <a:ext cx="8596668" cy="1513914"/>
+          </a:xfrm>
+        </p:spPr>
+        <p:txBody>
+          <a:bodyPr anchor="t">
+            <a:normAutofit/>
+          </a:bodyPr>
+          <a:lstStyle>
+            <a:lvl1pPr marL="0" indent="0" algn="l">
+              <a:buNone/>
+              <a:defRPr sz="1800">
+                <a:solidFill>
+                  <a:schemeClr val="tx1">
+                    <a:lumMod val="75000"/>
+                    <a:lumOff val="25000"/>
+                  </a:schemeClr>
+                </a:solidFill>
+              </a:defRPr>
+            </a:lvl1pPr>
+            <a:lvl2pPr marL="457200" indent="0">
+              <a:buNone/>
+              <a:defRPr sz="1800">
+                <a:solidFill>
+                  <a:schemeClr val="tx1">
+                    <a:tint val="75000"/>
+                  </a:schemeClr>
+                </a:solidFill>
+              </a:defRPr>
+            </a:lvl2pPr>
+            <a:lvl3pPr marL="914400" indent="0">
+              <a:buNone/>
+              <a:defRPr sz="1600">
+                <a:solidFill>
+                  <a:schemeClr val="tx1">
+                    <a:tint val="75000"/>
+                  </a:schemeClr>
+                </a:solidFill>
+              </a:defRPr>
+            </a:lvl3pPr>
+            <a:lvl4pPr marL="1371600" indent="0">
+              <a:buNone/>
+              <a:defRPr sz="1400">
+                <a:solidFill>
+                  <a:schemeClr val="tx1">
+                    <a:tint val="75000"/>
+                  </a:schemeClr>
+                </a:solidFill>
+              </a:defRPr>
+            </a:lvl4pPr>
+            <a:lvl5pPr marL="1828800" indent="0">
+              <a:buNone/>
+              <a:defRPr sz="1400">
+                <a:solidFill>
+                  <a:schemeClr val="tx1">
+                    <a:tint val="75000"/>
+                  </a:schemeClr>
+                </a:solidFill>
+              </a:defRPr>
+            </a:lvl5pPr>
+            <a:lvl6pPr marL="2286000" indent="0">
+              <a:buNone/>
+              <a:defRPr sz="1400">
+                <a:solidFill>
+                  <a:schemeClr val="tx1">
+                    <a:tint val="75000"/>
+                  </a:schemeClr>
+                </a:solidFill>
+              </a:defRPr>
+            </a:lvl6pPr>
+            <a:lvl7pPr marL="2743200" indent="0">
+              <a:buNone/>
+              <a:defRPr sz="1400">
+                <a:solidFill>
+                  <a:schemeClr val="tx1">
+                    <a:tint val="75000"/>
+                  </a:schemeClr>
+                </a:solidFill>
+              </a:defRPr>
+            </a:lvl7pPr>
+            <a:lvl8pPr marL="3200400" indent="0">
+              <a:buNone/>
+              <a:defRPr sz="1400">
+                <a:solidFill>
+                  <a:schemeClr val="tx1">
+                    <a:tint val="75000"/>
+                  </a:schemeClr>
+                </a:solidFill>
+              </a:defRPr>
+            </a:lvl8pPr>
+            <a:lvl9pPr marL="3657600" indent="0">
+              <a:buNone/>
+              <a:defRPr sz="1400">
+                <a:solidFill>
+                  <a:schemeClr val="tx1">
+                    <a:tint val="75000"/>
+                  </a:schemeClr>
+                </a:solidFill>
+              </a:defRPr>
+            </a:lvl9pPr>
+          </a:lstStyle>
+          <a:p>
+            <a:pPr lvl="0"/>
+            <a:r>
+              <a:rPr lang="en-US" smtClean="0"/>
+              <a:t>Edit Master text styles</a:t>
+            </a:r>
+          </a:p>
+        </p:txBody>
+      </p:sp>
+      <p:sp>
+        <p:nvSpPr>
+          <p:cNvPr id="4" name="Date Placeholder 3"/>
+          <p:cNvSpPr>
+            <a:spLocks noGrp="1"/>
+          </p:cNvSpPr>
+          <p:nvPr>
+            <p:ph type="dt" sz="half" idx="10"/>
+          </p:nvPr>
+        </p:nvSpPr>
+        <p:spPr/>
+        <p:txBody>
+          <a:bodyPr/>
+          <a:lstStyle/>
+          <a:p>
+            <a:fld id="{58E8A07E-AF8F-4286-B046-EB93E7655C6A}" type="datetimeFigureOut">
+              <a:rPr lang="en-US" smtClean="0"/>
+              <a:t>12/8/2021</a:t>
+            </a:fld>
+            <a:endParaRPr lang="en-US"/>
+          </a:p>
+        </p:txBody>
+      </p:sp>
+      <p:sp>
+        <p:nvSpPr>
+          <p:cNvPr id="5" name="Footer Placeholder 4"/>
+          <p:cNvSpPr>
+            <a:spLocks noGrp="1"/>
+          </p:cNvSpPr>
+          <p:nvPr>
+            <p:ph type="ftr" sz="quarter" idx="11"/>
+          </p:nvPr>
+        </p:nvSpPr>
+        <p:spPr/>
+        <p:txBody>
+          <a:bodyPr/>
+          <a:lstStyle/>
+          <a:p>
+            <a:endParaRPr lang="en-US"/>
+          </a:p>
+        </p:txBody>
+      </p:sp>
+      <p:sp>
+        <p:nvSpPr>
+          <p:cNvPr id="6" name="Slide Number Placeholder 5"/>
+          <p:cNvSpPr>
+            <a:spLocks noGrp="1"/>
+          </p:cNvSpPr>
+          <p:nvPr>
+            <p:ph type="sldNum" sz="quarter" idx="12"/>
+          </p:nvPr>
+        </p:nvSpPr>
+        <p:spPr/>
+        <p:txBody>
+          <a:bodyPr/>
+          <a:lstStyle/>
+          <a:p>
+            <a:fld id="{7001B143-6C1E-491B-A652-DFB0F654D66F}" type="slidenum">
+              <a:rPr lang="en-US" smtClean="0"/>
+              <a:t>‹#›</a:t>
+            </a:fld>
+            <a:endParaRPr lang="en-US"/>
+          </a:p>
+        </p:txBody>
+      </p:sp>
+    </p:spTree>
+    <p:extLst>
+      <p:ext uri="{BB962C8B-B14F-4D97-AF65-F5344CB8AC3E}">
+        <p14:creationId xmlns:p14="http://schemas.microsoft.com/office/powerpoint/2010/main" val="3204909461"/>
+      </p:ext>
+    </p:extLst>
+  </p:cSld>
+  <p:clrMapOvr>
+    <a:masterClrMapping/>
+  </p:clrMapOvr>
+</p:sldLayout>
+</file>
+
+<file path=ppt/slideLayouts/slideLayout13.xml><?xml version="1.0" encoding="utf-8"?>
+<p:sldLayout xmlns:a="http://schemas.openxmlformats.org/drawingml/2006/main" xmlns:r="http://schemas.openxmlformats.org/officeDocument/2006/relationships" xmlns:p="http://schemas.openxmlformats.org/presentationml/2006/main" preserve="1">
+  <p:cSld name="Quote Name Card">
+    <p:spTree>
+      <p:nvGrpSpPr>
+        <p:cNvPr id="1" name=""/>
+        <p:cNvGrpSpPr/>
+        <p:nvPr/>
+      </p:nvGrpSpPr>
+      <p:grpSpPr>
+        <a:xfrm>
+          <a:off x="0" y="0"/>
+          <a:ext cx="0" cy="0"/>
+          <a:chOff x="0" y="0"/>
+          <a:chExt cx="0" cy="0"/>
+        </a:xfrm>
+      </p:grpSpPr>
+      <p:sp>
+        <p:nvSpPr>
+          <p:cNvPr id="2" name="Title 1"/>
+          <p:cNvSpPr>
+            <a:spLocks noGrp="1"/>
+          </p:cNvSpPr>
+          <p:nvPr>
+            <p:ph type="title"/>
+          </p:nvPr>
+        </p:nvSpPr>
+        <p:spPr>
+          <a:xfrm>
+            <a:off x="931334" y="609600"/>
+            <a:ext cx="8094134" cy="3022600"/>
+          </a:xfrm>
+        </p:spPr>
+        <p:txBody>
+          <a:bodyPr anchor="ctr">
+            <a:normAutofit/>
+          </a:bodyPr>
+          <a:lstStyle>
+            <a:lvl1pPr algn="l">
+              <a:defRPr sz="4400" b="0" cap="none"/>
+            </a:lvl1pPr>
+          </a:lstStyle>
+          <a:p>
+            <a:r>
+              <a:rPr lang="en-US" smtClean="0"/>
+              <a:t>Click to edit Master title style</a:t>
+            </a:r>
+            <a:endParaRPr lang="en-US" dirty="0"/>
+          </a:p>
+        </p:txBody>
+      </p:sp>
+      <p:sp>
+        <p:nvSpPr>
+          <p:cNvPr id="23" name="Text Placeholder 9"/>
+          <p:cNvSpPr>
+            <a:spLocks noGrp="1"/>
+          </p:cNvSpPr>
+          <p:nvPr>
+            <p:ph type="body" sz="quarter" idx="13"/>
+          </p:nvPr>
+        </p:nvSpPr>
+        <p:spPr>
+          <a:xfrm>
+            <a:off x="677332" y="4013200"/>
+            <a:ext cx="8596669" cy="514248"/>
+          </a:xfrm>
+        </p:spPr>
+        <p:txBody>
+          <a:bodyPr anchor="b">
+            <a:noAutofit/>
+          </a:bodyPr>
+          <a:lstStyle>
+            <a:lvl1pPr marL="0" indent="0">
+              <a:buFontTx/>
+              <a:buNone/>
+              <a:defRPr sz="2400">
+                <a:solidFill>
+                  <a:schemeClr val="tx1">
+                    <a:lumMod val="75000"/>
+                    <a:lumOff val="25000"/>
+                  </a:schemeClr>
+                </a:solidFill>
+              </a:defRPr>
+            </a:lvl1pPr>
+            <a:lvl2pPr marL="457200" indent="0">
+              <a:buFontTx/>
+              <a:buNone/>
+              <a:defRPr/>
+            </a:lvl2pPr>
+            <a:lvl3pPr marL="914400" indent="0">
+              <a:buFontTx/>
+              <a:buNone/>
+              <a:defRPr/>
+            </a:lvl3pPr>
+            <a:lvl4pPr marL="1371600" indent="0">
+              <a:buFontTx/>
+              <a:buNone/>
+              <a:defRPr/>
+            </a:lvl4pPr>
+            <a:lvl5pPr marL="1828800" indent="0">
+              <a:buFontTx/>
+              <a:buNone/>
+              <a:defRPr/>
+            </a:lvl5pPr>
+          </a:lstStyle>
+          <a:p>
+            <a:pPr lvl="0"/>
+            <a:r>
+              <a:rPr lang="en-US" smtClean="0"/>
+              <a:t>Edit Master text styles</a:t>
+            </a:r>
+          </a:p>
+        </p:txBody>
+      </p:sp>
+      <p:sp>
+        <p:nvSpPr>
+          <p:cNvPr id="3" name="Text Placeholder 2"/>
+          <p:cNvSpPr>
+            <a:spLocks noGrp="1"/>
+          </p:cNvSpPr>
+          <p:nvPr>
+            <p:ph type="body" idx="1"/>
+          </p:nvPr>
+        </p:nvSpPr>
+        <p:spPr>
+          <a:xfrm>
+            <a:off x="677335" y="4527448"/>
+            <a:ext cx="8596668" cy="1513914"/>
+          </a:xfrm>
+        </p:spPr>
+        <p:txBody>
+          <a:bodyPr anchor="t">
+            <a:normAutofit/>
+          </a:bodyPr>
+          <a:lstStyle>
+            <a:lvl1pPr marL="0" indent="0" algn="l">
+              <a:buNone/>
+              <a:defRPr sz="1800">
+                <a:solidFill>
+                  <a:schemeClr val="tx1">
+                    <a:lumMod val="50000"/>
+                    <a:lumOff val="50000"/>
+                  </a:schemeClr>
+                </a:solidFill>
+              </a:defRPr>
+            </a:lvl1pPr>
+            <a:lvl2pPr marL="457200" indent="0">
+              <a:buNone/>
+              <a:defRPr sz="1800">
+                <a:solidFill>
+                  <a:schemeClr val="tx1">
+                    <a:tint val="75000"/>
+                  </a:schemeClr>
+                </a:solidFill>
+              </a:defRPr>
+            </a:lvl2pPr>
+            <a:lvl3pPr marL="914400" indent="0">
+              <a:buNone/>
+              <a:defRPr sz="1600">
+                <a:solidFill>
+                  <a:schemeClr val="tx1">
+                    <a:tint val="75000"/>
+                  </a:schemeClr>
+                </a:solidFill>
+              </a:defRPr>
+            </a:lvl3pPr>
+            <a:lvl4pPr marL="1371600" indent="0">
+              <a:buNone/>
+              <a:defRPr sz="1400">
+                <a:solidFill>
+                  <a:schemeClr val="tx1">
+                    <a:tint val="75000"/>
+                  </a:schemeClr>
+                </a:solidFill>
+              </a:defRPr>
+            </a:lvl4pPr>
+            <a:lvl5pPr marL="1828800" indent="0">
+              <a:buNone/>
+              <a:defRPr sz="1400">
+                <a:solidFill>
+                  <a:schemeClr val="tx1">
+                    <a:tint val="75000"/>
+                  </a:schemeClr>
+                </a:solidFill>
+              </a:defRPr>
+            </a:lvl5pPr>
+            <a:lvl6pPr marL="2286000" indent="0">
+              <a:buNone/>
+              <a:defRPr sz="1400">
+                <a:solidFill>
+                  <a:schemeClr val="tx1">
+                    <a:tint val="75000"/>
+                  </a:schemeClr>
+                </a:solidFill>
+              </a:defRPr>
+            </a:lvl6pPr>
+            <a:lvl7pPr marL="2743200" indent="0">
+              <a:buNone/>
+              <a:defRPr sz="1400">
+                <a:solidFill>
+                  <a:schemeClr val="tx1">
+                    <a:tint val="75000"/>
+                  </a:schemeClr>
+                </a:solidFill>
+              </a:defRPr>
+            </a:lvl7pPr>
+            <a:lvl8pPr marL="3200400" indent="0">
+              <a:buNone/>
+              <a:defRPr sz="1400">
+                <a:solidFill>
+                  <a:schemeClr val="tx1">
+                    <a:tint val="75000"/>
+                  </a:schemeClr>
+                </a:solidFill>
+              </a:defRPr>
+            </a:lvl8pPr>
+            <a:lvl9pPr marL="3657600" indent="0">
+              <a:buNone/>
+              <a:defRPr sz="1400">
+                <a:solidFill>
+                  <a:schemeClr val="tx1">
+                    <a:tint val="75000"/>
+                  </a:schemeClr>
+                </a:solidFill>
+              </a:defRPr>
+            </a:lvl9pPr>
+          </a:lstStyle>
+          <a:p>
+            <a:pPr lvl="0"/>
+            <a:r>
+              <a:rPr lang="en-US" smtClean="0"/>
+              <a:t>Edit Master text styles</a:t>
+            </a:r>
+          </a:p>
+        </p:txBody>
+      </p:sp>
+      <p:sp>
+        <p:nvSpPr>
+          <p:cNvPr id="4" name="Date Placeholder 3"/>
+          <p:cNvSpPr>
+            <a:spLocks noGrp="1"/>
+          </p:cNvSpPr>
+          <p:nvPr>
+            <p:ph type="dt" sz="half" idx="10"/>
+          </p:nvPr>
+        </p:nvSpPr>
+        <p:spPr/>
+        <p:txBody>
+          <a:bodyPr/>
+          <a:lstStyle/>
+          <a:p>
+            <a:fld id="{58E8A07E-AF8F-4286-B046-EB93E7655C6A}" type="datetimeFigureOut">
+              <a:rPr lang="en-US" smtClean="0"/>
+              <a:t>12/8/2021</a:t>
+            </a:fld>
+            <a:endParaRPr lang="en-US"/>
+          </a:p>
+        </p:txBody>
+      </p:sp>
+      <p:sp>
+        <p:nvSpPr>
+          <p:cNvPr id="5" name="Footer Placeholder 4"/>
+          <p:cNvSpPr>
+            <a:spLocks noGrp="1"/>
+          </p:cNvSpPr>
+          <p:nvPr>
+            <p:ph type="ftr" sz="quarter" idx="11"/>
+          </p:nvPr>
+        </p:nvSpPr>
+        <p:spPr/>
+        <p:txBody>
+          <a:bodyPr/>
+          <a:lstStyle/>
+          <a:p>
+            <a:endParaRPr lang="en-US"/>
+          </a:p>
+        </p:txBody>
+      </p:sp>
+      <p:sp>
+        <p:nvSpPr>
+          <p:cNvPr id="6" name="Slide Number Placeholder 5"/>
+          <p:cNvSpPr>
+            <a:spLocks noGrp="1"/>
+          </p:cNvSpPr>
+          <p:nvPr>
+            <p:ph type="sldNum" sz="quarter" idx="12"/>
+          </p:nvPr>
+        </p:nvSpPr>
+        <p:spPr/>
+        <p:txBody>
+          <a:bodyPr/>
+          <a:lstStyle/>
+          <a:p>
+            <a:fld id="{7001B143-6C1E-491B-A652-DFB0F654D66F}" type="slidenum">
+              <a:rPr lang="en-US" smtClean="0"/>
+              <a:t>‹#›</a:t>
+            </a:fld>
+            <a:endParaRPr lang="en-US"/>
+          </a:p>
+        </p:txBody>
+      </p:sp>
+      <p:sp>
+        <p:nvSpPr>
+          <p:cNvPr id="24" name="TextBox 23"/>
+          <p:cNvSpPr txBox="1"/>
+          <p:nvPr/>
+        </p:nvSpPr>
+        <p:spPr>
+          <a:xfrm>
+            <a:off x="541870" y="790378"/>
+            <a:ext cx="609600" cy="584776"/>
+          </a:xfrm>
+          <a:prstGeom prst="rect">
+            <a:avLst/>
+          </a:prstGeom>
+        </p:spPr>
+        <p:txBody>
+          <a:bodyPr vert="horz" lIns="91440" tIns="45720" rIns="91440" bIns="45720" rtlCol="0" anchor="ctr">
+            <a:noAutofit/>
+          </a:bodyPr>
+          <a:lstStyle/>
+          <a:p>
+            <a:pPr lvl="0"/>
+            <a:r>
+              <a:rPr lang="en-US" sz="8000" baseline="0" dirty="0">
+                <a:ln w="3175" cmpd="sng">
+                  <a:noFill/>
+                </a:ln>
+                <a:solidFill>
+                  <a:schemeClr val="accent1">
+                    <a:lumMod val="60000"/>
+                    <a:lumOff val="40000"/>
+                  </a:schemeClr>
+                </a:solidFill>
+                <a:effectLst/>
+                <a:latin typeface="Arial"/>
+              </a:rPr>
+              <a:t>“</a:t>
+            </a:r>
+          </a:p>
+        </p:txBody>
+      </p:sp>
+      <p:sp>
+        <p:nvSpPr>
+          <p:cNvPr id="25" name="TextBox 24"/>
+          <p:cNvSpPr txBox="1"/>
+          <p:nvPr/>
+        </p:nvSpPr>
+        <p:spPr>
+          <a:xfrm>
+            <a:off x="8893011" y="2886556"/>
+            <a:ext cx="609600" cy="584776"/>
+          </a:xfrm>
+          <a:prstGeom prst="rect">
+            <a:avLst/>
+          </a:prstGeom>
+        </p:spPr>
+        <p:txBody>
+          <a:bodyPr vert="horz" lIns="91440" tIns="45720" rIns="91440" bIns="45720" rtlCol="0" anchor="ctr">
+            <a:noAutofit/>
+          </a:bodyPr>
+          <a:lstStyle/>
+          <a:p>
+            <a:pPr lvl="0"/>
+            <a:r>
+              <a:rPr lang="en-US" sz="8000" baseline="0" dirty="0">
+                <a:ln w="3175" cmpd="sng">
+                  <a:noFill/>
+                </a:ln>
+                <a:solidFill>
+                  <a:schemeClr val="accent1">
+                    <a:lumMod val="60000"/>
+                    <a:lumOff val="40000"/>
+                  </a:schemeClr>
+                </a:solidFill>
+                <a:effectLst/>
+                <a:latin typeface="Arial"/>
+              </a:rPr>
+              <a:t>”</a:t>
+            </a:r>
+          </a:p>
+        </p:txBody>
+      </p:sp>
+    </p:spTree>
+    <p:extLst>
+      <p:ext uri="{BB962C8B-B14F-4D97-AF65-F5344CB8AC3E}">
+        <p14:creationId xmlns:p14="http://schemas.microsoft.com/office/powerpoint/2010/main" val="389399835"/>
+      </p:ext>
+    </p:extLst>
+  </p:cSld>
+  <p:clrMapOvr>
+    <a:masterClrMapping/>
+  </p:clrMapOvr>
+</p:sldLayout>
+</file>
+
+<file path=ppt/slideLayouts/slideLayout14.xml><?xml version="1.0" encoding="utf-8"?>
+<p:sldLayout xmlns:a="http://schemas.openxmlformats.org/drawingml/2006/main" xmlns:r="http://schemas.openxmlformats.org/officeDocument/2006/relationships" xmlns:p="http://schemas.openxmlformats.org/presentationml/2006/main" preserve="1">
+  <p:cSld name="True or False">
+    <p:spTree>
+      <p:nvGrpSpPr>
+        <p:cNvPr id="1" name=""/>
+        <p:cNvGrpSpPr/>
+        <p:nvPr/>
+      </p:nvGrpSpPr>
+      <p:grpSpPr>
+        <a:xfrm>
+          <a:off x="0" y="0"/>
+          <a:ext cx="0" cy="0"/>
+          <a:chOff x="0" y="0"/>
+          <a:chExt cx="0" cy="0"/>
+        </a:xfrm>
+      </p:grpSpPr>
+      <p:sp>
+        <p:nvSpPr>
+          <p:cNvPr id="2" name="Title 1"/>
+          <p:cNvSpPr>
+            <a:spLocks noGrp="1"/>
+          </p:cNvSpPr>
+          <p:nvPr>
+            <p:ph type="title"/>
+          </p:nvPr>
+        </p:nvSpPr>
+        <p:spPr>
+          <a:xfrm>
+            <a:off x="685799" y="609600"/>
+            <a:ext cx="8588203" cy="3022600"/>
+          </a:xfrm>
+        </p:spPr>
+        <p:txBody>
+          <a:bodyPr anchor="ctr">
+            <a:normAutofit/>
+          </a:bodyPr>
+          <a:lstStyle>
+            <a:lvl1pPr algn="l">
+              <a:defRPr sz="4400" b="0" cap="none"/>
+            </a:lvl1pPr>
+          </a:lstStyle>
+          <a:p>
+            <a:r>
+              <a:rPr lang="en-US" smtClean="0"/>
+              <a:t>Click to edit Master title style</a:t>
+            </a:r>
+            <a:endParaRPr lang="en-US" dirty="0"/>
+          </a:p>
+        </p:txBody>
+      </p:sp>
+      <p:sp>
+        <p:nvSpPr>
+          <p:cNvPr id="23" name="Text Placeholder 9"/>
+          <p:cNvSpPr>
+            <a:spLocks noGrp="1"/>
+          </p:cNvSpPr>
+          <p:nvPr>
+            <p:ph type="body" sz="quarter" idx="13"/>
+          </p:nvPr>
+        </p:nvSpPr>
+        <p:spPr>
+          <a:xfrm>
+            <a:off x="677332" y="4013200"/>
+            <a:ext cx="8596669" cy="514248"/>
+          </a:xfrm>
+        </p:spPr>
+        <p:txBody>
+          <a:bodyPr anchor="b">
+            <a:noAutofit/>
+          </a:bodyPr>
+          <a:lstStyle>
+            <a:lvl1pPr marL="0" indent="0">
+              <a:buFontTx/>
+              <a:buNone/>
+              <a:defRPr sz="2400">
+                <a:solidFill>
+                  <a:schemeClr val="accent1"/>
+                </a:solidFill>
+              </a:defRPr>
+            </a:lvl1pPr>
+            <a:lvl2pPr marL="457200" indent="0">
+              <a:buFontTx/>
+              <a:buNone/>
+              <a:defRPr/>
+            </a:lvl2pPr>
+            <a:lvl3pPr marL="914400" indent="0">
+              <a:buFontTx/>
+              <a:buNone/>
+              <a:defRPr/>
+            </a:lvl3pPr>
+            <a:lvl4pPr marL="1371600" indent="0">
+              <a:buFontTx/>
+              <a:buNone/>
+              <a:defRPr/>
+            </a:lvl4pPr>
+            <a:lvl5pPr marL="1828800" indent="0">
+              <a:buFontTx/>
+              <a:buNone/>
+              <a:defRPr/>
+            </a:lvl5pPr>
+          </a:lstStyle>
+          <a:p>
+            <a:pPr lvl="0"/>
+            <a:r>
+              <a:rPr lang="en-US" smtClean="0"/>
+              <a:t>Edit Master text styles</a:t>
+            </a:r>
+          </a:p>
+        </p:txBody>
+      </p:sp>
+      <p:sp>
+        <p:nvSpPr>
+          <p:cNvPr id="3" name="Text Placeholder 2"/>
+          <p:cNvSpPr>
+            <a:spLocks noGrp="1"/>
+          </p:cNvSpPr>
+          <p:nvPr>
+            <p:ph type="body" idx="1"/>
+          </p:nvPr>
+        </p:nvSpPr>
+        <p:spPr>
+          <a:xfrm>
+            <a:off x="677335" y="4527448"/>
+            <a:ext cx="8596668" cy="1513914"/>
+          </a:xfrm>
+        </p:spPr>
+        <p:txBody>
+          <a:bodyPr anchor="t">
+            <a:normAutofit/>
+          </a:bodyPr>
+          <a:lstStyle>
+            <a:lvl1pPr marL="0" indent="0" algn="l">
+              <a:buNone/>
+              <a:defRPr sz="1800">
+                <a:solidFill>
+                  <a:schemeClr val="tx1">
+                    <a:lumMod val="50000"/>
+                    <a:lumOff val="50000"/>
+                  </a:schemeClr>
+                </a:solidFill>
+              </a:defRPr>
+            </a:lvl1pPr>
+            <a:lvl2pPr marL="457200" indent="0">
+              <a:buNone/>
+              <a:defRPr sz="1800">
+                <a:solidFill>
+                  <a:schemeClr val="tx1">
+                    <a:tint val="75000"/>
+                  </a:schemeClr>
+                </a:solidFill>
+              </a:defRPr>
+            </a:lvl2pPr>
+            <a:lvl3pPr marL="914400" indent="0">
+              <a:buNone/>
+              <a:defRPr sz="1600">
+                <a:solidFill>
+                  <a:schemeClr val="tx1">
+                    <a:tint val="75000"/>
+                  </a:schemeClr>
+                </a:solidFill>
+              </a:defRPr>
+            </a:lvl3pPr>
+            <a:lvl4pPr marL="1371600" indent="0">
+              <a:buNone/>
+              <a:defRPr sz="1400">
+                <a:solidFill>
+                  <a:schemeClr val="tx1">
+                    <a:tint val="75000"/>
+                  </a:schemeClr>
+                </a:solidFill>
+              </a:defRPr>
+            </a:lvl4pPr>
+            <a:lvl5pPr marL="1828800" indent="0">
+              <a:buNone/>
+              <a:defRPr sz="1400">
+                <a:solidFill>
+                  <a:schemeClr val="tx1">
+                    <a:tint val="75000"/>
+                  </a:schemeClr>
+                </a:solidFill>
+              </a:defRPr>
+            </a:lvl5pPr>
+            <a:lvl6pPr marL="2286000" indent="0">
+              <a:buNone/>
+              <a:defRPr sz="1400">
+                <a:solidFill>
+                  <a:schemeClr val="tx1">
+                    <a:tint val="75000"/>
+                  </a:schemeClr>
+                </a:solidFill>
+              </a:defRPr>
+            </a:lvl6pPr>
+            <a:lvl7pPr marL="2743200" indent="0">
+              <a:buNone/>
+              <a:defRPr sz="1400">
+                <a:solidFill>
+                  <a:schemeClr val="tx1">
+                    <a:tint val="75000"/>
+                  </a:schemeClr>
+                </a:solidFill>
+              </a:defRPr>
+            </a:lvl7pPr>
+            <a:lvl8pPr marL="3200400" indent="0">
+              <a:buNone/>
+              <a:defRPr sz="1400">
+                <a:solidFill>
+                  <a:schemeClr val="tx1">
+                    <a:tint val="75000"/>
+                  </a:schemeClr>
+                </a:solidFill>
+              </a:defRPr>
+            </a:lvl8pPr>
+            <a:lvl9pPr marL="3657600" indent="0">
+              <a:buNone/>
+              <a:defRPr sz="1400">
+                <a:solidFill>
+                  <a:schemeClr val="tx1">
+                    <a:tint val="75000"/>
+                  </a:schemeClr>
+                </a:solidFill>
+              </a:defRPr>
+            </a:lvl9pPr>
+          </a:lstStyle>
+          <a:p>
+            <a:pPr lvl="0"/>
+            <a:r>
+              <a:rPr lang="en-US" smtClean="0"/>
+              <a:t>Edit Master text styles</a:t>
+            </a:r>
+          </a:p>
+        </p:txBody>
+      </p:sp>
+      <p:sp>
+        <p:nvSpPr>
+          <p:cNvPr id="4" name="Date Placeholder 3"/>
+          <p:cNvSpPr>
+            <a:spLocks noGrp="1"/>
+          </p:cNvSpPr>
+          <p:nvPr>
+            <p:ph type="dt" sz="half" idx="10"/>
+          </p:nvPr>
+        </p:nvSpPr>
+        <p:spPr/>
+        <p:txBody>
+          <a:bodyPr/>
+          <a:lstStyle/>
+          <a:p>
+            <a:fld id="{58E8A07E-AF8F-4286-B046-EB93E7655C6A}" type="datetimeFigureOut">
+              <a:rPr lang="en-US" smtClean="0"/>
+              <a:t>12/8/2021</a:t>
+            </a:fld>
+            <a:endParaRPr lang="en-US"/>
+          </a:p>
+        </p:txBody>
+      </p:sp>
+      <p:sp>
+        <p:nvSpPr>
+          <p:cNvPr id="5" name="Footer Placeholder 4"/>
+          <p:cNvSpPr>
+            <a:spLocks noGrp="1"/>
+          </p:cNvSpPr>
+          <p:nvPr>
+            <p:ph type="ftr" sz="quarter" idx="11"/>
+          </p:nvPr>
+        </p:nvSpPr>
+        <p:spPr/>
+        <p:txBody>
+          <a:bodyPr/>
+          <a:lstStyle/>
+          <a:p>
+            <a:endParaRPr lang="en-US"/>
+          </a:p>
+        </p:txBody>
+      </p:sp>
+      <p:sp>
+        <p:nvSpPr>
+          <p:cNvPr id="6" name="Slide Number Placeholder 5"/>
+          <p:cNvSpPr>
+            <a:spLocks noGrp="1"/>
+          </p:cNvSpPr>
+          <p:nvPr>
+            <p:ph type="sldNum" sz="quarter" idx="12"/>
+          </p:nvPr>
+        </p:nvSpPr>
+        <p:spPr/>
+        <p:txBody>
+          <a:bodyPr/>
+          <a:lstStyle/>
+          <a:p>
+            <a:fld id="{7001B143-6C1E-491B-A652-DFB0F654D66F}" type="slidenum">
+              <a:rPr lang="en-US" smtClean="0"/>
+              <a:t>‹#›</a:t>
+            </a:fld>
+            <a:endParaRPr lang="en-US"/>
+          </a:p>
+        </p:txBody>
+      </p:sp>
+    </p:spTree>
+    <p:extLst>
+      <p:ext uri="{BB962C8B-B14F-4D97-AF65-F5344CB8AC3E}">
+        <p14:creationId xmlns:p14="http://schemas.microsoft.com/office/powerpoint/2010/main" val="418029948"/>
+      </p:ext>
+    </p:extLst>
+  </p:cSld>
+  <p:clrMapOvr>
+    <a:masterClrMapping/>
+  </p:clrMapOvr>
+</p:sldLayout>
+</file>
+
+<file path=ppt/slideLayouts/slideLayout15.xml><?xml version="1.0" encoding="utf-8"?>
 <p:sldLayout xmlns:a="http://schemas.openxmlformats.org/drawingml/2006/main" xmlns:r="http://schemas.openxmlformats.org/officeDocument/2006/relationships" xmlns:p="http://schemas.openxmlformats.org/presentationml/2006/main" type="vertTx" preserve="1">
   <p:cSld name="Title and Vertical Text">
     <p:spTree>
@@ -1187,7 +4246,7 @@
               <a:rPr lang="en-US" smtClean="0"/>
               <a:t>Click to edit Master title style</a:t>
             </a:r>
-            <a:endParaRPr lang="en-US"/>
+            <a:endParaRPr lang="en-US" dirty="0"/>
           </a:p>
         </p:txBody>
       </p:sp>
@@ -1239,7 +4298,7 @@
               <a:rPr lang="en-US" smtClean="0"/>
               <a:t>Fifth level</a:t>
             </a:r>
-            <a:endParaRPr lang="en-US"/>
+            <a:endParaRPr lang="en-US" dirty="0"/>
           </a:p>
         </p:txBody>
       </p:sp>
@@ -1260,7 +4319,7 @@
           <a:p>
             <a:fld id="{58E8A07E-AF8F-4286-B046-EB93E7655C6A}" type="datetimeFigureOut">
               <a:rPr lang="en-US" smtClean="0"/>
-              <a:t>12/7/2021</a:t>
+              <a:t>12/8/2021</a:t>
             </a:fld>
             <a:endParaRPr lang="en-US"/>
           </a:p>
@@ -1311,7 +4370,7 @@
     </p:spTree>
     <p:extLst>
       <p:ext uri="{BB962C8B-B14F-4D97-AF65-F5344CB8AC3E}">
-        <p14:creationId xmlns:p14="http://schemas.microsoft.com/office/powerpoint/2010/main" val="275158537"/>
+        <p14:creationId xmlns:p14="http://schemas.microsoft.com/office/powerpoint/2010/main" val="1600299782"/>
       </p:ext>
     </p:extLst>
   </p:cSld>
@@ -1321,7 +4380,7 @@
 </p:sldLayout>
 </file>
 
-<file path=ppt/slideLayouts/slideLayout11.xml><?xml version="1.0" encoding="utf-8"?>
+<file path=ppt/slideLayouts/slideLayout16.xml><?xml version="1.0" encoding="utf-8"?>
 <p:sldLayout xmlns:a="http://schemas.openxmlformats.org/drawingml/2006/main" xmlns:r="http://schemas.openxmlformats.org/officeDocument/2006/relationships" xmlns:p="http://schemas.openxmlformats.org/presentationml/2006/main" type="vertTitleAndTx" preserve="1">
   <p:cSld name="Vertical Title and Text">
     <p:spTree>
@@ -1350,19 +4409,19 @@
         </p:nvSpPr>
         <p:spPr>
           <a:xfrm>
-            <a:off x="8724900" y="365125"/>
-            <a:ext cx="2628900" cy="5811838"/>
+            <a:off x="7967673" y="609599"/>
+            <a:ext cx="1304743" cy="5251451"/>
           </a:xfrm>
         </p:spPr>
         <p:txBody>
-          <a:bodyPr vert="eaVert"/>
+          <a:bodyPr vert="eaVert" anchor="ctr"/>
           <a:lstStyle/>
           <a:p>
             <a:r>
               <a:rPr lang="en-US" smtClean="0"/>
               <a:t>Click to edit Master title style</a:t>
             </a:r>
-            <a:endParaRPr lang="en-US"/>
+            <a:endParaRPr lang="en-US" dirty="0"/>
           </a:p>
         </p:txBody>
       </p:sp>
@@ -1378,8 +4437,8 @@
         </p:nvSpPr>
         <p:spPr>
           <a:xfrm>
-            <a:off x="838200" y="365125"/>
-            <a:ext cx="7734300" cy="5811838"/>
+            <a:off x="677335" y="609600"/>
+            <a:ext cx="7060150" cy="5251450"/>
           </a:xfrm>
         </p:spPr>
         <p:txBody>
@@ -1419,7 +4478,7 @@
               <a:rPr lang="en-US" smtClean="0"/>
               <a:t>Fifth level</a:t>
             </a:r>
-            <a:endParaRPr lang="en-US"/>
+            <a:endParaRPr lang="en-US" dirty="0"/>
           </a:p>
         </p:txBody>
       </p:sp>
@@ -1440,7 +4499,7 @@
           <a:p>
             <a:fld id="{58E8A07E-AF8F-4286-B046-EB93E7655C6A}" type="datetimeFigureOut">
               <a:rPr lang="en-US" smtClean="0"/>
-              <a:t>12/7/2021</a:t>
+              <a:t>12/8/2021</a:t>
             </a:fld>
             <a:endParaRPr lang="en-US"/>
           </a:p>
@@ -1491,7 +4550,7 @@
     </p:spTree>
     <p:extLst>
       <p:ext uri="{BB962C8B-B14F-4D97-AF65-F5344CB8AC3E}">
-        <p14:creationId xmlns:p14="http://schemas.microsoft.com/office/powerpoint/2010/main" val="841812925"/>
+        <p14:creationId xmlns:p14="http://schemas.microsoft.com/office/powerpoint/2010/main" val="3335714124"/>
       </p:ext>
     </p:extLst>
   </p:cSld>
@@ -1530,25 +4589,83 @@
         </p:nvSpPr>
         <p:spPr/>
         <p:txBody>
+          <a:bodyPr>
+            <a:normAutofit/>
+          </a:bodyPr>
+          <a:lstStyle>
+            <a:lvl1pPr>
+              <a:defRPr sz="3600"/>
+            </a:lvl1pPr>
+          </a:lstStyle>
+          <a:p>
+            <a:r>
+              <a:rPr lang="en-US" smtClean="0"/>
+              <a:t>Click to edit Master title style</a:t>
+            </a:r>
+            <a:endParaRPr lang="en-US" dirty="0"/>
+          </a:p>
+        </p:txBody>
+      </p:sp>
+      <p:sp>
+        <p:nvSpPr>
+          <p:cNvPr id="3" name="Content Placeholder 2"/>
+          <p:cNvSpPr>
+            <a:spLocks noGrp="1"/>
+          </p:cNvSpPr>
+          <p:nvPr>
+            <p:ph idx="1"/>
+          </p:nvPr>
+        </p:nvSpPr>
+        <p:spPr/>
+        <p:txBody>
           <a:bodyPr/>
           <a:lstStyle/>
           <a:p>
-            <a:r>
-              <a:rPr lang="en-US" smtClean="0"/>
-              <a:t>Click to edit Master title style</a:t>
-            </a:r>
-            <a:endParaRPr lang="en-US"/>
-          </a:p>
-        </p:txBody>
-      </p:sp>
-      <p:sp>
-        <p:nvSpPr>
-          <p:cNvPr id="3" name="Content Placeholder 2"/>
-          <p:cNvSpPr>
-            <a:spLocks noGrp="1"/>
-          </p:cNvSpPr>
-          <p:nvPr>
-            <p:ph idx="1"/>
+            <a:pPr lvl="0"/>
+            <a:r>
+              <a:rPr lang="en-US" smtClean="0"/>
+              <a:t>Edit Master text styles</a:t>
+            </a:r>
+          </a:p>
+          <a:p>
+            <a:pPr lvl="1"/>
+            <a:r>
+              <a:rPr lang="en-US" smtClean="0"/>
+              <a:t>Second level</a:t>
+            </a:r>
+          </a:p>
+          <a:p>
+            <a:pPr lvl="2"/>
+            <a:r>
+              <a:rPr lang="en-US" smtClean="0"/>
+              <a:t>Third level</a:t>
+            </a:r>
+          </a:p>
+          <a:p>
+            <a:pPr lvl="3"/>
+            <a:r>
+              <a:rPr lang="en-US" smtClean="0"/>
+              <a:t>Fourth level</a:t>
+            </a:r>
+          </a:p>
+          <a:p>
+            <a:pPr lvl="4"/>
+            <a:r>
+              <a:rPr lang="en-US" smtClean="0"/>
+              <a:t>Fifth level</a:t>
+            </a:r>
+            <a:endParaRPr lang="en-US" dirty="0"/>
+          </a:p>
+        </p:txBody>
+      </p:sp>
+      <p:sp>
+        <p:nvSpPr>
+          <p:cNvPr id="4" name="Date Placeholder 3"/>
+          <p:cNvSpPr>
+            <a:spLocks noGrp="1"/>
+          </p:cNvSpPr>
+          <p:nvPr>
+            <p:ph type="dt" sz="half" idx="10"/>
           </p:nvPr>
         </p:nvSpPr>
         <p:spPr/>
@@ -1556,61 +4673,9 @@
           <a:bodyPr/>
           <a:lstStyle/>
           <a:p>
-            <a:pPr lvl="0"/>
-            <a:r>
-              <a:rPr lang="en-US" smtClean="0"/>
-              <a:t>Edit Master text styles</a:t>
-            </a:r>
-          </a:p>
-          <a:p>
-            <a:pPr lvl="1"/>
-            <a:r>
-              <a:rPr lang="en-US" smtClean="0"/>
-              <a:t>Second level</a:t>
-            </a:r>
-          </a:p>
-          <a:p>
-            <a:pPr lvl="2"/>
-            <a:r>
-              <a:rPr lang="en-US" smtClean="0"/>
-              <a:t>Third level</a:t>
-            </a:r>
-          </a:p>
-          <a:p>
-            <a:pPr lvl="3"/>
-            <a:r>
-              <a:rPr lang="en-US" smtClean="0"/>
-              <a:t>Fourth level</a:t>
-            </a:r>
-          </a:p>
-          <a:p>
-            <a:pPr lvl="4"/>
-            <a:r>
-              <a:rPr lang="en-US" smtClean="0"/>
-              <a:t>Fifth level</a:t>
-            </a:r>
-            <a:endParaRPr lang="en-US"/>
-          </a:p>
-        </p:txBody>
-      </p:sp>
-      <p:sp>
-        <p:nvSpPr>
-          <p:cNvPr id="4" name="Date Placeholder 3"/>
-          <p:cNvSpPr>
-            <a:spLocks noGrp="1"/>
-          </p:cNvSpPr>
-          <p:nvPr>
-            <p:ph type="dt" sz="half" idx="10"/>
-          </p:nvPr>
-        </p:nvSpPr>
-        <p:spPr/>
-        <p:txBody>
-          <a:bodyPr/>
-          <a:lstStyle/>
-          <a:p>
             <a:fld id="{58E8A07E-AF8F-4286-B046-EB93E7655C6A}" type="datetimeFigureOut">
               <a:rPr lang="en-US" smtClean="0"/>
-              <a:t>12/7/2021</a:t>
+              <a:t>12/8/2021</a:t>
             </a:fld>
             <a:endParaRPr lang="en-US"/>
           </a:p>
@@ -1661,7 +4726,7 @@
     </p:spTree>
     <p:extLst>
       <p:ext uri="{BB962C8B-B14F-4D97-AF65-F5344CB8AC3E}">
-        <p14:creationId xmlns:p14="http://schemas.microsoft.com/office/powerpoint/2010/main" val="2939165558"/>
+        <p14:creationId xmlns:p14="http://schemas.microsoft.com/office/powerpoint/2010/main" val="2350206299"/>
       </p:ext>
     </p:extLst>
   </p:cSld>
@@ -1700,15 +4765,15 @@
         </p:nvSpPr>
         <p:spPr>
           <a:xfrm>
-            <a:off x="831850" y="1709738"/>
-            <a:ext cx="10515600" cy="2852737"/>
+            <a:off x="677335" y="2700867"/>
+            <a:ext cx="8596668" cy="1826581"/>
           </a:xfrm>
         </p:spPr>
         <p:txBody>
           <a:bodyPr anchor="b"/>
           <a:lstStyle>
-            <a:lvl1pPr>
-              <a:defRPr sz="6000"/>
+            <a:lvl1pPr algn="l">
+              <a:defRPr sz="4000" b="0" cap="none"/>
             </a:lvl1pPr>
           </a:lstStyle>
           <a:p>
@@ -1716,7 +4781,7 @@
               <a:rPr lang="en-US" smtClean="0"/>
               <a:t>Click to edit Master title style</a:t>
             </a:r>
-            <a:endParaRPr lang="en-US"/>
+            <a:endParaRPr lang="en-US" dirty="0"/>
           </a:p>
         </p:txBody>
       </p:sp>
@@ -1732,26 +4797,27 @@
         </p:nvSpPr>
         <p:spPr>
           <a:xfrm>
-            <a:off x="831850" y="4589463"/>
-            <a:ext cx="10515600" cy="1500187"/>
+            <a:off x="677335" y="4527448"/>
+            <a:ext cx="8596668" cy="860400"/>
           </a:xfrm>
         </p:spPr>
         <p:txBody>
-          <a:bodyPr/>
+          <a:bodyPr anchor="t"/>
           <a:lstStyle>
-            <a:lvl1pPr marL="0" indent="0">
-              <a:buNone/>
-              <a:defRPr sz="2400">
+            <a:lvl1pPr marL="0" indent="0" algn="l">
+              <a:buNone/>
+              <a:defRPr sz="2000">
                 <a:solidFill>
                   <a:schemeClr val="tx1">
-                    <a:tint val="75000"/>
+                    <a:lumMod val="50000"/>
+                    <a:lumOff val="50000"/>
                   </a:schemeClr>
                 </a:solidFill>
               </a:defRPr>
             </a:lvl1pPr>
             <a:lvl2pPr marL="457200" indent="0">
               <a:buNone/>
-              <a:defRPr sz="2000">
+              <a:defRPr sz="1800">
                 <a:solidFill>
                   <a:schemeClr val="tx1">
                     <a:tint val="75000"/>
@@ -1761,7 +4827,7 @@
             </a:lvl2pPr>
             <a:lvl3pPr marL="914400" indent="0">
               <a:buNone/>
-              <a:defRPr sz="1800">
+              <a:defRPr sz="1600">
                 <a:solidFill>
                   <a:schemeClr val="tx1">
                     <a:tint val="75000"/>
@@ -1771,7 +4837,7 @@
             </a:lvl3pPr>
             <a:lvl4pPr marL="1371600" indent="0">
               <a:buNone/>
-              <a:defRPr sz="1600">
+              <a:defRPr sz="1400">
                 <a:solidFill>
                   <a:schemeClr val="tx1">
                     <a:tint val="75000"/>
@@ -1781,7 +4847,7 @@
             </a:lvl4pPr>
             <a:lvl5pPr marL="1828800" indent="0">
               <a:buNone/>
-              <a:defRPr sz="1600">
+              <a:defRPr sz="1400">
                 <a:solidFill>
                   <a:schemeClr val="tx1">
                     <a:tint val="75000"/>
@@ -1791,7 +4857,7 @@
             </a:lvl5pPr>
             <a:lvl6pPr marL="2286000" indent="0">
               <a:buNone/>
-              <a:defRPr sz="1600">
+              <a:defRPr sz="1400">
                 <a:solidFill>
                   <a:schemeClr val="tx1">
                     <a:tint val="75000"/>
@@ -1801,7 +4867,7 @@
             </a:lvl6pPr>
             <a:lvl7pPr marL="2743200" indent="0">
               <a:buNone/>
-              <a:defRPr sz="1600">
+              <a:defRPr sz="1400">
                 <a:solidFill>
                   <a:schemeClr val="tx1">
                     <a:tint val="75000"/>
@@ -1811,7 +4877,7 @@
             </a:lvl7pPr>
             <a:lvl8pPr marL="3200400" indent="0">
               <a:buNone/>
-              <a:defRPr sz="1600">
+              <a:defRPr sz="1400">
                 <a:solidFill>
                   <a:schemeClr val="tx1">
                     <a:tint val="75000"/>
@@ -1821,7 +4887,7 @@
             </a:lvl8pPr>
             <a:lvl9pPr marL="3657600" indent="0">
               <a:buNone/>
-              <a:defRPr sz="1600">
+              <a:defRPr sz="1400">
                 <a:solidFill>
                   <a:schemeClr val="tx1">
                     <a:tint val="75000"/>
@@ -1856,7 +4922,7 @@
           <a:p>
             <a:fld id="{58E8A07E-AF8F-4286-B046-EB93E7655C6A}" type="datetimeFigureOut">
               <a:rPr lang="en-US" smtClean="0"/>
-              <a:t>12/7/2021</a:t>
+              <a:t>12/8/2021</a:t>
             </a:fld>
             <a:endParaRPr lang="en-US"/>
           </a:p>
@@ -1907,7 +4973,7 @@
     </p:spTree>
     <p:extLst>
       <p:ext uri="{BB962C8B-B14F-4D97-AF65-F5344CB8AC3E}">
-        <p14:creationId xmlns:p14="http://schemas.microsoft.com/office/powerpoint/2010/main" val="2969619116"/>
+        <p14:creationId xmlns:p14="http://schemas.microsoft.com/office/powerpoint/2010/main" val="1419622588"/>
       </p:ext>
     </p:extLst>
   </p:cSld>
@@ -1953,7 +5019,7 @@
               <a:rPr lang="en-US" smtClean="0"/>
               <a:t>Click to edit Master title style</a:t>
             </a:r>
-            <a:endParaRPr lang="en-US"/>
+            <a:endParaRPr lang="en-US" dirty="0"/>
           </a:p>
         </p:txBody>
       </p:sp>
@@ -1969,8 +5035,8 @@
         </p:nvSpPr>
         <p:spPr>
           <a:xfrm>
-            <a:off x="838200" y="1825625"/>
-            <a:ext cx="5181600" cy="4351338"/>
+            <a:off x="677334" y="2160589"/>
+            <a:ext cx="4184035" cy="3880772"/>
           </a:xfrm>
         </p:spPr>
         <p:txBody>
@@ -2010,7 +5076,7 @@
               <a:rPr lang="en-US" smtClean="0"/>
               <a:t>Fifth level</a:t>
             </a:r>
-            <a:endParaRPr lang="en-US"/>
+            <a:endParaRPr lang="en-US" dirty="0"/>
           </a:p>
         </p:txBody>
       </p:sp>
@@ -2026,8 +5092,8 @@
         </p:nvSpPr>
         <p:spPr>
           <a:xfrm>
-            <a:off x="6172200" y="1825625"/>
-            <a:ext cx="5181600" cy="4351338"/>
+            <a:off x="5089970" y="2160589"/>
+            <a:ext cx="4184034" cy="3880773"/>
           </a:xfrm>
         </p:spPr>
         <p:txBody>
@@ -2067,7 +5133,7 @@
               <a:rPr lang="en-US" smtClean="0"/>
               <a:t>Fifth level</a:t>
             </a:r>
-            <a:endParaRPr lang="en-US"/>
+            <a:endParaRPr lang="en-US" dirty="0"/>
           </a:p>
         </p:txBody>
       </p:sp>
@@ -2088,7 +5154,7 @@
           <a:p>
             <a:fld id="{58E8A07E-AF8F-4286-B046-EB93E7655C6A}" type="datetimeFigureOut">
               <a:rPr lang="en-US" smtClean="0"/>
-              <a:t>12/7/2021</a:t>
+              <a:t>12/8/2021</a:t>
             </a:fld>
             <a:endParaRPr lang="en-US"/>
           </a:p>
@@ -2139,7 +5205,7 @@
     </p:spTree>
     <p:extLst>
       <p:ext uri="{BB962C8B-B14F-4D97-AF65-F5344CB8AC3E}">
-        <p14:creationId xmlns:p14="http://schemas.microsoft.com/office/powerpoint/2010/main" val="2371583646"/>
+        <p14:creationId xmlns:p14="http://schemas.microsoft.com/office/powerpoint/2010/main" val="2021912266"/>
       </p:ext>
     </p:extLst>
   </p:cSld>
@@ -2176,46 +5242,47 @@
             <p:ph type="title"/>
           </p:nvPr>
         </p:nvSpPr>
+        <p:spPr/>
+        <p:txBody>
+          <a:bodyPr/>
+          <a:lstStyle>
+            <a:lvl1pPr>
+              <a:defRPr/>
+            </a:lvl1pPr>
+          </a:lstStyle>
+          <a:p>
+            <a:r>
+              <a:rPr lang="en-US" smtClean="0"/>
+              <a:t>Click to edit Master title style</a:t>
+            </a:r>
+            <a:endParaRPr lang="en-US" dirty="0"/>
+          </a:p>
+        </p:txBody>
+      </p:sp>
+      <p:sp>
+        <p:nvSpPr>
+          <p:cNvPr id="3" name="Text Placeholder 2"/>
+          <p:cNvSpPr>
+            <a:spLocks noGrp="1"/>
+          </p:cNvSpPr>
+          <p:nvPr>
+            <p:ph type="body" idx="1"/>
+          </p:nvPr>
+        </p:nvSpPr>
         <p:spPr>
           <a:xfrm>
-            <a:off x="839788" y="365125"/>
-            <a:ext cx="10515600" cy="1325563"/>
+            <a:off x="675745" y="2160983"/>
+            <a:ext cx="4185623" cy="576262"/>
           </a:xfrm>
         </p:spPr>
         <p:txBody>
-          <a:bodyPr/>
-          <a:lstStyle/>
-          <a:p>
-            <a:r>
-              <a:rPr lang="en-US" smtClean="0"/>
-              <a:t>Click to edit Master title style</a:t>
-            </a:r>
-            <a:endParaRPr lang="en-US"/>
-          </a:p>
-        </p:txBody>
-      </p:sp>
-      <p:sp>
-        <p:nvSpPr>
-          <p:cNvPr id="3" name="Text Placeholder 2"/>
-          <p:cNvSpPr>
-            <a:spLocks noGrp="1"/>
-          </p:cNvSpPr>
-          <p:nvPr>
-            <p:ph type="body" idx="1"/>
-          </p:nvPr>
-        </p:nvSpPr>
-        <p:spPr>
-          <a:xfrm>
-            <a:off x="839788" y="1681163"/>
-            <a:ext cx="5157787" cy="823912"/>
-          </a:xfrm>
-        </p:spPr>
-        <p:txBody>
-          <a:bodyPr anchor="b"/>
+          <a:bodyPr anchor="b">
+            <a:noAutofit/>
+          </a:bodyPr>
           <a:lstStyle>
             <a:lvl1pPr marL="0" indent="0">
               <a:buNone/>
-              <a:defRPr sz="2400" b="1"/>
+              <a:defRPr sz="2400" b="0"/>
             </a:lvl1pPr>
             <a:lvl2pPr marL="457200" indent="0">
               <a:buNone/>
@@ -2271,12 +5338,14 @@
         </p:nvSpPr>
         <p:spPr>
           <a:xfrm>
-            <a:off x="839788" y="2505075"/>
-            <a:ext cx="5157787" cy="3684588"/>
+            <a:off x="675745" y="2737245"/>
+            <a:ext cx="4185623" cy="3304117"/>
           </a:xfrm>
         </p:spPr>
         <p:txBody>
-          <a:bodyPr/>
+          <a:bodyPr>
+            <a:normAutofit/>
+          </a:bodyPr>
           <a:lstStyle/>
           <a:p>
             <a:pPr lvl="0"/>
@@ -2312,7 +5381,7 @@
               <a:rPr lang="en-US" smtClean="0"/>
               <a:t>Fifth level</a:t>
             </a:r>
-            <a:endParaRPr lang="en-US"/>
+            <a:endParaRPr lang="en-US" dirty="0"/>
           </a:p>
         </p:txBody>
       </p:sp>
@@ -2328,16 +5397,18 @@
         </p:nvSpPr>
         <p:spPr>
           <a:xfrm>
-            <a:off x="6172200" y="1681163"/>
-            <a:ext cx="5183188" cy="823912"/>
+            <a:off x="5088383" y="2160983"/>
+            <a:ext cx="4185618" cy="576262"/>
           </a:xfrm>
         </p:spPr>
         <p:txBody>
-          <a:bodyPr anchor="b"/>
+          <a:bodyPr anchor="b">
+            <a:noAutofit/>
+          </a:bodyPr>
           <a:lstStyle>
             <a:lvl1pPr marL="0" indent="0">
               <a:buNone/>
-              <a:defRPr sz="2400" b="1"/>
+              <a:defRPr sz="2400" b="0"/>
             </a:lvl1pPr>
             <a:lvl2pPr marL="457200" indent="0">
               <a:buNone/>
@@ -2393,69 +5464,71 @@
         </p:nvSpPr>
         <p:spPr>
           <a:xfrm>
-            <a:off x="6172200" y="2505075"/>
-            <a:ext cx="5183188" cy="3684588"/>
+            <a:off x="5088384" y="2737245"/>
+            <a:ext cx="4185617" cy="3304117"/>
           </a:xfrm>
         </p:spPr>
         <p:txBody>
+          <a:bodyPr>
+            <a:normAutofit/>
+          </a:bodyPr>
+          <a:lstStyle/>
+          <a:p>
+            <a:pPr lvl="0"/>
+            <a:r>
+              <a:rPr lang="en-US" smtClean="0"/>
+              <a:t>Edit Master text styles</a:t>
+            </a:r>
+          </a:p>
+          <a:p>
+            <a:pPr lvl="1"/>
+            <a:r>
+              <a:rPr lang="en-US" smtClean="0"/>
+              <a:t>Second level</a:t>
+            </a:r>
+          </a:p>
+          <a:p>
+            <a:pPr lvl="2"/>
+            <a:r>
+              <a:rPr lang="en-US" smtClean="0"/>
+              <a:t>Third level</a:t>
+            </a:r>
+          </a:p>
+          <a:p>
+            <a:pPr lvl="3"/>
+            <a:r>
+              <a:rPr lang="en-US" smtClean="0"/>
+              <a:t>Fourth level</a:t>
+            </a:r>
+          </a:p>
+          <a:p>
+            <a:pPr lvl="4"/>
+            <a:r>
+              <a:rPr lang="en-US" smtClean="0"/>
+              <a:t>Fifth level</a:t>
+            </a:r>
+            <a:endParaRPr lang="en-US" dirty="0"/>
+          </a:p>
+        </p:txBody>
+      </p:sp>
+      <p:sp>
+        <p:nvSpPr>
+          <p:cNvPr id="7" name="Date Placeholder 6"/>
+          <p:cNvSpPr>
+            <a:spLocks noGrp="1"/>
+          </p:cNvSpPr>
+          <p:nvPr>
+            <p:ph type="dt" sz="half" idx="10"/>
+          </p:nvPr>
+        </p:nvSpPr>
+        <p:spPr/>
+        <p:txBody>
           <a:bodyPr/>
           <a:lstStyle/>
           <a:p>
-            <a:pPr lvl="0"/>
-            <a:r>
-              <a:rPr lang="en-US" smtClean="0"/>
-              <a:t>Edit Master text styles</a:t>
-            </a:r>
-          </a:p>
-          <a:p>
-            <a:pPr lvl="1"/>
-            <a:r>
-              <a:rPr lang="en-US" smtClean="0"/>
-              <a:t>Second level</a:t>
-            </a:r>
-          </a:p>
-          <a:p>
-            <a:pPr lvl="2"/>
-            <a:r>
-              <a:rPr lang="en-US" smtClean="0"/>
-              <a:t>Third level</a:t>
-            </a:r>
-          </a:p>
-          <a:p>
-            <a:pPr lvl="3"/>
-            <a:r>
-              <a:rPr lang="en-US" smtClean="0"/>
-              <a:t>Fourth level</a:t>
-            </a:r>
-          </a:p>
-          <a:p>
-            <a:pPr lvl="4"/>
-            <a:r>
-              <a:rPr lang="en-US" smtClean="0"/>
-              <a:t>Fifth level</a:t>
-            </a:r>
-            <a:endParaRPr lang="en-US"/>
-          </a:p>
-        </p:txBody>
-      </p:sp>
-      <p:sp>
-        <p:nvSpPr>
-          <p:cNvPr id="7" name="Date Placeholder 6"/>
-          <p:cNvSpPr>
-            <a:spLocks noGrp="1"/>
-          </p:cNvSpPr>
-          <p:nvPr>
-            <p:ph type="dt" sz="half" idx="10"/>
-          </p:nvPr>
-        </p:nvSpPr>
-        <p:spPr/>
-        <p:txBody>
-          <a:bodyPr/>
-          <a:lstStyle/>
-          <a:p>
             <a:fld id="{58E8A07E-AF8F-4286-B046-EB93E7655C6A}" type="datetimeFigureOut">
               <a:rPr lang="en-US" smtClean="0"/>
-              <a:t>12/7/2021</a:t>
+              <a:t>12/8/2021</a:t>
             </a:fld>
             <a:endParaRPr lang="en-US"/>
           </a:p>
@@ -2506,7 +5579,7 @@
     </p:spTree>
     <p:extLst>
       <p:ext uri="{BB962C8B-B14F-4D97-AF65-F5344CB8AC3E}">
-        <p14:creationId xmlns:p14="http://schemas.microsoft.com/office/powerpoint/2010/main" val="1311192052"/>
+        <p14:creationId xmlns:p14="http://schemas.microsoft.com/office/powerpoint/2010/main" val="4271114972"/>
       </p:ext>
     </p:extLst>
   </p:cSld>
@@ -2543,37 +5616,42 @@
             <p:ph type="title"/>
           </p:nvPr>
         </p:nvSpPr>
+        <p:spPr>
+          <a:xfrm>
+            <a:off x="677334" y="609600"/>
+            <a:ext cx="8596668" cy="1320800"/>
+          </a:xfrm>
+        </p:spPr>
+        <p:txBody>
+          <a:bodyPr/>
+          <a:lstStyle/>
+          <a:p>
+            <a:r>
+              <a:rPr lang="en-US" smtClean="0"/>
+              <a:t>Click to edit Master title style</a:t>
+            </a:r>
+            <a:endParaRPr lang="en-US" dirty="0"/>
+          </a:p>
+        </p:txBody>
+      </p:sp>
+      <p:sp>
+        <p:nvSpPr>
+          <p:cNvPr id="3" name="Date Placeholder 2"/>
+          <p:cNvSpPr>
+            <a:spLocks noGrp="1"/>
+          </p:cNvSpPr>
+          <p:nvPr>
+            <p:ph type="dt" sz="half" idx="10"/>
+          </p:nvPr>
+        </p:nvSpPr>
         <p:spPr/>
         <p:txBody>
           <a:bodyPr/>
           <a:lstStyle/>
           <a:p>
-            <a:r>
-              <a:rPr lang="en-US" smtClean="0"/>
-              <a:t>Click to edit Master title style</a:t>
-            </a:r>
-            <a:endParaRPr lang="en-US"/>
-          </a:p>
-        </p:txBody>
-      </p:sp>
-      <p:sp>
-        <p:nvSpPr>
-          <p:cNvPr id="3" name="Date Placeholder 2"/>
-          <p:cNvSpPr>
-            <a:spLocks noGrp="1"/>
-          </p:cNvSpPr>
-          <p:nvPr>
-            <p:ph type="dt" sz="half" idx="10"/>
-          </p:nvPr>
-        </p:nvSpPr>
-        <p:spPr/>
-        <p:txBody>
-          <a:bodyPr/>
-          <a:lstStyle/>
-          <a:p>
             <a:fld id="{58E8A07E-AF8F-4286-B046-EB93E7655C6A}" type="datetimeFigureOut">
               <a:rPr lang="en-US" smtClean="0"/>
-              <a:t>12/7/2021</a:t>
+              <a:t>12/8/2021</a:t>
             </a:fld>
             <a:endParaRPr lang="en-US"/>
           </a:p>
@@ -2624,7 +5702,7 @@
     </p:spTree>
     <p:extLst>
       <p:ext uri="{BB962C8B-B14F-4D97-AF65-F5344CB8AC3E}">
-        <p14:creationId xmlns:p14="http://schemas.microsoft.com/office/powerpoint/2010/main" val="1867335754"/>
+        <p14:creationId xmlns:p14="http://schemas.microsoft.com/office/powerpoint/2010/main" val="343459188"/>
       </p:ext>
     </p:extLst>
   </p:cSld>
@@ -2668,7 +5746,7 @@
           <a:p>
             <a:fld id="{58E8A07E-AF8F-4286-B046-EB93E7655C6A}" type="datetimeFigureOut">
               <a:rPr lang="en-US" smtClean="0"/>
-              <a:t>12/7/2021</a:t>
+              <a:t>12/8/2021</a:t>
             </a:fld>
             <a:endParaRPr lang="en-US"/>
           </a:p>
@@ -2719,7 +5797,7 @@
     </p:spTree>
     <p:extLst>
       <p:ext uri="{BB962C8B-B14F-4D97-AF65-F5344CB8AC3E}">
-        <p14:creationId xmlns:p14="http://schemas.microsoft.com/office/powerpoint/2010/main" val="2390657178"/>
+        <p14:creationId xmlns:p14="http://schemas.microsoft.com/office/powerpoint/2010/main" val="533838243"/>
       </p:ext>
     </p:extLst>
   </p:cSld>
@@ -2758,15 +5836,17 @@
         </p:nvSpPr>
         <p:spPr>
           <a:xfrm>
-            <a:off x="839788" y="457200"/>
-            <a:ext cx="3932237" cy="1600200"/>
+            <a:off x="677334" y="1498604"/>
+            <a:ext cx="3854528" cy="1278466"/>
           </a:xfrm>
         </p:spPr>
         <p:txBody>
-          <a:bodyPr anchor="b"/>
+          <a:bodyPr anchor="b">
+            <a:normAutofit/>
+          </a:bodyPr>
           <a:lstStyle>
             <a:lvl1pPr>
-              <a:defRPr sz="3200"/>
+              <a:defRPr sz="2000"/>
             </a:lvl1pPr>
           </a:lstStyle>
           <a:p>
@@ -2774,7 +5854,7 @@
               <a:rPr lang="en-US" smtClean="0"/>
               <a:t>Click to edit Master title style</a:t>
             </a:r>
-            <a:endParaRPr lang="en-US"/>
+            <a:endParaRPr lang="en-US" dirty="0"/>
           </a:p>
         </p:txBody>
       </p:sp>
@@ -2790,41 +5870,15 @@
         </p:nvSpPr>
         <p:spPr>
           <a:xfrm>
-            <a:off x="5183188" y="987425"/>
-            <a:ext cx="6172200" cy="4873625"/>
+            <a:off x="4760461" y="514924"/>
+            <a:ext cx="4513541" cy="5526437"/>
           </a:xfrm>
         </p:spPr>
         <p:txBody>
-          <a:bodyPr/>
-          <a:lstStyle>
-            <a:lvl1pPr>
-              <a:defRPr sz="3200"/>
-            </a:lvl1pPr>
-            <a:lvl2pPr>
-              <a:defRPr sz="2800"/>
-            </a:lvl2pPr>
-            <a:lvl3pPr>
-              <a:defRPr sz="2400"/>
-            </a:lvl3pPr>
-            <a:lvl4pPr>
-              <a:defRPr sz="2000"/>
-            </a:lvl4pPr>
-            <a:lvl5pPr>
-              <a:defRPr sz="2000"/>
-            </a:lvl5pPr>
-            <a:lvl6pPr>
-              <a:defRPr sz="2000"/>
-            </a:lvl6pPr>
-            <a:lvl7pPr>
-              <a:defRPr sz="2000"/>
-            </a:lvl7pPr>
-            <a:lvl8pPr>
-              <a:defRPr sz="2000"/>
-            </a:lvl8pPr>
-            <a:lvl9pPr>
-              <a:defRPr sz="2000"/>
-            </a:lvl9pPr>
-          </a:lstStyle>
+          <a:bodyPr>
+            <a:normAutofit/>
+          </a:bodyPr>
+          <a:lstStyle/>
           <a:p>
             <a:pPr lvl="0"/>
             <a:r>
@@ -2859,7 +5913,7 @@
               <a:rPr lang="en-US" smtClean="0"/>
               <a:t>Fifth level</a:t>
             </a:r>
-            <a:endParaRPr lang="en-US"/>
+            <a:endParaRPr lang="en-US" dirty="0"/>
           </a:p>
         </p:txBody>
       </p:sp>
@@ -2875,46 +5929,48 @@
         </p:nvSpPr>
         <p:spPr>
           <a:xfrm>
-            <a:off x="839788" y="2057400"/>
-            <a:ext cx="3932237" cy="3811588"/>
+            <a:off x="677334" y="2777069"/>
+            <a:ext cx="3854528" cy="2584449"/>
           </a:xfrm>
         </p:spPr>
         <p:txBody>
-          <a:bodyPr/>
+          <a:bodyPr>
+            <a:normAutofit/>
+          </a:bodyPr>
           <a:lstStyle>
             <a:lvl1pPr marL="0" indent="0">
               <a:buNone/>
-              <a:defRPr sz="1600"/>
+              <a:defRPr sz="1400"/>
             </a:lvl1pPr>
-            <a:lvl2pPr marL="457200" indent="0">
+            <a:lvl2pPr marL="457063" indent="0">
               <a:buNone/>
               <a:defRPr sz="1400"/>
             </a:lvl2pPr>
-            <a:lvl3pPr marL="914400" indent="0">
+            <a:lvl3pPr marL="914126" indent="0">
               <a:buNone/>
               <a:defRPr sz="1200"/>
             </a:lvl3pPr>
-            <a:lvl4pPr marL="1371600" indent="0">
+            <a:lvl4pPr marL="1371189" indent="0">
               <a:buNone/>
               <a:defRPr sz="1000"/>
             </a:lvl4pPr>
-            <a:lvl5pPr marL="1828800" indent="0">
+            <a:lvl5pPr marL="1828251" indent="0">
               <a:buNone/>
               <a:defRPr sz="1000"/>
             </a:lvl5pPr>
-            <a:lvl6pPr marL="2286000" indent="0">
+            <a:lvl6pPr marL="2285314" indent="0">
               <a:buNone/>
               <a:defRPr sz="1000"/>
             </a:lvl6pPr>
-            <a:lvl7pPr marL="2743200" indent="0">
+            <a:lvl7pPr marL="2742377" indent="0">
               <a:buNone/>
               <a:defRPr sz="1000"/>
             </a:lvl7pPr>
-            <a:lvl8pPr marL="3200400" indent="0">
+            <a:lvl8pPr marL="3199440" indent="0">
               <a:buNone/>
               <a:defRPr sz="1000"/>
             </a:lvl8pPr>
-            <a:lvl9pPr marL="3657600" indent="0">
+            <a:lvl9pPr marL="3656503" indent="0">
               <a:buNone/>
               <a:defRPr sz="1000"/>
             </a:lvl9pPr>
@@ -2945,7 +6001,7 @@
           <a:p>
             <a:fld id="{58E8A07E-AF8F-4286-B046-EB93E7655C6A}" type="datetimeFigureOut">
               <a:rPr lang="en-US" smtClean="0"/>
-              <a:t>12/7/2021</a:t>
+              <a:t>12/8/2021</a:t>
             </a:fld>
             <a:endParaRPr lang="en-US"/>
           </a:p>
@@ -2996,7 +6052,7 @@
     </p:spTree>
     <p:extLst>
       <p:ext uri="{BB962C8B-B14F-4D97-AF65-F5344CB8AC3E}">
-        <p14:creationId xmlns:p14="http://schemas.microsoft.com/office/powerpoint/2010/main" val="3601506947"/>
+        <p14:creationId xmlns:p14="http://schemas.microsoft.com/office/powerpoint/2010/main" val="2044388406"/>
       </p:ext>
     </p:extLst>
   </p:cSld>
@@ -3035,15 +6091,17 @@
         </p:nvSpPr>
         <p:spPr>
           <a:xfrm>
-            <a:off x="839788" y="457200"/>
-            <a:ext cx="3932237" cy="1600200"/>
+            <a:off x="677334" y="4800600"/>
+            <a:ext cx="8596667" cy="566738"/>
           </a:xfrm>
         </p:spPr>
         <p:txBody>
-          <a:bodyPr anchor="b"/>
+          <a:bodyPr anchor="b">
+            <a:normAutofit/>
+          </a:bodyPr>
           <a:lstStyle>
-            <a:lvl1pPr>
-              <a:defRPr sz="3200"/>
+            <a:lvl1pPr algn="l">
+              <a:defRPr sz="2400" b="0"/>
             </a:lvl1pPr>
           </a:lstStyle>
           <a:p>
@@ -3051,7 +6109,7 @@
               <a:rPr lang="en-US" smtClean="0"/>
               <a:t>Click to edit Master title style</a:t>
             </a:r>
-            <a:endParaRPr lang="en-US"/>
+            <a:endParaRPr lang="en-US" dirty="0"/>
           </a:p>
         </p:txBody>
       </p:sp>
@@ -3059,7 +6117,7 @@
         <p:nvSpPr>
           <p:cNvPr id="3" name="Picture Placeholder 2"/>
           <p:cNvSpPr>
-            <a:spLocks noGrp="1"/>
+            <a:spLocks noGrp="1" noChangeAspect="1"/>
           </p:cNvSpPr>
           <p:nvPr>
             <p:ph type="pic" idx="1"/>
@@ -3067,112 +6125,120 @@
         </p:nvSpPr>
         <p:spPr>
           <a:xfrm>
-            <a:off x="5183188" y="987425"/>
-            <a:ext cx="6172200" cy="4873625"/>
+            <a:off x="677334" y="609600"/>
+            <a:ext cx="8596668" cy="3845718"/>
           </a:xfrm>
         </p:spPr>
         <p:txBody>
-          <a:bodyPr/>
+          <a:bodyPr anchor="t">
+            <a:normAutofit/>
+          </a:bodyPr>
           <a:lstStyle>
-            <a:lvl1pPr marL="0" indent="0">
-              <a:buNone/>
-              <a:defRPr sz="3200"/>
-            </a:lvl1pPr>
-            <a:lvl2pPr marL="457200" indent="0">
-              <a:buNone/>
-              <a:defRPr sz="2800"/>
-            </a:lvl2pPr>
-            <a:lvl3pPr marL="914400" indent="0">
-              <a:buNone/>
-              <a:defRPr sz="2400"/>
-            </a:lvl3pPr>
-            <a:lvl4pPr marL="1371600" indent="0">
-              <a:buNone/>
-              <a:defRPr sz="2000"/>
-            </a:lvl4pPr>
-            <a:lvl5pPr marL="1828800" indent="0">
-              <a:buNone/>
-              <a:defRPr sz="2000"/>
-            </a:lvl5pPr>
-            <a:lvl6pPr marL="2286000" indent="0">
-              <a:buNone/>
-              <a:defRPr sz="2000"/>
-            </a:lvl6pPr>
-            <a:lvl7pPr marL="2743200" indent="0">
-              <a:buNone/>
-              <a:defRPr sz="2000"/>
-            </a:lvl7pPr>
-            <a:lvl8pPr marL="3200400" indent="0">
-              <a:buNone/>
-              <a:defRPr sz="2000"/>
-            </a:lvl8pPr>
-            <a:lvl9pPr marL="3657600" indent="0">
-              <a:buNone/>
-              <a:defRPr sz="2000"/>
-            </a:lvl9pPr>
-          </a:lstStyle>
-          <a:p>
-            <a:endParaRPr lang="en-US"/>
-          </a:p>
-        </p:txBody>
-      </p:sp>
-      <p:sp>
-        <p:nvSpPr>
-          <p:cNvPr id="4" name="Text Placeholder 3"/>
-          <p:cNvSpPr>
-            <a:spLocks noGrp="1"/>
-          </p:cNvSpPr>
-          <p:nvPr>
-            <p:ph type="body" sz="half" idx="2"/>
-          </p:nvPr>
-        </p:nvSpPr>
-        <p:spPr>
-          <a:xfrm>
-            <a:off x="839788" y="2057400"/>
-            <a:ext cx="3932237" cy="3811588"/>
-          </a:xfrm>
-        </p:spPr>
-        <p:txBody>
-          <a:bodyPr/>
-          <a:lstStyle>
-            <a:lvl1pPr marL="0" indent="0">
+            <a:lvl1pPr marL="0" indent="0" algn="ctr">
               <a:buNone/>
               <a:defRPr sz="1600"/>
             </a:lvl1pPr>
             <a:lvl2pPr marL="457200" indent="0">
               <a:buNone/>
-              <a:defRPr sz="1400"/>
+              <a:defRPr sz="1600"/>
             </a:lvl2pPr>
             <a:lvl3pPr marL="914400" indent="0">
               <a:buNone/>
-              <a:defRPr sz="1200"/>
+              <a:defRPr sz="1600"/>
             </a:lvl3pPr>
             <a:lvl4pPr marL="1371600" indent="0">
               <a:buNone/>
-              <a:defRPr sz="1000"/>
+              <a:defRPr sz="1600"/>
             </a:lvl4pPr>
             <a:lvl5pPr marL="1828800" indent="0">
               <a:buNone/>
-              <a:defRPr sz="1000"/>
+              <a:defRPr sz="1600"/>
             </a:lvl5pPr>
             <a:lvl6pPr marL="2286000" indent="0">
               <a:buNone/>
-              <a:defRPr sz="1000"/>
+              <a:defRPr sz="1600"/>
             </a:lvl6pPr>
             <a:lvl7pPr marL="2743200" indent="0">
               <a:buNone/>
-              <a:defRPr sz="1000"/>
+              <a:defRPr sz="1600"/>
             </a:lvl7pPr>
             <a:lvl8pPr marL="3200400" indent="0">
               <a:buNone/>
-              <a:defRPr sz="1000"/>
+              <a:defRPr sz="1600"/>
             </a:lvl8pPr>
             <a:lvl9pPr marL="3657600" indent="0">
               <a:buNone/>
-              <a:defRPr sz="1000"/>
+              <a:defRPr sz="1600"/>
             </a:lvl9pPr>
           </a:lstStyle>
           <a:p>
+            <a:r>
+              <a:rPr lang="en-US" smtClean="0"/>
+              <a:t>Click icon to add picture</a:t>
+            </a:r>
+            <a:endParaRPr lang="en-US" dirty="0"/>
+          </a:p>
+        </p:txBody>
+      </p:sp>
+      <p:sp>
+        <p:nvSpPr>
+          <p:cNvPr id="4" name="Text Placeholder 3"/>
+          <p:cNvSpPr>
+            <a:spLocks noGrp="1"/>
+          </p:cNvSpPr>
+          <p:nvPr>
+            <p:ph type="body" sz="half" idx="2"/>
+          </p:nvPr>
+        </p:nvSpPr>
+        <p:spPr>
+          <a:xfrm>
+            <a:off x="677334" y="5367338"/>
+            <a:ext cx="8596667" cy="674024"/>
+          </a:xfrm>
+        </p:spPr>
+        <p:txBody>
+          <a:bodyPr>
+            <a:normAutofit/>
+          </a:bodyPr>
+          <a:lstStyle>
+            <a:lvl1pPr marL="0" indent="0">
+              <a:buNone/>
+              <a:defRPr sz="1200"/>
+            </a:lvl1pPr>
+            <a:lvl2pPr marL="457200" indent="0">
+              <a:buNone/>
+              <a:defRPr sz="1200"/>
+            </a:lvl2pPr>
+            <a:lvl3pPr marL="914400" indent="0">
+              <a:buNone/>
+              <a:defRPr sz="1000"/>
+            </a:lvl3pPr>
+            <a:lvl4pPr marL="1371600" indent="0">
+              <a:buNone/>
+              <a:defRPr sz="900"/>
+            </a:lvl4pPr>
+            <a:lvl5pPr marL="1828800" indent="0">
+              <a:buNone/>
+              <a:defRPr sz="900"/>
+            </a:lvl5pPr>
+            <a:lvl6pPr marL="2286000" indent="0">
+              <a:buNone/>
+              <a:defRPr sz="900"/>
+            </a:lvl6pPr>
+            <a:lvl7pPr marL="2743200" indent="0">
+              <a:buNone/>
+              <a:defRPr sz="900"/>
+            </a:lvl7pPr>
+            <a:lvl8pPr marL="3200400" indent="0">
+              <a:buNone/>
+              <a:defRPr sz="900"/>
+            </a:lvl8pPr>
+            <a:lvl9pPr marL="3657600" indent="0">
+              <a:buNone/>
+              <a:defRPr sz="900"/>
+            </a:lvl9pPr>
+          </a:lstStyle>
+          <a:p>
             <a:pPr lvl="0"/>
             <a:r>
               <a:rPr lang="en-US" smtClean="0"/>
@@ -3198,7 +6264,7 @@
           <a:p>
             <a:fld id="{58E8A07E-AF8F-4286-B046-EB93E7655C6A}" type="datetimeFigureOut">
               <a:rPr lang="en-US" smtClean="0"/>
-              <a:t>12/7/2021</a:t>
+              <a:t>12/8/2021</a:t>
             </a:fld>
             <a:endParaRPr lang="en-US"/>
           </a:p>
@@ -3219,7 +6285,7 @@
           <a:bodyPr/>
           <a:lstStyle/>
           <a:p>
-            <a:endParaRPr lang="en-US"/>
+            <a:endParaRPr lang="en-US" dirty="0"/>
           </a:p>
         </p:txBody>
       </p:sp>
@@ -3249,7 +6315,7 @@
     </p:spTree>
     <p:extLst>
       <p:ext uri="{BB962C8B-B14F-4D97-AF65-F5344CB8AC3E}">
-        <p14:creationId xmlns:p14="http://schemas.microsoft.com/office/powerpoint/2010/main" val="3663585370"/>
+        <p14:creationId xmlns:p14="http://schemas.microsoft.com/office/powerpoint/2010/main" val="2394006301"/>
       </p:ext>
     </p:extLst>
   </p:cSld>
@@ -3281,6 +6347,536 @@
           <a:chExt cx="0" cy="0"/>
         </a:xfrm>
       </p:grpSpPr>
+      <p:grpSp>
+        <p:nvGrpSpPr>
+          <p:cNvPr id="7" name="Group 6"/>
+          <p:cNvGrpSpPr/>
+          <p:nvPr/>
+        </p:nvGrpSpPr>
+        <p:grpSpPr>
+          <a:xfrm>
+            <a:off x="0" y="-8467"/>
+            <a:ext cx="12192000" cy="6866467"/>
+            <a:chOff x="0" y="-8467"/>
+            <a:chExt cx="12192000" cy="6866467"/>
+          </a:xfrm>
+        </p:grpSpPr>
+        <p:cxnSp>
+          <p:nvCxnSpPr>
+            <p:cNvPr id="20" name="Straight Connector 19"/>
+            <p:cNvCxnSpPr/>
+            <p:nvPr/>
+          </p:nvCxnSpPr>
+          <p:spPr>
+            <a:xfrm>
+              <a:off x="9371012" y="0"/>
+              <a:ext cx="1219200" cy="6858000"/>
+            </a:xfrm>
+            <a:prstGeom prst="line">
+              <a:avLst/>
+            </a:prstGeom>
+            <a:ln w="9525">
+              <a:solidFill>
+                <a:schemeClr val="bg1">
+                  <a:lumMod val="75000"/>
+                </a:schemeClr>
+              </a:solidFill>
+            </a:ln>
+          </p:spPr>
+          <p:style>
+            <a:lnRef idx="2">
+              <a:schemeClr val="accent1"/>
+            </a:lnRef>
+            <a:fillRef idx="0">
+              <a:schemeClr val="accent1"/>
+            </a:fillRef>
+            <a:effectRef idx="1">
+              <a:schemeClr val="accent1"/>
+            </a:effectRef>
+            <a:fontRef idx="minor">
+              <a:schemeClr val="tx1"/>
+            </a:fontRef>
+          </p:style>
+        </p:cxnSp>
+        <p:cxnSp>
+          <p:nvCxnSpPr>
+            <p:cNvPr id="21" name="Straight Connector 20"/>
+            <p:cNvCxnSpPr/>
+            <p:nvPr/>
+          </p:nvCxnSpPr>
+          <p:spPr>
+            <a:xfrm flipH="1">
+              <a:off x="7425267" y="3681413"/>
+              <a:ext cx="4763558" cy="3176587"/>
+            </a:xfrm>
+            <a:prstGeom prst="line">
+              <a:avLst/>
+            </a:prstGeom>
+            <a:ln w="9525">
+              <a:solidFill>
+                <a:schemeClr val="bg1">
+                  <a:lumMod val="85000"/>
+                </a:schemeClr>
+              </a:solidFill>
+            </a:ln>
+          </p:spPr>
+          <p:style>
+            <a:lnRef idx="2">
+              <a:schemeClr val="accent1"/>
+            </a:lnRef>
+            <a:fillRef idx="0">
+              <a:schemeClr val="accent1"/>
+            </a:fillRef>
+            <a:effectRef idx="1">
+              <a:schemeClr val="accent1"/>
+            </a:effectRef>
+            <a:fontRef idx="minor">
+              <a:schemeClr val="tx1"/>
+            </a:fontRef>
+          </p:style>
+        </p:cxnSp>
+        <p:sp>
+          <p:nvSpPr>
+            <p:cNvPr id="22" name="Rectangle 23"/>
+            <p:cNvSpPr/>
+            <p:nvPr/>
+          </p:nvSpPr>
+          <p:spPr>
+            <a:xfrm>
+              <a:off x="9181476" y="-8467"/>
+              <a:ext cx="3007349" cy="6866467"/>
+            </a:xfrm>
+            <a:custGeom>
+              <a:avLst/>
+              <a:gdLst/>
+              <a:ahLst/>
+              <a:cxnLst/>
+              <a:rect l="l" t="t" r="r" b="b"/>
+              <a:pathLst>
+                <a:path w="3007349" h="6866467">
+                  <a:moveTo>
+                    <a:pt x="2045532" y="0"/>
+                  </a:moveTo>
+                  <a:lnTo>
+                    <a:pt x="3007349" y="0"/>
+                  </a:lnTo>
+                  <a:lnTo>
+                    <a:pt x="3007349" y="6866467"/>
+                  </a:lnTo>
+                  <a:lnTo>
+                    <a:pt x="0" y="6866467"/>
+                  </a:lnTo>
+                  <a:lnTo>
+                    <a:pt x="2045532" y="0"/>
+                  </a:lnTo>
+                  <a:close/>
+                </a:path>
+              </a:pathLst>
+            </a:custGeom>
+            <a:solidFill>
+              <a:schemeClr val="accent1">
+                <a:alpha val="30000"/>
+              </a:schemeClr>
+            </a:solidFill>
+            <a:ln>
+              <a:noFill/>
+            </a:ln>
+            <a:effectLst/>
+          </p:spPr>
+          <p:style>
+            <a:lnRef idx="1">
+              <a:schemeClr val="accent1"/>
+            </a:lnRef>
+            <a:fillRef idx="3">
+              <a:schemeClr val="accent1"/>
+            </a:fillRef>
+            <a:effectRef idx="2">
+              <a:schemeClr val="accent1"/>
+            </a:effectRef>
+            <a:fontRef idx="minor">
+              <a:schemeClr val="lt1"/>
+            </a:fontRef>
+          </p:style>
+        </p:sp>
+        <p:sp>
+          <p:nvSpPr>
+            <p:cNvPr id="23" name="Rectangle 25"/>
+            <p:cNvSpPr/>
+            <p:nvPr/>
+          </p:nvSpPr>
+          <p:spPr>
+            <a:xfrm>
+              <a:off x="9603442" y="-8467"/>
+              <a:ext cx="2588558" cy="6866467"/>
+            </a:xfrm>
+            <a:custGeom>
+              <a:avLst/>
+              <a:gdLst/>
+              <a:ahLst/>
+              <a:cxnLst/>
+              <a:rect l="l" t="t" r="r" b="b"/>
+              <a:pathLst>
+                <a:path w="2573311" h="6866467">
+                  <a:moveTo>
+                    <a:pt x="0" y="0"/>
+                  </a:moveTo>
+                  <a:lnTo>
+                    <a:pt x="2573311" y="0"/>
+                  </a:lnTo>
+                  <a:lnTo>
+                    <a:pt x="2573311" y="6866467"/>
+                  </a:lnTo>
+                  <a:lnTo>
+                    <a:pt x="1202336" y="6866467"/>
+                  </a:lnTo>
+                  <a:lnTo>
+                    <a:pt x="0" y="0"/>
+                  </a:lnTo>
+                  <a:close/>
+                </a:path>
+              </a:pathLst>
+            </a:custGeom>
+            <a:solidFill>
+              <a:schemeClr val="accent1">
+                <a:alpha val="20000"/>
+              </a:schemeClr>
+            </a:solidFill>
+            <a:ln>
+              <a:noFill/>
+            </a:ln>
+            <a:effectLst/>
+          </p:spPr>
+          <p:style>
+            <a:lnRef idx="1">
+              <a:schemeClr val="accent1"/>
+            </a:lnRef>
+            <a:fillRef idx="3">
+              <a:schemeClr val="accent1"/>
+            </a:fillRef>
+            <a:effectRef idx="2">
+              <a:schemeClr val="accent1"/>
+            </a:effectRef>
+            <a:fontRef idx="minor">
+              <a:schemeClr val="lt1"/>
+            </a:fontRef>
+          </p:style>
+        </p:sp>
+        <p:sp>
+          <p:nvSpPr>
+            <p:cNvPr id="24" name="Isosceles Triangle 23"/>
+            <p:cNvSpPr/>
+            <p:nvPr/>
+          </p:nvSpPr>
+          <p:spPr>
+            <a:xfrm>
+              <a:off x="8932333" y="3048000"/>
+              <a:ext cx="3259667" cy="3810000"/>
+            </a:xfrm>
+            <a:prstGeom prst="triangle">
+              <a:avLst>
+                <a:gd name="adj" fmla="val 100000"/>
+              </a:avLst>
+            </a:prstGeom>
+            <a:solidFill>
+              <a:schemeClr val="accent2">
+                <a:alpha val="72000"/>
+              </a:schemeClr>
+            </a:solidFill>
+            <a:ln>
+              <a:noFill/>
+            </a:ln>
+            <a:effectLst/>
+          </p:spPr>
+          <p:style>
+            <a:lnRef idx="1">
+              <a:schemeClr val="accent1"/>
+            </a:lnRef>
+            <a:fillRef idx="3">
+              <a:schemeClr val="accent1"/>
+            </a:fillRef>
+            <a:effectRef idx="2">
+              <a:schemeClr val="accent1"/>
+            </a:effectRef>
+            <a:fontRef idx="minor">
+              <a:schemeClr val="lt1"/>
+            </a:fontRef>
+          </p:style>
+        </p:sp>
+        <p:sp>
+          <p:nvSpPr>
+            <p:cNvPr id="25" name="Rectangle 27"/>
+            <p:cNvSpPr/>
+            <p:nvPr/>
+          </p:nvSpPr>
+          <p:spPr>
+            <a:xfrm>
+              <a:off x="9334500" y="-8467"/>
+              <a:ext cx="2854326" cy="6866467"/>
+            </a:xfrm>
+            <a:custGeom>
+              <a:avLst/>
+              <a:gdLst/>
+              <a:ahLst/>
+              <a:cxnLst/>
+              <a:rect l="l" t="t" r="r" b="b"/>
+              <a:pathLst>
+                <a:path w="2858013" h="6866467">
+                  <a:moveTo>
+                    <a:pt x="0" y="0"/>
+                  </a:moveTo>
+                  <a:lnTo>
+                    <a:pt x="2858013" y="0"/>
+                  </a:lnTo>
+                  <a:lnTo>
+                    <a:pt x="2858013" y="6866467"/>
+                  </a:lnTo>
+                  <a:lnTo>
+                    <a:pt x="2473942" y="6866467"/>
+                  </a:lnTo>
+                  <a:lnTo>
+                    <a:pt x="0" y="0"/>
+                  </a:lnTo>
+                  <a:close/>
+                </a:path>
+              </a:pathLst>
+            </a:custGeom>
+            <a:solidFill>
+              <a:schemeClr val="accent2">
+                <a:lumMod val="75000"/>
+                <a:alpha val="70000"/>
+              </a:schemeClr>
+            </a:solidFill>
+            <a:ln>
+              <a:noFill/>
+            </a:ln>
+            <a:effectLst/>
+          </p:spPr>
+          <p:style>
+            <a:lnRef idx="1">
+              <a:schemeClr val="accent1"/>
+            </a:lnRef>
+            <a:fillRef idx="3">
+              <a:schemeClr val="accent1"/>
+            </a:fillRef>
+            <a:effectRef idx="2">
+              <a:schemeClr val="accent1"/>
+            </a:effectRef>
+            <a:fontRef idx="minor">
+              <a:schemeClr val="lt1"/>
+            </a:fontRef>
+          </p:style>
+        </p:sp>
+        <p:sp>
+          <p:nvSpPr>
+            <p:cNvPr id="26" name="Rectangle 28"/>
+            <p:cNvSpPr/>
+            <p:nvPr/>
+          </p:nvSpPr>
+          <p:spPr>
+            <a:xfrm>
+              <a:off x="10898730" y="-8467"/>
+              <a:ext cx="1290094" cy="6866467"/>
+            </a:xfrm>
+            <a:custGeom>
+              <a:avLst/>
+              <a:gdLst/>
+              <a:ahLst/>
+              <a:cxnLst/>
+              <a:rect l="l" t="t" r="r" b="b"/>
+              <a:pathLst>
+                <a:path w="1290094" h="6858000">
+                  <a:moveTo>
+                    <a:pt x="1019735" y="0"/>
+                  </a:moveTo>
+                  <a:lnTo>
+                    <a:pt x="1290094" y="0"/>
+                  </a:lnTo>
+                  <a:lnTo>
+                    <a:pt x="1290094" y="6858000"/>
+                  </a:lnTo>
+                  <a:lnTo>
+                    <a:pt x="0" y="6858000"/>
+                  </a:lnTo>
+                  <a:lnTo>
+                    <a:pt x="1019735" y="0"/>
+                  </a:lnTo>
+                  <a:close/>
+                </a:path>
+              </a:pathLst>
+            </a:custGeom>
+            <a:solidFill>
+              <a:schemeClr val="accent1">
+                <a:lumMod val="60000"/>
+                <a:lumOff val="40000"/>
+                <a:alpha val="70000"/>
+              </a:schemeClr>
+            </a:solidFill>
+            <a:ln>
+              <a:noFill/>
+            </a:ln>
+            <a:effectLst/>
+          </p:spPr>
+          <p:style>
+            <a:lnRef idx="1">
+              <a:schemeClr val="accent1"/>
+            </a:lnRef>
+            <a:fillRef idx="3">
+              <a:schemeClr val="accent1"/>
+            </a:fillRef>
+            <a:effectRef idx="2">
+              <a:schemeClr val="accent1"/>
+            </a:effectRef>
+            <a:fontRef idx="minor">
+              <a:schemeClr val="lt1"/>
+            </a:fontRef>
+          </p:style>
+        </p:sp>
+        <p:sp>
+          <p:nvSpPr>
+            <p:cNvPr id="27" name="Rectangle 29"/>
+            <p:cNvSpPr/>
+            <p:nvPr/>
+          </p:nvSpPr>
+          <p:spPr>
+            <a:xfrm>
+              <a:off x="10938999" y="-8467"/>
+              <a:ext cx="1249825" cy="6866467"/>
+            </a:xfrm>
+            <a:custGeom>
+              <a:avLst/>
+              <a:gdLst/>
+              <a:ahLst/>
+              <a:cxnLst/>
+              <a:rect l="l" t="t" r="r" b="b"/>
+              <a:pathLst>
+                <a:path w="1249825" h="6858000">
+                  <a:moveTo>
+                    <a:pt x="0" y="0"/>
+                  </a:moveTo>
+                  <a:lnTo>
+                    <a:pt x="1249825" y="0"/>
+                  </a:lnTo>
+                  <a:lnTo>
+                    <a:pt x="1249825" y="6858000"/>
+                  </a:lnTo>
+                  <a:lnTo>
+                    <a:pt x="1109382" y="6858000"/>
+                  </a:lnTo>
+                  <a:lnTo>
+                    <a:pt x="0" y="0"/>
+                  </a:lnTo>
+                  <a:close/>
+                </a:path>
+              </a:pathLst>
+            </a:custGeom>
+            <a:solidFill>
+              <a:schemeClr val="accent1">
+                <a:alpha val="65000"/>
+              </a:schemeClr>
+            </a:solidFill>
+            <a:ln>
+              <a:noFill/>
+            </a:ln>
+            <a:effectLst/>
+          </p:spPr>
+          <p:style>
+            <a:lnRef idx="1">
+              <a:schemeClr val="accent1"/>
+            </a:lnRef>
+            <a:fillRef idx="3">
+              <a:schemeClr val="accent1"/>
+            </a:fillRef>
+            <a:effectRef idx="2">
+              <a:schemeClr val="accent1"/>
+            </a:effectRef>
+            <a:fontRef idx="minor">
+              <a:schemeClr val="lt1"/>
+            </a:fontRef>
+          </p:style>
+        </p:sp>
+        <p:sp>
+          <p:nvSpPr>
+            <p:cNvPr id="28" name="Isosceles Triangle 27"/>
+            <p:cNvSpPr/>
+            <p:nvPr/>
+          </p:nvSpPr>
+          <p:spPr>
+            <a:xfrm>
+              <a:off x="10371666" y="3589867"/>
+              <a:ext cx="1817159" cy="3268133"/>
+            </a:xfrm>
+            <a:prstGeom prst="triangle">
+              <a:avLst>
+                <a:gd name="adj" fmla="val 100000"/>
+              </a:avLst>
+            </a:prstGeom>
+            <a:solidFill>
+              <a:schemeClr val="accent1">
+                <a:alpha val="80000"/>
+              </a:schemeClr>
+            </a:solidFill>
+            <a:ln>
+              <a:noFill/>
+            </a:ln>
+            <a:effectLst/>
+          </p:spPr>
+          <p:style>
+            <a:lnRef idx="1">
+              <a:schemeClr val="accent1"/>
+            </a:lnRef>
+            <a:fillRef idx="3">
+              <a:schemeClr val="accent1"/>
+            </a:fillRef>
+            <a:effectRef idx="2">
+              <a:schemeClr val="accent1"/>
+            </a:effectRef>
+            <a:fontRef idx="minor">
+              <a:schemeClr val="lt1"/>
+            </a:fontRef>
+          </p:style>
+        </p:sp>
+        <p:sp>
+          <p:nvSpPr>
+            <p:cNvPr id="29" name="Isosceles Triangle 28"/>
+            <p:cNvSpPr/>
+            <p:nvPr/>
+          </p:nvSpPr>
+          <p:spPr>
+            <a:xfrm>
+              <a:off x="0" y="4013200"/>
+              <a:ext cx="448733" cy="2844800"/>
+            </a:xfrm>
+            <a:prstGeom prst="triangle">
+              <a:avLst>
+                <a:gd name="adj" fmla="val 0"/>
+              </a:avLst>
+            </a:prstGeom>
+            <a:solidFill>
+              <a:schemeClr val="accent1">
+                <a:alpha val="85000"/>
+              </a:schemeClr>
+            </a:solidFill>
+            <a:ln>
+              <a:noFill/>
+            </a:ln>
+            <a:effectLst/>
+          </p:spPr>
+          <p:style>
+            <a:lnRef idx="1">
+              <a:schemeClr val="accent1"/>
+            </a:lnRef>
+            <a:fillRef idx="3">
+              <a:schemeClr val="accent1"/>
+            </a:fillRef>
+            <a:effectRef idx="2">
+              <a:schemeClr val="accent1"/>
+            </a:effectRef>
+            <a:fontRef idx="minor">
+              <a:schemeClr val="lt1"/>
+            </a:fontRef>
+          </p:style>
+        </p:sp>
+      </p:grpSp>
       <p:sp>
         <p:nvSpPr>
           <p:cNvPr id="2" name="Title Placeholder 1"/>
@@ -3293,15 +6889,15 @@
         </p:nvSpPr>
         <p:spPr>
           <a:xfrm>
-            <a:off x="838200" y="365125"/>
-            <a:ext cx="10515600" cy="1325563"/>
+            <a:off x="677334" y="609600"/>
+            <a:ext cx="8596668" cy="1320800"/>
           </a:xfrm>
           <a:prstGeom prst="rect">
             <a:avLst/>
           </a:prstGeom>
         </p:spPr>
         <p:txBody>
-          <a:bodyPr vert="horz" lIns="91440" tIns="45720" rIns="91440" bIns="45720" rtlCol="0" anchor="ctr">
+          <a:bodyPr vert="horz" lIns="91440" tIns="45720" rIns="91440" bIns="45720" rtlCol="0" anchor="t">
             <a:normAutofit/>
           </a:bodyPr>
           <a:lstStyle/>
@@ -3310,7 +6906,7 @@
               <a:rPr lang="en-US" smtClean="0"/>
               <a:t>Click to edit Master title style</a:t>
             </a:r>
-            <a:endParaRPr lang="en-US"/>
+            <a:endParaRPr lang="en-US" dirty="0"/>
           </a:p>
         </p:txBody>
       </p:sp>
@@ -3326,8 +6922,8 @@
         </p:nvSpPr>
         <p:spPr>
           <a:xfrm>
-            <a:off x="838200" y="1825625"/>
-            <a:ext cx="10515600" cy="4351338"/>
+            <a:off x="677334" y="2160589"/>
+            <a:ext cx="8596668" cy="3880773"/>
           </a:xfrm>
           <a:prstGeom prst="rect">
             <a:avLst/>
@@ -3372,7 +6968,7 @@
               <a:rPr lang="en-US" smtClean="0"/>
               <a:t>Fifth level</a:t>
             </a:r>
-            <a:endParaRPr lang="en-US"/>
+            <a:endParaRPr lang="en-US" dirty="0"/>
           </a:p>
         </p:txBody>
       </p:sp>
@@ -3388,8 +6984,8 @@
         </p:nvSpPr>
         <p:spPr>
           <a:xfrm>
-            <a:off x="838200" y="6356350"/>
-            <a:ext cx="2743200" cy="365125"/>
+            <a:off x="7205133" y="6041362"/>
+            <a:ext cx="911939" cy="365125"/>
           </a:xfrm>
           <a:prstGeom prst="rect">
             <a:avLst/>
@@ -3398,8 +6994,8 @@
         <p:txBody>
           <a:bodyPr vert="horz" lIns="91440" tIns="45720" rIns="91440" bIns="45720" rtlCol="0" anchor="ctr"/>
           <a:lstStyle>
-            <a:lvl1pPr algn="l">
-              <a:defRPr sz="1200">
+            <a:lvl1pPr algn="r">
+              <a:defRPr sz="900">
                 <a:solidFill>
                   <a:schemeClr val="tx1">
                     <a:tint val="75000"/>
@@ -3411,7 +7007,7 @@
           <a:p>
             <a:fld id="{58E8A07E-AF8F-4286-B046-EB93E7655C6A}" type="datetimeFigureOut">
               <a:rPr lang="en-US" smtClean="0"/>
-              <a:t>12/7/2021</a:t>
+              <a:t>12/8/2021</a:t>
             </a:fld>
             <a:endParaRPr lang="en-US"/>
           </a:p>
@@ -3429,8 +7025,8 @@
         </p:nvSpPr>
         <p:spPr>
           <a:xfrm>
-            <a:off x="4038600" y="6356350"/>
-            <a:ext cx="4114800" cy="365125"/>
+            <a:off x="677334" y="6041362"/>
+            <a:ext cx="6297612" cy="365125"/>
           </a:xfrm>
           <a:prstGeom prst="rect">
             <a:avLst/>
@@ -3439,8 +7035,8 @@
         <p:txBody>
           <a:bodyPr vert="horz" lIns="91440" tIns="45720" rIns="91440" bIns="45720" rtlCol="0" anchor="ctr"/>
           <a:lstStyle>
-            <a:lvl1pPr algn="ctr">
-              <a:defRPr sz="1200">
+            <a:lvl1pPr algn="l">
+              <a:defRPr sz="900">
                 <a:solidFill>
                   <a:schemeClr val="tx1">
                     <a:tint val="75000"/>
@@ -3466,8 +7062,8 @@
         </p:nvSpPr>
         <p:spPr>
           <a:xfrm>
-            <a:off x="8610600" y="6356350"/>
-            <a:ext cx="2743200" cy="365125"/>
+            <a:off x="8590663" y="6041362"/>
+            <a:ext cx="683339" cy="365125"/>
           </a:xfrm>
           <a:prstGeom prst="rect">
             <a:avLst/>
@@ -3477,11 +7073,9 @@
           <a:bodyPr vert="horz" lIns="91440" tIns="45720" rIns="91440" bIns="45720" rtlCol="0" anchor="ctr"/>
           <a:lstStyle>
             <a:lvl1pPr algn="r">
-              <a:defRPr sz="1200">
+              <a:defRPr sz="900">
                 <a:solidFill>
-                  <a:schemeClr val="tx1">
-                    <a:tint val="75000"/>
-                  </a:schemeClr>
+                  <a:schemeClr val="accent1"/>
                 </a:solidFill>
               </a:defRPr>
             </a:lvl1pPr>
@@ -3498,201 +7092,322 @@
     </p:spTree>
     <p:extLst>
       <p:ext uri="{BB962C8B-B14F-4D97-AF65-F5344CB8AC3E}">
-        <p14:creationId xmlns:p14="http://schemas.microsoft.com/office/powerpoint/2010/main" val="3139077849"/>
+        <p14:creationId xmlns:p14="http://schemas.microsoft.com/office/powerpoint/2010/main" val="4190162584"/>
       </p:ext>
     </p:extLst>
   </p:cSld>
   <p:clrMap bg1="lt1" tx1="dk1" bg2="lt2" tx2="dk2" accent1="accent1" accent2="accent2" accent3="accent3" accent4="accent4" accent5="accent5" accent6="accent6" hlink="hlink" folHlink="folHlink"/>
   <p:sldLayoutIdLst>
-    <p:sldLayoutId id="2147483649" r:id="rId1"/>
-    <p:sldLayoutId id="2147483650" r:id="rId2"/>
-    <p:sldLayoutId id="2147483651" r:id="rId3"/>
-    <p:sldLayoutId id="2147483652" r:id="rId4"/>
-    <p:sldLayoutId id="2147483653" r:id="rId5"/>
-    <p:sldLayoutId id="2147483654" r:id="rId6"/>
-    <p:sldLayoutId id="2147483655" r:id="rId7"/>
-    <p:sldLayoutId id="2147483656" r:id="rId8"/>
-    <p:sldLayoutId id="2147483657" r:id="rId9"/>
-    <p:sldLayoutId id="2147483658" r:id="rId10"/>
-    <p:sldLayoutId id="2147483659" r:id="rId11"/>
+    <p:sldLayoutId id="2147483976" r:id="rId1"/>
+    <p:sldLayoutId id="2147483977" r:id="rId2"/>
+    <p:sldLayoutId id="2147483978" r:id="rId3"/>
+    <p:sldLayoutId id="2147483979" r:id="rId4"/>
+    <p:sldLayoutId id="2147483980" r:id="rId5"/>
+    <p:sldLayoutId id="2147483981" r:id="rId6"/>
+    <p:sldLayoutId id="2147483982" r:id="rId7"/>
+    <p:sldLayoutId id="2147483983" r:id="rId8"/>
+    <p:sldLayoutId id="2147483984" r:id="rId9"/>
+    <p:sldLayoutId id="2147483985" r:id="rId10"/>
+    <p:sldLayoutId id="2147483986" r:id="rId11"/>
+    <p:sldLayoutId id="2147483987" r:id="rId12"/>
+    <p:sldLayoutId id="2147483988" r:id="rId13"/>
+    <p:sldLayoutId id="2147483989" r:id="rId14"/>
+    <p:sldLayoutId id="2147483990" r:id="rId15"/>
+    <p:sldLayoutId id="2147483991" r:id="rId16"/>
   </p:sldLayoutIdLst>
   <p:txStyles>
     <p:titleStyle>
-      <a:lvl1pPr algn="l" defTabSz="914400" rtl="0" eaLnBrk="1" latinLnBrk="0" hangingPunct="1">
-        <a:lnSpc>
-          <a:spcPct val="90000"/>
-        </a:lnSpc>
+      <a:lvl1pPr algn="l" defTabSz="457200" rtl="0" eaLnBrk="1" latinLnBrk="0" hangingPunct="1">
         <a:spcBef>
           <a:spcPct val="0"/>
         </a:spcBef>
         <a:buNone/>
-        <a:defRPr sz="4400" kern="1200">
+        <a:defRPr sz="3600" kern="1200">
           <a:solidFill>
-            <a:schemeClr val="tx1"/>
+            <a:schemeClr val="accent1"/>
           </a:solidFill>
           <a:latin typeface="+mj-lt"/>
           <a:ea typeface="+mj-ea"/>
           <a:cs typeface="+mj-cs"/>
         </a:defRPr>
       </a:lvl1pPr>
+      <a:lvl2pPr eaLnBrk="1" hangingPunct="1">
+        <a:defRPr>
+          <a:solidFill>
+            <a:schemeClr val="tx2"/>
+          </a:solidFill>
+        </a:defRPr>
+      </a:lvl2pPr>
+      <a:lvl3pPr eaLnBrk="1" hangingPunct="1">
+        <a:defRPr>
+          <a:solidFill>
+            <a:schemeClr val="tx2"/>
+          </a:solidFill>
+        </a:defRPr>
+      </a:lvl3pPr>
+      <a:lvl4pPr eaLnBrk="1" hangingPunct="1">
+        <a:defRPr>
+          <a:solidFill>
+            <a:schemeClr val="tx2"/>
+          </a:solidFill>
+        </a:defRPr>
+      </a:lvl4pPr>
+      <a:lvl5pPr eaLnBrk="1" hangingPunct="1">
+        <a:defRPr>
+          <a:solidFill>
+            <a:schemeClr val="tx2"/>
+          </a:solidFill>
+        </a:defRPr>
+      </a:lvl5pPr>
+      <a:lvl6pPr eaLnBrk="1" hangingPunct="1">
+        <a:defRPr>
+          <a:solidFill>
+            <a:schemeClr val="tx2"/>
+          </a:solidFill>
+        </a:defRPr>
+      </a:lvl6pPr>
+      <a:lvl7pPr eaLnBrk="1" hangingPunct="1">
+        <a:defRPr>
+          <a:solidFill>
+            <a:schemeClr val="tx2"/>
+          </a:solidFill>
+        </a:defRPr>
+      </a:lvl7pPr>
+      <a:lvl8pPr eaLnBrk="1" hangingPunct="1">
+        <a:defRPr>
+          <a:solidFill>
+            <a:schemeClr val="tx2"/>
+          </a:solidFill>
+        </a:defRPr>
+      </a:lvl8pPr>
+      <a:lvl9pPr eaLnBrk="1" hangingPunct="1">
+        <a:defRPr>
+          <a:solidFill>
+            <a:schemeClr val="tx2"/>
+          </a:solidFill>
+        </a:defRPr>
+      </a:lvl9pPr>
     </p:titleStyle>
     <p:bodyStyle>
-      <a:lvl1pPr marL="228600" indent="-228600" algn="l" defTabSz="914400" rtl="0" eaLnBrk="1" latinLnBrk="0" hangingPunct="1">
-        <a:lnSpc>
-          <a:spcPct val="90000"/>
-        </a:lnSpc>
+      <a:lvl1pPr marL="342900" indent="-342900" algn="l" defTabSz="457200" rtl="0" eaLnBrk="1" latinLnBrk="0" hangingPunct="1">
         <a:spcBef>
           <a:spcPts val="1000"/>
         </a:spcBef>
-        <a:buFont typeface="Arial" panose="020B0604020202020204" pitchFamily="34" charset="0"/>
-        <a:buChar char="•"/>
-        <a:defRPr sz="2800" kern="1200">
+        <a:spcAft>
+          <a:spcPts val="0"/>
+        </a:spcAft>
+        <a:buClr>
+          <a:schemeClr val="accent1"/>
+        </a:buClr>
+        <a:buSzPct val="80000"/>
+        <a:buFont typeface="Wingdings 3" charset="2"/>
+        <a:buChar char=""/>
+        <a:defRPr sz="1800" kern="1200">
           <a:solidFill>
-            <a:schemeClr val="tx1"/>
+            <a:schemeClr val="tx1">
+              <a:lumMod val="75000"/>
+              <a:lumOff val="25000"/>
+            </a:schemeClr>
           </a:solidFill>
           <a:latin typeface="+mn-lt"/>
           <a:ea typeface="+mn-ea"/>
           <a:cs typeface="+mn-cs"/>
         </a:defRPr>
       </a:lvl1pPr>
-      <a:lvl2pPr marL="685800" indent="-228600" algn="l" defTabSz="914400" rtl="0" eaLnBrk="1" latinLnBrk="0" hangingPunct="1">
-        <a:lnSpc>
-          <a:spcPct val="90000"/>
-        </a:lnSpc>
+      <a:lvl2pPr marL="742950" indent="-285750" algn="l" defTabSz="457200" rtl="0" eaLnBrk="1" latinLnBrk="0" hangingPunct="1">
         <a:spcBef>
-          <a:spcPts val="500"/>
+          <a:spcPts val="1000"/>
         </a:spcBef>
-        <a:buFont typeface="Arial" panose="020B0604020202020204" pitchFamily="34" charset="0"/>
-        <a:buChar char="•"/>
-        <a:defRPr sz="2400" kern="1200">
+        <a:spcAft>
+          <a:spcPts val="0"/>
+        </a:spcAft>
+        <a:buClr>
+          <a:schemeClr val="accent1"/>
+        </a:buClr>
+        <a:buSzPct val="80000"/>
+        <a:buFont typeface="Wingdings 3" charset="2"/>
+        <a:buChar char=""/>
+        <a:defRPr sz="1600" kern="1200">
           <a:solidFill>
-            <a:schemeClr val="tx1"/>
+            <a:schemeClr val="tx1">
+              <a:lumMod val="75000"/>
+              <a:lumOff val="25000"/>
+            </a:schemeClr>
           </a:solidFill>
           <a:latin typeface="+mn-lt"/>
           <a:ea typeface="+mn-ea"/>
           <a:cs typeface="+mn-cs"/>
         </a:defRPr>
       </a:lvl2pPr>
-      <a:lvl3pPr marL="1143000" indent="-228600" algn="l" defTabSz="914400" rtl="0" eaLnBrk="1" latinLnBrk="0" hangingPunct="1">
-        <a:lnSpc>
-          <a:spcPct val="90000"/>
-        </a:lnSpc>
+      <a:lvl3pPr marL="1143000" indent="-228600" algn="l" defTabSz="457200" rtl="0" eaLnBrk="1" latinLnBrk="0" hangingPunct="1">
         <a:spcBef>
-          <a:spcPts val="500"/>
+          <a:spcPts val="1000"/>
         </a:spcBef>
-        <a:buFont typeface="Arial" panose="020B0604020202020204" pitchFamily="34" charset="0"/>
-        <a:buChar char="•"/>
-        <a:defRPr sz="2000" kern="1200">
+        <a:spcAft>
+          <a:spcPts val="0"/>
+        </a:spcAft>
+        <a:buClr>
+          <a:schemeClr val="accent1"/>
+        </a:buClr>
+        <a:buSzPct val="80000"/>
+        <a:buFont typeface="Wingdings 3" charset="2"/>
+        <a:buChar char=""/>
+        <a:defRPr sz="1400" kern="1200">
           <a:solidFill>
-            <a:schemeClr val="tx1"/>
+            <a:schemeClr val="tx1">
+              <a:lumMod val="75000"/>
+              <a:lumOff val="25000"/>
+            </a:schemeClr>
           </a:solidFill>
           <a:latin typeface="+mn-lt"/>
           <a:ea typeface="+mn-ea"/>
           <a:cs typeface="+mn-cs"/>
         </a:defRPr>
       </a:lvl3pPr>
-      <a:lvl4pPr marL="1600200" indent="-228600" algn="l" defTabSz="914400" rtl="0" eaLnBrk="1" latinLnBrk="0" hangingPunct="1">
-        <a:lnSpc>
-          <a:spcPct val="90000"/>
-        </a:lnSpc>
+      <a:lvl4pPr marL="1600200" indent="-228600" algn="l" defTabSz="457200" rtl="0" eaLnBrk="1" latinLnBrk="0" hangingPunct="1">
         <a:spcBef>
-          <a:spcPts val="500"/>
+          <a:spcPts val="1000"/>
         </a:spcBef>
-        <a:buFont typeface="Arial" panose="020B0604020202020204" pitchFamily="34" charset="0"/>
-        <a:buChar char="•"/>
-        <a:defRPr sz="1800" kern="1200">
+        <a:spcAft>
+          <a:spcPts val="0"/>
+        </a:spcAft>
+        <a:buClr>
+          <a:schemeClr val="accent1"/>
+        </a:buClr>
+        <a:buSzPct val="80000"/>
+        <a:buFont typeface="Wingdings 3" charset="2"/>
+        <a:buChar char=""/>
+        <a:defRPr sz="1200" kern="1200">
           <a:solidFill>
-            <a:schemeClr val="tx1"/>
+            <a:schemeClr val="tx1">
+              <a:lumMod val="75000"/>
+              <a:lumOff val="25000"/>
+            </a:schemeClr>
           </a:solidFill>
           <a:latin typeface="+mn-lt"/>
           <a:ea typeface="+mn-ea"/>
           <a:cs typeface="+mn-cs"/>
         </a:defRPr>
       </a:lvl4pPr>
-      <a:lvl5pPr marL="2057400" indent="-228600" algn="l" defTabSz="914400" rtl="0" eaLnBrk="1" latinLnBrk="0" hangingPunct="1">
-        <a:lnSpc>
-          <a:spcPct val="90000"/>
-        </a:lnSpc>
+      <a:lvl5pPr marL="2057400" indent="-228600" algn="l" defTabSz="457200" rtl="0" eaLnBrk="1" latinLnBrk="0" hangingPunct="1">
         <a:spcBef>
-          <a:spcPts val="500"/>
+          <a:spcPts val="1000"/>
         </a:spcBef>
-        <a:buFont typeface="Arial" panose="020B0604020202020204" pitchFamily="34" charset="0"/>
-        <a:buChar char="•"/>
-        <a:defRPr sz="1800" kern="1200">
+        <a:spcAft>
+          <a:spcPts val="0"/>
+        </a:spcAft>
+        <a:buClr>
+          <a:schemeClr val="accent1"/>
+        </a:buClr>
+        <a:buSzPct val="80000"/>
+        <a:buFont typeface="Wingdings 3" charset="2"/>
+        <a:buChar char=""/>
+        <a:defRPr sz="1200" kern="1200">
           <a:solidFill>
-            <a:schemeClr val="tx1"/>
+            <a:schemeClr val="tx1">
+              <a:lumMod val="75000"/>
+              <a:lumOff val="25000"/>
+            </a:schemeClr>
           </a:solidFill>
           <a:latin typeface="+mn-lt"/>
           <a:ea typeface="+mn-ea"/>
           <a:cs typeface="+mn-cs"/>
         </a:defRPr>
       </a:lvl5pPr>
-      <a:lvl6pPr marL="2514600" indent="-228600" algn="l" defTabSz="914400" rtl="0" eaLnBrk="1" latinLnBrk="0" hangingPunct="1">
-        <a:lnSpc>
-          <a:spcPct val="90000"/>
-        </a:lnSpc>
+      <a:lvl6pPr marL="2514600" indent="-228600" algn="l" defTabSz="457200" rtl="0" eaLnBrk="1" latinLnBrk="0" hangingPunct="1">
         <a:spcBef>
-          <a:spcPts val="500"/>
+          <a:spcPts val="1000"/>
         </a:spcBef>
-        <a:buFont typeface="Arial" panose="020B0604020202020204" pitchFamily="34" charset="0"/>
-        <a:buChar char="•"/>
-        <a:defRPr sz="1800" kern="1200">
+        <a:spcAft>
+          <a:spcPts val="0"/>
+        </a:spcAft>
+        <a:buClr>
+          <a:schemeClr val="accent1"/>
+        </a:buClr>
+        <a:buSzPct val="80000"/>
+        <a:buFont typeface="Wingdings 3" charset="2"/>
+        <a:buChar char=""/>
+        <a:defRPr sz="1200" kern="1200">
           <a:solidFill>
-            <a:schemeClr val="tx1"/>
+            <a:schemeClr val="tx1">
+              <a:lumMod val="75000"/>
+              <a:lumOff val="25000"/>
+            </a:schemeClr>
           </a:solidFill>
           <a:latin typeface="+mn-lt"/>
           <a:ea typeface="+mn-ea"/>
           <a:cs typeface="+mn-cs"/>
         </a:defRPr>
       </a:lvl6pPr>
-      <a:lvl7pPr marL="2971800" indent="-228600" algn="l" defTabSz="914400" rtl="0" eaLnBrk="1" latinLnBrk="0" hangingPunct="1">
-        <a:lnSpc>
-          <a:spcPct val="90000"/>
-        </a:lnSpc>
+      <a:lvl7pPr marL="2971800" indent="-228600" algn="l" defTabSz="457200" rtl="0" eaLnBrk="1" latinLnBrk="0" hangingPunct="1">
         <a:spcBef>
-          <a:spcPts val="500"/>
+          <a:spcPts val="1000"/>
         </a:spcBef>
-        <a:buFont typeface="Arial" panose="020B0604020202020204" pitchFamily="34" charset="0"/>
-        <a:buChar char="•"/>
-        <a:defRPr sz="1800" kern="1200">
+        <a:spcAft>
+          <a:spcPts val="0"/>
+        </a:spcAft>
+        <a:buClr>
+          <a:schemeClr val="accent1"/>
+        </a:buClr>
+        <a:buSzPct val="80000"/>
+        <a:buFont typeface="Wingdings 3" charset="2"/>
+        <a:buChar char=""/>
+        <a:defRPr sz="1200" kern="1200">
           <a:solidFill>
-            <a:schemeClr val="tx1"/>
+            <a:schemeClr val="tx1">
+              <a:lumMod val="75000"/>
+              <a:lumOff val="25000"/>
+            </a:schemeClr>
           </a:solidFill>
           <a:latin typeface="+mn-lt"/>
           <a:ea typeface="+mn-ea"/>
           <a:cs typeface="+mn-cs"/>
         </a:defRPr>
       </a:lvl7pPr>
-      <a:lvl8pPr marL="3429000" indent="-228600" algn="l" defTabSz="914400" rtl="0" eaLnBrk="1" latinLnBrk="0" hangingPunct="1">
-        <a:lnSpc>
-          <a:spcPct val="90000"/>
-        </a:lnSpc>
+      <a:lvl8pPr marL="3429000" indent="-228600" algn="l" defTabSz="457200" rtl="0" eaLnBrk="1" latinLnBrk="0" hangingPunct="1">
         <a:spcBef>
-          <a:spcPts val="500"/>
+          <a:spcPts val="1000"/>
         </a:spcBef>
-        <a:buFont typeface="Arial" panose="020B0604020202020204" pitchFamily="34" charset="0"/>
-        <a:buChar char="•"/>
-        <a:defRPr sz="1800" kern="1200">
+        <a:spcAft>
+          <a:spcPts val="0"/>
+        </a:spcAft>
+        <a:buClr>
+          <a:schemeClr val="accent1"/>
+        </a:buClr>
+        <a:buSzPct val="80000"/>
+        <a:buFont typeface="Wingdings 3" charset="2"/>
+        <a:buChar char=""/>
+        <a:defRPr sz="1200" kern="1200">
           <a:solidFill>
-            <a:schemeClr val="tx1"/>
+            <a:schemeClr val="tx1">
+              <a:lumMod val="75000"/>
+              <a:lumOff val="25000"/>
+            </a:schemeClr>
           </a:solidFill>
           <a:latin typeface="+mn-lt"/>
           <a:ea typeface="+mn-ea"/>
           <a:cs typeface="+mn-cs"/>
         </a:defRPr>
       </a:lvl8pPr>
-      <a:lvl9pPr marL="3886200" indent="-228600" algn="l" defTabSz="914400" rtl="0" eaLnBrk="1" latinLnBrk="0" hangingPunct="1">
-        <a:lnSpc>
-          <a:spcPct val="90000"/>
-        </a:lnSpc>
+      <a:lvl9pPr marL="3886200" indent="-228600" algn="l" defTabSz="457200" rtl="0" eaLnBrk="1" latinLnBrk="0" hangingPunct="1">
         <a:spcBef>
-          <a:spcPts val="500"/>
+          <a:spcPts val="1000"/>
         </a:spcBef>
-        <a:buFont typeface="Arial" panose="020B0604020202020204" pitchFamily="34" charset="0"/>
-        <a:buChar char="•"/>
-        <a:defRPr sz="1800" kern="1200">
+        <a:spcAft>
+          <a:spcPts val="0"/>
+        </a:spcAft>
+        <a:buClr>
+          <a:schemeClr val="accent1"/>
+        </a:buClr>
+        <a:buSzPct val="80000"/>
+        <a:buFont typeface="Wingdings 3" charset="2"/>
+        <a:buChar char=""/>
+        <a:defRPr sz="1200" kern="1200">
           <a:solidFill>
-            <a:schemeClr val="tx1"/>
+            <a:schemeClr val="tx1">
+              <a:lumMod val="75000"/>
+              <a:lumOff val="25000"/>
+            </a:schemeClr>
           </a:solidFill>
           <a:latin typeface="+mn-lt"/>
           <a:ea typeface="+mn-ea"/>
@@ -3704,7 +7419,7 @@
       <a:defPPr>
         <a:defRPr lang="en-US"/>
       </a:defPPr>
-      <a:lvl1pPr marL="0" algn="l" defTabSz="914400" rtl="0" eaLnBrk="1" latinLnBrk="0" hangingPunct="1">
+      <a:lvl1pPr marL="0" algn="l" defTabSz="457200" rtl="0" eaLnBrk="1" latinLnBrk="0" hangingPunct="1">
         <a:defRPr sz="1800" kern="1200">
           <a:solidFill>
             <a:schemeClr val="tx1"/>
@@ -3714,7 +7429,7 @@
           <a:cs typeface="+mn-cs"/>
         </a:defRPr>
       </a:lvl1pPr>
-      <a:lvl2pPr marL="457200" algn="l" defTabSz="914400" rtl="0" eaLnBrk="1" latinLnBrk="0" hangingPunct="1">
+      <a:lvl2pPr marL="457200" algn="l" defTabSz="457200" rtl="0" eaLnBrk="1" latinLnBrk="0" hangingPunct="1">
         <a:defRPr sz="1800" kern="1200">
           <a:solidFill>
             <a:schemeClr val="tx1"/>
@@ -3724,7 +7439,7 @@
           <a:cs typeface="+mn-cs"/>
         </a:defRPr>
       </a:lvl2pPr>
-      <a:lvl3pPr marL="914400" algn="l" defTabSz="914400" rtl="0" eaLnBrk="1" latinLnBrk="0" hangingPunct="1">
+      <a:lvl3pPr marL="914400" algn="l" defTabSz="457200" rtl="0" eaLnBrk="1" latinLnBrk="0" hangingPunct="1">
         <a:defRPr sz="1800" kern="1200">
           <a:solidFill>
             <a:schemeClr val="tx1"/>
@@ -3734,7 +7449,7 @@
           <a:cs typeface="+mn-cs"/>
         </a:defRPr>
       </a:lvl3pPr>
-      <a:lvl4pPr marL="1371600" algn="l" defTabSz="914400" rtl="0" eaLnBrk="1" latinLnBrk="0" hangingPunct="1">
+      <a:lvl4pPr marL="1371600" algn="l" defTabSz="457200" rtl="0" eaLnBrk="1" latinLnBrk="0" hangingPunct="1">
         <a:defRPr sz="1800" kern="1200">
           <a:solidFill>
             <a:schemeClr val="tx1"/>
@@ -3744,7 +7459,7 @@
           <a:cs typeface="+mn-cs"/>
         </a:defRPr>
       </a:lvl4pPr>
-      <a:lvl5pPr marL="1828800" algn="l" defTabSz="914400" rtl="0" eaLnBrk="1" latinLnBrk="0" hangingPunct="1">
+      <a:lvl5pPr marL="1828800" algn="l" defTabSz="457200" rtl="0" eaLnBrk="1" latinLnBrk="0" hangingPunct="1">
         <a:defRPr sz="1800" kern="1200">
           <a:solidFill>
             <a:schemeClr val="tx1"/>
@@ -3754,7 +7469,7 @@
           <a:cs typeface="+mn-cs"/>
         </a:defRPr>
       </a:lvl5pPr>
-      <a:lvl6pPr marL="2286000" algn="l" defTabSz="914400" rtl="0" eaLnBrk="1" latinLnBrk="0" hangingPunct="1">
+      <a:lvl6pPr marL="2286000" algn="l" defTabSz="457200" rtl="0" eaLnBrk="1" latinLnBrk="0" hangingPunct="1">
         <a:defRPr sz="1800" kern="1200">
           <a:solidFill>
             <a:schemeClr val="tx1"/>
@@ -3764,7 +7479,7 @@
           <a:cs typeface="+mn-cs"/>
         </a:defRPr>
       </a:lvl6pPr>
-      <a:lvl7pPr marL="2743200" algn="l" defTabSz="914400" rtl="0" eaLnBrk="1" latinLnBrk="0" hangingPunct="1">
+      <a:lvl7pPr marL="2743200" algn="l" defTabSz="457200" rtl="0" eaLnBrk="1" latinLnBrk="0" hangingPunct="1">
         <a:defRPr sz="1800" kern="1200">
           <a:solidFill>
             <a:schemeClr val="tx1"/>
@@ -3774,7 +7489,7 @@
           <a:cs typeface="+mn-cs"/>
         </a:defRPr>
       </a:lvl7pPr>
-      <a:lvl8pPr marL="3200400" algn="l" defTabSz="914400" rtl="0" eaLnBrk="1" latinLnBrk="0" hangingPunct="1">
+      <a:lvl8pPr marL="3200400" algn="l" defTabSz="457200" rtl="0" eaLnBrk="1" latinLnBrk="0" hangingPunct="1">
         <a:defRPr sz="1800" kern="1200">
           <a:solidFill>
             <a:schemeClr val="tx1"/>
@@ -3784,7 +7499,7 @@
           <a:cs typeface="+mn-cs"/>
         </a:defRPr>
       </a:lvl8pPr>
-      <a:lvl9pPr marL="3657600" algn="l" defTabSz="914400" rtl="0" eaLnBrk="1" latinLnBrk="0" hangingPunct="1">
+      <a:lvl9pPr marL="3657600" algn="l" defTabSz="457200" rtl="0" eaLnBrk="1" latinLnBrk="0" hangingPunct="1">
         <a:defRPr sz="1800" kern="1200">
           <a:solidFill>
             <a:schemeClr val="tx1"/>
@@ -3828,32 +7543,66 @@
         </p:nvSpPr>
         <p:spPr/>
         <p:txBody>
+          <a:bodyPr>
+            <a:normAutofit fontScale="90000"/>
+          </a:bodyPr>
+          <a:lstStyle/>
+          <a:p>
+            <a:r>
+              <a:rPr lang="en-US" dirty="0" smtClean="0"/>
+              <a:t>Containerization as an Open Science tool</a:t>
+            </a:r>
+            <a:endParaRPr lang="en-US" dirty="0"/>
+          </a:p>
+        </p:txBody>
+      </p:sp>
+      <p:sp>
+        <p:nvSpPr>
+          <p:cNvPr id="3" name="Subtitle 2"/>
+          <p:cNvSpPr>
+            <a:spLocks noGrp="1"/>
+          </p:cNvSpPr>
+          <p:nvPr>
+            <p:ph type="subTitle" idx="1"/>
+          </p:nvPr>
+        </p:nvSpPr>
+        <p:spPr/>
+        <p:txBody>
           <a:bodyPr/>
           <a:lstStyle/>
           <a:p>
             <a:r>
               <a:rPr lang="en-US" dirty="0" smtClean="0"/>
-              <a:t>Containerization as an Open Science tool</a:t>
-            </a:r>
-            <a:endParaRPr lang="en-US" dirty="0"/>
-          </a:p>
-        </p:txBody>
-      </p:sp>
-      <p:sp>
-        <p:nvSpPr>
-          <p:cNvPr id="3" name="Subtitle 2"/>
-          <p:cNvSpPr>
-            <a:spLocks noGrp="1"/>
-          </p:cNvSpPr>
-          <p:nvPr>
-            <p:ph type="subTitle" idx="1"/>
-          </p:nvPr>
-        </p:nvSpPr>
-        <p:spPr/>
-        <p:txBody>
-          <a:bodyPr/>
-          <a:lstStyle/>
-          <a:p>
+              <a:t>Nicolas </a:t>
+            </a:r>
+            <a:r>
+              <a:rPr lang="en-US" dirty="0" err="1" smtClean="0"/>
+              <a:t>lefebvre</a:t>
+            </a:r>
+            <a:r>
+              <a:rPr lang="en-US" dirty="0" smtClean="0"/>
+              <a:t> – </a:t>
+            </a:r>
+            <a:r>
+              <a:rPr lang="en-US" dirty="0" err="1" smtClean="0"/>
+              <a:t>Dassault</a:t>
+            </a:r>
+            <a:r>
+              <a:rPr lang="en-US" dirty="0" smtClean="0"/>
+              <a:t> </a:t>
+            </a:r>
+            <a:r>
+              <a:rPr lang="en-US" dirty="0" err="1" smtClean="0"/>
+              <a:t>Systemes</a:t>
+            </a:r>
+            <a:r>
+              <a:rPr lang="en-US" dirty="0" smtClean="0"/>
+              <a:t> </a:t>
+            </a:r>
+            <a:r>
+              <a:rPr lang="en-US" dirty="0" err="1" smtClean="0"/>
+              <a:t>Solidworks</a:t>
+            </a:r>
             <a:endParaRPr lang="en-US" dirty="0"/>
           </a:p>
         </p:txBody>
@@ -3895,123 +7644,101 @@
           <a:chExt cx="0" cy="0"/>
         </a:xfrm>
       </p:grpSpPr>
+      <p:sp>
+        <p:nvSpPr>
+          <p:cNvPr id="2" name="Title 1"/>
+          <p:cNvSpPr>
+            <a:spLocks noGrp="1"/>
+          </p:cNvSpPr>
+          <p:nvPr>
+            <p:ph type="title"/>
+          </p:nvPr>
+        </p:nvSpPr>
+        <p:spPr/>
+        <p:txBody>
+          <a:bodyPr/>
+          <a:lstStyle/>
+          <a:p>
+            <a:r>
+              <a:rPr lang="en-US" dirty="0" smtClean="0"/>
+              <a:t>What other problems are people solving?</a:t>
+            </a:r>
+            <a:endParaRPr lang="en-US" dirty="0"/>
+          </a:p>
+        </p:txBody>
+      </p:sp>
+      <p:sp>
+        <p:nvSpPr>
+          <p:cNvPr id="3" name="Content Placeholder 2"/>
+          <p:cNvSpPr>
+            <a:spLocks noGrp="1"/>
+          </p:cNvSpPr>
+          <p:nvPr>
+            <p:ph idx="1"/>
+          </p:nvPr>
+        </p:nvSpPr>
+        <p:spPr/>
+        <p:txBody>
+          <a:bodyPr/>
+          <a:lstStyle/>
+          <a:p>
+            <a:pPr marL="0" indent="0">
+              <a:buNone/>
+            </a:pPr>
+            <a:r>
+              <a:rPr lang="en-US" dirty="0" smtClean="0"/>
+              <a:t>Across the software industry, containers are useful for:</a:t>
+            </a:r>
+          </a:p>
+          <a:p>
+            <a:r>
+              <a:rPr lang="en-US" dirty="0" smtClean="0"/>
+              <a:t>Isolation</a:t>
+            </a:r>
+          </a:p>
+          <a:p>
+            <a:r>
+              <a:rPr lang="en-US" dirty="0" smtClean="0"/>
+              <a:t>Continuous Deployment</a:t>
+            </a:r>
+          </a:p>
+          <a:p>
+            <a:r>
+              <a:rPr lang="en-US" dirty="0" smtClean="0"/>
+              <a:t>Reliability</a:t>
+            </a:r>
+            <a:endParaRPr lang="en-US" dirty="0"/>
+          </a:p>
+        </p:txBody>
+      </p:sp>
       <p:pic>
         <p:nvPicPr>
-          <p:cNvPr id="4" name="Picture 3"/>
+          <p:cNvPr id="5" name="Picture 4"/>
           <p:cNvPicPr>
             <a:picLocks noChangeAspect="1"/>
           </p:cNvPicPr>
           <p:nvPr/>
         </p:nvPicPr>
         <p:blipFill>
-          <a:blip r:embed="rId2" cstate="print">
-            <a:extLst>
-              <a:ext uri="{28A0092B-C50C-407E-A947-70E740481C1C}">
-                <a14:useLocalDpi xmlns:a14="http://schemas.microsoft.com/office/drawing/2010/main" val="0"/>
-              </a:ext>
-            </a:extLst>
-          </a:blip>
+          <a:blip r:embed="rId3"/>
           <a:stretch>
             <a:fillRect/>
           </a:stretch>
         </p:blipFill>
         <p:spPr>
           <a:xfrm>
-            <a:off x="6463206" y="3298356"/>
-            <a:ext cx="5600484" cy="3542306"/>
+            <a:off x="441196" y="3389567"/>
+            <a:ext cx="9224941" cy="3468433"/>
           </a:xfrm>
           <a:prstGeom prst="rect">
             <a:avLst/>
           </a:prstGeom>
         </p:spPr>
       </p:pic>
-      <p:sp>
-        <p:nvSpPr>
-          <p:cNvPr id="2" name="Title 1"/>
-          <p:cNvSpPr>
-            <a:spLocks noGrp="1"/>
-          </p:cNvSpPr>
-          <p:nvPr>
-            <p:ph type="title"/>
-          </p:nvPr>
-        </p:nvSpPr>
-        <p:spPr/>
-        <p:txBody>
-          <a:bodyPr/>
-          <a:lstStyle/>
-          <a:p>
-            <a:r>
-              <a:rPr lang="en-US" dirty="0" smtClean="0"/>
-              <a:t>What will containers NOT do for me?</a:t>
-            </a:r>
-            <a:endParaRPr lang="en-US" dirty="0"/>
-          </a:p>
-        </p:txBody>
-      </p:sp>
-      <p:sp>
-        <p:nvSpPr>
-          <p:cNvPr id="3" name="Content Placeholder 2"/>
-          <p:cNvSpPr>
-            <a:spLocks noGrp="1"/>
-          </p:cNvSpPr>
-          <p:nvPr>
-            <p:ph idx="1"/>
-          </p:nvPr>
-        </p:nvSpPr>
-        <p:spPr/>
-        <p:txBody>
-          <a:bodyPr/>
-          <a:lstStyle/>
-          <a:p>
-            <a:r>
-              <a:rPr lang="en-US" dirty="0" smtClean="0"/>
-              <a:t>Containers are a tiny part of a broader ecosystem</a:t>
-            </a:r>
-          </a:p>
-          <a:p>
-            <a:r>
-              <a:rPr lang="en-US" dirty="0" smtClean="0"/>
-              <a:t>In large projects, multiple containers might form higher level components (apps, services, </a:t>
-            </a:r>
-            <a:r>
-              <a:rPr lang="en-US" dirty="0" err="1" smtClean="0"/>
-              <a:t>etc</a:t>
-            </a:r>
-            <a:r>
-              <a:rPr lang="en-US" dirty="0" smtClean="0"/>
-              <a:t>)</a:t>
-            </a:r>
-          </a:p>
-          <a:p>
-            <a:r>
-              <a:rPr lang="en-US" dirty="0" smtClean="0"/>
-              <a:t>Defining relationships between containers (dependencies, communication, co-location, etc.) is outside the scope of a container runtime</a:t>
-            </a:r>
-          </a:p>
-          <a:p>
-            <a:r>
-              <a:rPr lang="en-US" dirty="0" smtClean="0"/>
-              <a:t>All of this is a job for </a:t>
-            </a:r>
-            <a:r>
-              <a:rPr lang="en-US" b="1" i="1" dirty="0" smtClean="0"/>
-              <a:t>container orchestration</a:t>
-            </a:r>
-            <a:endParaRPr lang="en-US" dirty="0" smtClean="0"/>
-          </a:p>
-          <a:p>
-            <a:r>
-              <a:rPr lang="en-US" dirty="0" smtClean="0"/>
-              <a:t>… but you probably don’t need it</a:t>
-            </a:r>
-            <a:endParaRPr lang="en-US" dirty="0"/>
-          </a:p>
-        </p:txBody>
-      </p:sp>
     </p:spTree>
     <p:extLst>
       <p:ext uri="{BB962C8B-B14F-4D97-AF65-F5344CB8AC3E}">
-        <p14:creationId xmlns:p14="http://schemas.microsoft.com/office/powerpoint/2010/main" val="1861742769"/>
+        <p14:creationId xmlns:p14="http://schemas.microsoft.com/office/powerpoint/2010/main" val="102756410"/>
       </p:ext>
     </p:extLst>
   </p:cSld>
@@ -4062,7 +7789,7 @@
           <a:p>
             <a:r>
               <a:rPr lang="en-US" dirty="0" smtClean="0"/>
-              <a:t>How do I actually use this?</a:t>
+              <a:t>What will containers NOT do for me?</a:t>
             </a:r>
             <a:endParaRPr lang="en-US" dirty="0"/>
           </a:p>
@@ -4070,27 +7797,99 @@
       </p:sp>
       <p:sp>
         <p:nvSpPr>
-          <p:cNvPr id="3" name="Text Placeholder 2"/>
-          <p:cNvSpPr>
-            <a:spLocks noGrp="1"/>
-          </p:cNvSpPr>
-          <p:nvPr>
-            <p:ph type="body" idx="1"/>
-          </p:nvPr>
-        </p:nvSpPr>
-        <p:spPr/>
-        <p:txBody>
-          <a:bodyPr/>
-          <a:lstStyle/>
-          <a:p>
-            <a:endParaRPr lang="en-US"/>
-          </a:p>
-        </p:txBody>
-      </p:sp>
+          <p:cNvPr id="3" name="Content Placeholder 2"/>
+          <p:cNvSpPr>
+            <a:spLocks noGrp="1"/>
+          </p:cNvSpPr>
+          <p:nvPr>
+            <p:ph idx="1"/>
+          </p:nvPr>
+        </p:nvSpPr>
+        <p:spPr>
+          <a:xfrm>
+            <a:off x="677334" y="1352869"/>
+            <a:ext cx="8596668" cy="3880773"/>
+          </a:xfrm>
+        </p:spPr>
+        <p:txBody>
+          <a:bodyPr>
+            <a:normAutofit/>
+          </a:bodyPr>
+          <a:lstStyle/>
+          <a:p>
+            <a:r>
+              <a:rPr lang="en-US" dirty="0" smtClean="0"/>
+              <a:t>Containers are a tiny part of a broader ecosystem</a:t>
+            </a:r>
+          </a:p>
+          <a:p>
+            <a:r>
+              <a:rPr lang="en-US" dirty="0" smtClean="0"/>
+              <a:t>In large projects, multiple containers might form higher level components (apps, services, </a:t>
+            </a:r>
+            <a:r>
+              <a:rPr lang="en-US" dirty="0" err="1" smtClean="0"/>
+              <a:t>etc</a:t>
+            </a:r>
+            <a:r>
+              <a:rPr lang="en-US" dirty="0" smtClean="0"/>
+              <a:t>)</a:t>
+            </a:r>
+          </a:p>
+          <a:p>
+            <a:r>
+              <a:rPr lang="en-US" dirty="0" smtClean="0"/>
+              <a:t>Defining relationships between containers (dependencies, communication, co-location, etc.) is outside the scope of a container runtime</a:t>
+            </a:r>
+          </a:p>
+          <a:p>
+            <a:r>
+              <a:rPr lang="en-US" dirty="0" smtClean="0"/>
+              <a:t>All of this is a job for </a:t>
+            </a:r>
+            <a:r>
+              <a:rPr lang="en-US" b="1" i="1" dirty="0" smtClean="0"/>
+              <a:t>container orchestration</a:t>
+            </a:r>
+            <a:endParaRPr lang="en-US" dirty="0" smtClean="0"/>
+          </a:p>
+          <a:p>
+            <a:r>
+              <a:rPr lang="en-US" dirty="0" smtClean="0"/>
+              <a:t>… but you probably don’t need it</a:t>
+            </a:r>
+            <a:endParaRPr lang="en-US" dirty="0"/>
+          </a:p>
+        </p:txBody>
+      </p:sp>
+      <p:pic>
+        <p:nvPicPr>
+          <p:cNvPr id="5" name="Picture 4"/>
+          <p:cNvPicPr>
+            <a:picLocks noChangeAspect="1"/>
+          </p:cNvPicPr>
+          <p:nvPr/>
+        </p:nvPicPr>
+        <p:blipFill>
+          <a:blip r:embed="rId3"/>
+          <a:stretch>
+            <a:fillRect/>
+          </a:stretch>
+        </p:blipFill>
+        <p:spPr>
+          <a:xfrm>
+            <a:off x="4629491" y="3497580"/>
+            <a:ext cx="5315364" cy="3360420"/>
+          </a:xfrm>
+          <a:prstGeom prst="rect">
+            <a:avLst/>
+          </a:prstGeom>
+        </p:spPr>
+      </p:pic>
     </p:spTree>
     <p:extLst>
       <p:ext uri="{BB962C8B-B14F-4D97-AF65-F5344CB8AC3E}">
-        <p14:creationId xmlns:p14="http://schemas.microsoft.com/office/powerpoint/2010/main" val="2597069501"/>
+        <p14:creationId xmlns:p14="http://schemas.microsoft.com/office/powerpoint/2010/main" val="1861742769"/>
       </p:ext>
     </p:extLst>
   </p:cSld>
@@ -4141,7 +7940,7 @@
           <a:p>
             <a:r>
               <a:rPr lang="en-US" dirty="0" smtClean="0"/>
-              <a:t>Running an existing container</a:t>
+              <a:t>How do I actually use this?</a:t>
             </a:r>
             <a:endParaRPr lang="en-US" dirty="0"/>
           </a:p>
@@ -4149,12 +7948,12 @@
       </p:sp>
       <p:sp>
         <p:nvSpPr>
-          <p:cNvPr id="3" name="Content Placeholder 2"/>
-          <p:cNvSpPr>
-            <a:spLocks noGrp="1"/>
-          </p:cNvSpPr>
-          <p:nvPr>
-            <p:ph idx="1"/>
+          <p:cNvPr id="3" name="Text Placeholder 2"/>
+          <p:cNvSpPr>
+            <a:spLocks noGrp="1"/>
+          </p:cNvSpPr>
+          <p:nvPr>
+            <p:ph type="body" idx="1"/>
           </p:nvPr>
         </p:nvSpPr>
         <p:spPr/>
@@ -4162,104 +7961,14 @@
           <a:bodyPr/>
           <a:lstStyle/>
           <a:p>
-            <a:r>
-              <a:rPr lang="en-US" dirty="0" smtClean="0"/>
-              <a:t>Install a container runtime (i.e. install </a:t>
-            </a:r>
-            <a:r>
-              <a:rPr lang="en-US" dirty="0" smtClean="0">
-                <a:hlinkClick r:id="rId2"/>
-              </a:rPr>
-              <a:t>Docker Desktop</a:t>
-            </a:r>
-            <a:r>
-              <a:rPr lang="en-US" dirty="0" smtClean="0"/>
-              <a:t>, probably)</a:t>
-            </a:r>
-          </a:p>
-          <a:p>
-            <a:r>
-              <a:rPr lang="en-US" dirty="0" err="1" smtClean="0"/>
-              <a:t>docker</a:t>
-            </a:r>
-            <a:r>
-              <a:rPr lang="en-US" dirty="0" smtClean="0"/>
-              <a:t> run </a:t>
-            </a:r>
-            <a:r>
-              <a:rPr lang="en-US" dirty="0" err="1" smtClean="0"/>
-              <a:t>hello_world</a:t>
-            </a:r>
-            <a:endParaRPr lang="en-US" dirty="0" smtClean="0"/>
-          </a:p>
-          <a:p>
-            <a:r>
-              <a:rPr lang="en-US" dirty="0" err="1" smtClean="0"/>
-              <a:t>docker</a:t>
-            </a:r>
-            <a:r>
-              <a:rPr lang="en-US" dirty="0" smtClean="0"/>
-              <a:t> run </a:t>
-            </a:r>
-            <a:r>
-              <a:rPr lang="en-US" dirty="0"/>
-              <a:t>ghcr.io/</a:t>
-            </a:r>
-            <a:r>
-              <a:rPr lang="en-US" dirty="0" err="1"/>
-              <a:t>ezekiel</a:t>
-            </a:r>
-            <a:r>
-              <a:rPr lang="en-US" dirty="0"/>
-              <a:t>-da/</a:t>
-            </a:r>
-            <a:r>
-              <a:rPr lang="en-US" dirty="0" err="1"/>
-              <a:t>deepdream_demo</a:t>
-            </a:r>
-            <a:endParaRPr lang="en-US" dirty="0"/>
-          </a:p>
-          <a:p>
-            <a:r>
-              <a:rPr lang="en-US" dirty="0" err="1" smtClean="0"/>
-              <a:t>docker</a:t>
-            </a:r>
-            <a:r>
-              <a:rPr lang="en-US" dirty="0" smtClean="0"/>
-              <a:t> run ghcr.io/</a:t>
-            </a:r>
-            <a:r>
-              <a:rPr lang="en-US" dirty="0" err="1" smtClean="0"/>
-              <a:t>ezekiel</a:t>
-            </a:r>
-            <a:r>
-              <a:rPr lang="en-US" dirty="0" smtClean="0"/>
-              <a:t>-da/</a:t>
-            </a:r>
-            <a:r>
-              <a:rPr lang="en-US" dirty="0" err="1" smtClean="0"/>
-              <a:t>deepdream_demo</a:t>
-            </a:r>
-            <a:r>
-              <a:rPr lang="en-US" dirty="0" smtClean="0"/>
-              <a:t> -v &lt;</a:t>
-            </a:r>
-            <a:r>
-              <a:rPr lang="en-US" dirty="0" err="1" smtClean="0"/>
-              <a:t>some_folder</a:t>
-            </a:r>
-            <a:r>
-              <a:rPr lang="en-US" dirty="0" smtClean="0"/>
-              <a:t>&gt;:/data</a:t>
-            </a:r>
-            <a:endParaRPr lang="en-US" dirty="0"/>
+            <a:endParaRPr lang="en-US"/>
           </a:p>
         </p:txBody>
       </p:sp>
     </p:spTree>
     <p:extLst>
       <p:ext uri="{BB962C8B-B14F-4D97-AF65-F5344CB8AC3E}">
-        <p14:creationId xmlns:p14="http://schemas.microsoft.com/office/powerpoint/2010/main" val="3600574733"/>
+        <p14:creationId xmlns:p14="http://schemas.microsoft.com/office/powerpoint/2010/main" val="2597069501"/>
       </p:ext>
     </p:extLst>
   </p:cSld>
@@ -4310,7 +8019,7 @@
           <a:p>
             <a:r>
               <a:rPr lang="en-US" dirty="0" smtClean="0"/>
-              <a:t>Building and publishing a container image</a:t>
+              <a:t>Running an existing container</a:t>
             </a:r>
             <a:endParaRPr lang="en-US" dirty="0"/>
           </a:p>
@@ -4326,20 +8035,30 @@
             <p:ph idx="1"/>
           </p:nvPr>
         </p:nvSpPr>
-        <p:spPr/>
+        <p:spPr>
+          <a:xfrm>
+            <a:off x="677334" y="2160589"/>
+            <a:ext cx="10226886" cy="3880773"/>
+          </a:xfrm>
+        </p:spPr>
         <p:txBody>
           <a:bodyPr/>
           <a:lstStyle/>
           <a:p>
             <a:r>
               <a:rPr lang="en-US" dirty="0" smtClean="0"/>
-              <a:t>Define your </a:t>
-            </a:r>
-            <a:r>
-              <a:rPr lang="en-US" dirty="0" err="1" smtClean="0"/>
-              <a:t>Dockerfile</a:t>
-            </a:r>
-            <a:endParaRPr lang="en-US" dirty="0" smtClean="0"/>
+              <a:t>Install a container runtime (i.e. install </a:t>
+            </a:r>
+            <a:r>
+              <a:rPr lang="en-US" dirty="0" smtClean="0">
+                <a:hlinkClick r:id="rId2"/>
+              </a:rPr>
+              <a:t>Docker Desktop</a:t>
+            </a:r>
+            <a:r>
+              <a:rPr lang="en-US" dirty="0" smtClean="0"/>
+              <a:t>, probably)</a:t>
+            </a:r>
           </a:p>
           <a:p>
             <a:r>
@@ -4348,16 +8067,13 @@
             </a:r>
             <a:r>
               <a:rPr lang="en-US" dirty="0" smtClean="0"/>
-              <a:t> build . -t &lt;</a:t>
+              <a:t> run </a:t>
             </a:r>
             <a:r>
               <a:rPr lang="en-US" dirty="0" err="1" smtClean="0"/>
-              <a:t>image_name</a:t>
-            </a:r>
-            <a:r>
-              <a:rPr lang="en-US" dirty="0" smtClean="0"/>
-              <a:t>&gt;</a:t>
-            </a:r>
+              <a:t>hello_world</a:t>
+            </a:r>
+            <a:endParaRPr lang="en-US" dirty="0" smtClean="0"/>
           </a:p>
           <a:p>
             <a:r>
@@ -4366,15 +8082,58 @@
             </a:r>
             <a:r>
               <a:rPr lang="en-US" dirty="0" smtClean="0"/>
-              <a:t> push &lt;</a:t>
+              <a:t> run </a:t>
+            </a:r>
+            <a:r>
+              <a:rPr lang="en-US" dirty="0" smtClean="0"/>
+              <a:t>ghcr.io/</a:t>
             </a:r>
             <a:r>
               <a:rPr lang="en-US" dirty="0" err="1" smtClean="0"/>
-              <a:t>image_name</a:t>
-            </a:r>
-            <a:r>
-              <a:rPr lang="en-US" dirty="0" smtClean="0"/>
-              <a:t>&gt;</a:t>
+              <a:t>ezekiel</a:t>
+            </a:r>
+            <a:r>
+              <a:rPr lang="en-US" dirty="0" smtClean="0"/>
+              <a:t>-da/</a:t>
+            </a:r>
+            <a:r>
+              <a:rPr lang="en-US" dirty="0" err="1" smtClean="0"/>
+              <a:t>containerization_example</a:t>
+            </a:r>
+            <a:endParaRPr lang="en-US" dirty="0"/>
+          </a:p>
+          <a:p>
+            <a:r>
+              <a:rPr lang="en-US" dirty="0" err="1" smtClean="0"/>
+              <a:t>docker</a:t>
+            </a:r>
+            <a:r>
+              <a:rPr lang="en-US" dirty="0" smtClean="0"/>
+              <a:t> run </a:t>
+            </a:r>
+            <a:r>
+              <a:rPr lang="en-US" dirty="0"/>
+              <a:t>ghcr.io/</a:t>
+            </a:r>
+            <a:r>
+              <a:rPr lang="en-US" dirty="0" err="1"/>
+              <a:t>ezekiel</a:t>
+            </a:r>
+            <a:r>
+              <a:rPr lang="en-US" dirty="0"/>
+              <a:t>-da/</a:t>
+            </a:r>
+            <a:r>
+              <a:rPr lang="en-US" dirty="0" err="1"/>
+              <a:t>containerization_example</a:t>
+            </a:r>
+            <a:r>
+              <a:rPr lang="en-US" dirty="0"/>
+              <a:t> </a:t>
+            </a:r>
+            <a:r>
+              <a:rPr lang="en-US" dirty="0" smtClean="0"/>
+              <a:t>–p 8888:8888</a:t>
             </a:r>
             <a:endParaRPr lang="en-US" dirty="0"/>
           </a:p>
@@ -4383,7 +8142,7 @@
     </p:spTree>
     <p:extLst>
       <p:ext uri="{BB962C8B-B14F-4D97-AF65-F5344CB8AC3E}">
-        <p14:creationId xmlns:p14="http://schemas.microsoft.com/office/powerpoint/2010/main" val="2490757070"/>
+        <p14:creationId xmlns:p14="http://schemas.microsoft.com/office/powerpoint/2010/main" val="3600574733"/>
       </p:ext>
     </p:extLst>
   </p:cSld>
@@ -4434,7 +8193,7 @@
           <a:p>
             <a:r>
               <a:rPr lang="en-US" dirty="0" smtClean="0"/>
-              <a:t>Demo</a:t>
+              <a:t>Building and publishing a container image</a:t>
             </a:r>
             <a:endParaRPr lang="en-US" dirty="0"/>
           </a:p>
@@ -4442,12 +8201,12 @@
       </p:sp>
       <p:sp>
         <p:nvSpPr>
-          <p:cNvPr id="3" name="Text Placeholder 2"/>
-          <p:cNvSpPr>
-            <a:spLocks noGrp="1"/>
-          </p:cNvSpPr>
-          <p:nvPr>
-            <p:ph type="body" idx="1"/>
+          <p:cNvPr id="3" name="Content Placeholder 2"/>
+          <p:cNvSpPr>
+            <a:spLocks noGrp="1"/>
+          </p:cNvSpPr>
+          <p:nvPr>
+            <p:ph idx="1"/>
           </p:nvPr>
         </p:nvSpPr>
         <p:spPr/>
@@ -4455,14 +8214,59 @@
           <a:bodyPr/>
           <a:lstStyle/>
           <a:p>
-            <a:endParaRPr lang="en-US"/>
+            <a:r>
+              <a:rPr lang="en-US" dirty="0" smtClean="0"/>
+              <a:t>Define your </a:t>
+            </a:r>
+            <a:r>
+              <a:rPr lang="en-US" dirty="0" err="1" smtClean="0"/>
+              <a:t>Dockerfile</a:t>
+            </a:r>
+            <a:endParaRPr lang="en-US" dirty="0" smtClean="0"/>
+          </a:p>
+          <a:p>
+            <a:r>
+              <a:rPr lang="en-US" dirty="0" err="1" smtClean="0"/>
+              <a:t>docker</a:t>
+            </a:r>
+            <a:r>
+              <a:rPr lang="en-US" dirty="0" smtClean="0"/>
+              <a:t> build . -t &lt;</a:t>
+            </a:r>
+            <a:r>
+              <a:rPr lang="en-US" dirty="0" err="1" smtClean="0"/>
+              <a:t>image_name</a:t>
+            </a:r>
+            <a:r>
+              <a:rPr lang="en-US" dirty="0" smtClean="0"/>
+              <a:t>&gt;</a:t>
+            </a:r>
+          </a:p>
+          <a:p>
+            <a:r>
+              <a:rPr lang="en-US" dirty="0" err="1" smtClean="0"/>
+              <a:t>docker</a:t>
+            </a:r>
+            <a:r>
+              <a:rPr lang="en-US" dirty="0" smtClean="0"/>
+              <a:t> push &lt;</a:t>
+            </a:r>
+            <a:r>
+              <a:rPr lang="en-US" dirty="0" err="1" smtClean="0"/>
+              <a:t>image_name</a:t>
+            </a:r>
+            <a:r>
+              <a:rPr lang="en-US" dirty="0" smtClean="0"/>
+              <a:t>&gt;</a:t>
+            </a:r>
+            <a:endParaRPr lang="en-US" dirty="0"/>
           </a:p>
         </p:txBody>
       </p:sp>
     </p:spTree>
     <p:extLst>
       <p:ext uri="{BB962C8B-B14F-4D97-AF65-F5344CB8AC3E}">
-        <p14:creationId xmlns:p14="http://schemas.microsoft.com/office/powerpoint/2010/main" val="25892601"/>
+        <p14:creationId xmlns:p14="http://schemas.microsoft.com/office/powerpoint/2010/main" val="2490757070"/>
       </p:ext>
     </p:extLst>
   </p:cSld>
@@ -4506,14 +8310,19 @@
             <p:ph type="title"/>
           </p:nvPr>
         </p:nvSpPr>
-        <p:spPr/>
+        <p:spPr>
+          <a:xfrm>
+            <a:off x="677334" y="2700867"/>
+            <a:ext cx="9495365" cy="1826581"/>
+          </a:xfrm>
+        </p:spPr>
         <p:txBody>
           <a:bodyPr/>
           <a:lstStyle/>
           <a:p>
             <a:r>
               <a:rPr lang="en-US" dirty="0" smtClean="0"/>
-              <a:t>Questions</a:t>
+              <a:t>Demo: containerizing open source code</a:t>
             </a:r>
             <a:endParaRPr lang="en-US" dirty="0"/>
           </a:p>
@@ -4541,7 +8350,7 @@
     </p:spTree>
     <p:extLst>
       <p:ext uri="{BB962C8B-B14F-4D97-AF65-F5344CB8AC3E}">
-        <p14:creationId xmlns:p14="http://schemas.microsoft.com/office/powerpoint/2010/main" val="422114822"/>
+        <p14:creationId xmlns:p14="http://schemas.microsoft.com/office/powerpoint/2010/main" val="25892601"/>
       </p:ext>
     </p:extLst>
   </p:cSld>
@@ -4585,14 +8394,19 @@
             <p:ph type="title"/>
           </p:nvPr>
         </p:nvSpPr>
-        <p:spPr/>
+        <p:spPr>
+          <a:xfrm>
+            <a:off x="677335" y="79587"/>
+            <a:ext cx="8596668" cy="1826581"/>
+          </a:xfrm>
+        </p:spPr>
         <p:txBody>
           <a:bodyPr/>
           <a:lstStyle/>
           <a:p>
             <a:r>
               <a:rPr lang="en-US" dirty="0" smtClean="0"/>
-              <a:t>Thank you!</a:t>
+              <a:t>Questions?</a:t>
             </a:r>
             <a:endParaRPr lang="en-US" dirty="0"/>
           </a:p>
@@ -4608,19 +8422,92 @@
             <p:ph type="body" idx="1"/>
           </p:nvPr>
         </p:nvSpPr>
-        <p:spPr/>
-        <p:txBody>
-          <a:bodyPr/>
-          <a:lstStyle/>
-          <a:p>
-            <a:endParaRPr lang="en-US"/>
+        <p:spPr>
+          <a:xfrm>
+            <a:off x="677335" y="2049780"/>
+            <a:ext cx="8596668" cy="3338068"/>
+          </a:xfrm>
+        </p:spPr>
+        <p:txBody>
+          <a:bodyPr>
+            <a:normAutofit/>
+          </a:bodyPr>
+          <a:lstStyle/>
+          <a:p>
+            <a:r>
+              <a:rPr lang="en-US" dirty="0" err="1" smtClean="0"/>
+              <a:t>E.g</a:t>
+            </a:r>
+            <a:r>
+              <a:rPr lang="en-US" dirty="0" smtClean="0"/>
+              <a:t>:</a:t>
+            </a:r>
+          </a:p>
+          <a:p>
+            <a:pPr marL="342900" indent="-342900">
+              <a:buFontTx/>
+              <a:buChar char="-"/>
+            </a:pPr>
+            <a:r>
+              <a:rPr lang="en-US" dirty="0" smtClean="0"/>
+              <a:t>Docker vs containers (OCI)</a:t>
+            </a:r>
+          </a:p>
+          <a:p>
+            <a:pPr marL="342900" indent="-342900">
+              <a:buFontTx/>
+              <a:buChar char="-"/>
+            </a:pPr>
+            <a:r>
+              <a:rPr lang="en-US" dirty="0" smtClean="0"/>
+              <a:t>Linux containers on a Windows host</a:t>
+            </a:r>
+          </a:p>
+          <a:p>
+            <a:pPr marL="342900" indent="-342900">
+              <a:buFontTx/>
+              <a:buChar char="-"/>
+            </a:pPr>
+            <a:r>
+              <a:rPr lang="en-US" dirty="0"/>
+              <a:t>Windows </a:t>
+            </a:r>
+            <a:r>
+              <a:rPr lang="en-US" dirty="0" smtClean="0"/>
+              <a:t>containers</a:t>
+            </a:r>
+            <a:endParaRPr lang="en-US" dirty="0" smtClean="0"/>
+          </a:p>
+          <a:p>
+            <a:pPr marL="342900" indent="-342900">
+              <a:buFontTx/>
+              <a:buChar char="-"/>
+            </a:pPr>
+            <a:r>
+              <a:rPr lang="en-US" dirty="0" smtClean="0"/>
+              <a:t>Security</a:t>
+            </a:r>
+          </a:p>
+          <a:p>
+            <a:pPr marL="342900" indent="-342900">
+              <a:buFontTx/>
+              <a:buChar char="-"/>
+            </a:pPr>
+            <a:endParaRPr lang="en-US" dirty="0" smtClean="0"/>
+          </a:p>
+          <a:p>
+            <a:pPr marL="342900" indent="-342900">
+              <a:buFontTx/>
+              <a:buChar char="-"/>
+            </a:pPr>
+            <a:endParaRPr lang="en-US" dirty="0"/>
           </a:p>
         </p:txBody>
       </p:sp>
     </p:spTree>
     <p:extLst>
       <p:ext uri="{BB962C8B-B14F-4D97-AF65-F5344CB8AC3E}">
-        <p14:creationId xmlns:p14="http://schemas.microsoft.com/office/powerpoint/2010/main" val="2341436099"/>
+        <p14:creationId xmlns:p14="http://schemas.microsoft.com/office/powerpoint/2010/main" val="422114822"/>
       </p:ext>
     </p:extLst>
   </p:cSld>
@@ -4671,7 +8558,7 @@
           <a:p>
             <a:r>
               <a:rPr lang="en-US" dirty="0" smtClean="0"/>
-              <a:t>FAQs</a:t>
+              <a:t>Thank you!</a:t>
             </a:r>
             <a:endParaRPr lang="en-US" dirty="0"/>
           </a:p>
@@ -4679,12 +8566,12 @@
       </p:sp>
       <p:sp>
         <p:nvSpPr>
-          <p:cNvPr id="3" name="Content Placeholder 2"/>
-          <p:cNvSpPr>
-            <a:spLocks noGrp="1"/>
-          </p:cNvSpPr>
-          <p:nvPr>
-            <p:ph idx="1"/>
+          <p:cNvPr id="3" name="Text Placeholder 2"/>
+          <p:cNvSpPr>
+            <a:spLocks noGrp="1"/>
+          </p:cNvSpPr>
+          <p:nvPr>
+            <p:ph type="body" idx="1"/>
           </p:nvPr>
         </p:nvSpPr>
         <p:spPr/>
@@ -4692,29 +8579,14 @@
           <a:bodyPr/>
           <a:lstStyle/>
           <a:p>
-            <a:r>
-              <a:rPr lang="en-US" dirty="0" smtClean="0"/>
-              <a:t>What about Windows?</a:t>
-            </a:r>
-          </a:p>
-          <a:p>
-            <a:r>
-              <a:rPr lang="en-US" dirty="0" smtClean="0"/>
-              <a:t>Docker vs containers (OCI)</a:t>
-            </a:r>
-          </a:p>
-          <a:p>
-            <a:endParaRPr lang="en-US" dirty="0" smtClean="0"/>
-          </a:p>
-          <a:p>
-            <a:endParaRPr lang="en-US" dirty="0"/>
+            <a:endParaRPr lang="en-US"/>
           </a:p>
         </p:txBody>
       </p:sp>
     </p:spTree>
     <p:extLst>
       <p:ext uri="{BB962C8B-B14F-4D97-AF65-F5344CB8AC3E}">
-        <p14:creationId xmlns:p14="http://schemas.microsoft.com/office/powerpoint/2010/main" val="3193243745"/>
+        <p14:creationId xmlns:p14="http://schemas.microsoft.com/office/powerpoint/2010/main" val="2341436099"/>
       </p:ext>
     </p:extLst>
   </p:cSld>
@@ -4784,7 +8656,7 @@
         <p:spPr/>
         <p:txBody>
           <a:bodyPr>
-            <a:normAutofit fontScale="92500"/>
+            <a:normAutofit/>
           </a:bodyPr>
           <a:lstStyle/>
           <a:p>
@@ -4922,7 +8794,12 @@
             <p:ph idx="1"/>
           </p:nvPr>
         </p:nvSpPr>
-        <p:spPr/>
+        <p:spPr>
+          <a:xfrm>
+            <a:off x="677334" y="1569721"/>
+            <a:ext cx="8596668" cy="4471642"/>
+          </a:xfrm>
+        </p:spPr>
         <p:txBody>
           <a:bodyPr>
             <a:normAutofit/>
@@ -4938,13 +8815,8 @@
             <a:pPr lvl="1"/>
             <a:r>
               <a:rPr lang="en-US" dirty="0" smtClean="0"/>
-              <a:t>Master’s degree in Computer Science</a:t>
-            </a:r>
-            <a:r>
-              <a:rPr lang="en-US" dirty="0" smtClean="0"/>
-              <a:t> with a focus on Software Architecture</a:t>
-            </a:r>
-            <a:endParaRPr lang="en-US" dirty="0" smtClean="0"/>
+              <a:t>Master’s degree in Computer Science with a focus on Software Architecture</a:t>
+            </a:r>
           </a:p>
           <a:p>
             <a:pPr lvl="1"/>
@@ -5160,8 +9032,13 @@
             </a:pPr>
             <a:r>
               <a:rPr lang="en-US" dirty="0" smtClean="0"/>
-              <a:t>You want to run existing code you didn’t write and you’d like.</a:t>
-            </a:r>
+              <a:t>You want to run existing code you didn’t write and you’d </a:t>
+            </a:r>
+            <a:r>
+              <a:rPr lang="en-US" dirty="0" smtClean="0"/>
+              <a:t>like:</a:t>
+            </a:r>
+            <a:endParaRPr lang="en-US" dirty="0" smtClean="0"/>
           </a:p>
           <a:p>
             <a:pPr marL="457200" lvl="1" indent="0">
@@ -5237,7 +9114,7 @@
           <p:nvPr/>
         </p:nvPicPr>
         <p:blipFill>
-          <a:blip r:embed="rId2" cstate="print">
+          <a:blip r:embed="rId3" cstate="print">
             <a:extLst>
               <a:ext uri="{28A0092B-C50C-407E-A947-70E740481C1C}">
                 <a14:useLocalDpi xmlns:a14="http://schemas.microsoft.com/office/drawing/2010/main" val="0"/>
@@ -5250,8 +9127,8 @@
         </p:blipFill>
         <p:spPr>
           <a:xfrm>
-            <a:off x="8936182" y="0"/>
-            <a:ext cx="3255818" cy="1831397"/>
+            <a:off x="7626772" y="0"/>
+            <a:ext cx="4565228" cy="2567940"/>
           </a:xfrm>
           <a:prstGeom prst="rect">
             <a:avLst/>
@@ -5693,7 +9570,11 @@
             </a:br>
             <a:r>
               <a:rPr lang="en-US" dirty="0" smtClean="0"/>
-              <a:t>instructions to build and run the project should be a machine readable recipe that generate some sort of executable “wrapper”</a:t>
+              <a:t>instructions to build and run the project should be a machine readable </a:t>
+            </a:r>
+            <a:r>
+              <a:rPr lang="en-US" dirty="0" smtClean="0"/>
+              <a:t>recipe</a:t>
             </a:r>
             <a:endParaRPr lang="en-US" i="1" dirty="0" smtClean="0"/>
           </a:p>
@@ -5720,241 +9601,15 @@
             </a:br>
             <a:r>
               <a:rPr lang="en-US" dirty="0" smtClean="0"/>
-              <a:t>Once the project has been “wrapped”, it should be archived as a container for later use without rebuilding</a:t>
-            </a:r>
-            <a:endParaRPr lang="en-US" dirty="0"/>
-          </a:p>
-        </p:txBody>
-      </p:sp>
-      <p:sp>
-        <p:nvSpPr>
-          <p:cNvPr id="5" name="Content Placeholder 2"/>
-          <p:cNvSpPr txBox="1">
-            <a:spLocks/>
-          </p:cNvSpPr>
-          <p:nvPr/>
-        </p:nvSpPr>
-        <p:spPr>
-          <a:xfrm>
-            <a:off x="838200" y="1690688"/>
-            <a:ext cx="10515600" cy="4351338"/>
-          </a:xfrm>
-          <a:prstGeom prst="rect">
-            <a:avLst/>
-          </a:prstGeom>
-        </p:spPr>
-        <p:txBody>
-          <a:bodyPr vert="horz" lIns="91440" tIns="45720" rIns="91440" bIns="45720" rtlCol="0">
-            <a:normAutofit/>
-          </a:bodyPr>
-          <a:lstStyle>
-            <a:lvl1pPr marL="228600" indent="-228600" algn="l" defTabSz="914400" rtl="0" eaLnBrk="1" latinLnBrk="0" hangingPunct="1">
-              <a:lnSpc>
-                <a:spcPct val="90000"/>
-              </a:lnSpc>
-              <a:spcBef>
-                <a:spcPts val="1000"/>
-              </a:spcBef>
-              <a:buFont typeface="Arial" panose="020B0604020202020204" pitchFamily="34" charset="0"/>
-              <a:buChar char="•"/>
-              <a:defRPr sz="2800" kern="1200">
-                <a:solidFill>
-                  <a:schemeClr val="tx1"/>
-                </a:solidFill>
-                <a:latin typeface="+mn-lt"/>
-                <a:ea typeface="+mn-ea"/>
-                <a:cs typeface="+mn-cs"/>
-              </a:defRPr>
-            </a:lvl1pPr>
-            <a:lvl2pPr marL="685800" indent="-228600" algn="l" defTabSz="914400" rtl="0" eaLnBrk="1" latinLnBrk="0" hangingPunct="1">
-              <a:lnSpc>
-                <a:spcPct val="90000"/>
-              </a:lnSpc>
-              <a:spcBef>
-                <a:spcPts val="500"/>
-              </a:spcBef>
-              <a:buFont typeface="Arial" panose="020B0604020202020204" pitchFamily="34" charset="0"/>
-              <a:buChar char="•"/>
-              <a:defRPr sz="2400" kern="1200">
-                <a:solidFill>
-                  <a:schemeClr val="tx1"/>
-                </a:solidFill>
-                <a:latin typeface="+mn-lt"/>
-                <a:ea typeface="+mn-ea"/>
-                <a:cs typeface="+mn-cs"/>
-              </a:defRPr>
-            </a:lvl2pPr>
-            <a:lvl3pPr marL="1143000" indent="-228600" algn="l" defTabSz="914400" rtl="0" eaLnBrk="1" latinLnBrk="0" hangingPunct="1">
-              <a:lnSpc>
-                <a:spcPct val="90000"/>
-              </a:lnSpc>
-              <a:spcBef>
-                <a:spcPts val="500"/>
-              </a:spcBef>
-              <a:buFont typeface="Arial" panose="020B0604020202020204" pitchFamily="34" charset="0"/>
-              <a:buChar char="•"/>
-              <a:defRPr sz="2000" kern="1200">
-                <a:solidFill>
-                  <a:schemeClr val="tx1"/>
-                </a:solidFill>
-                <a:latin typeface="+mn-lt"/>
-                <a:ea typeface="+mn-ea"/>
-                <a:cs typeface="+mn-cs"/>
-              </a:defRPr>
-            </a:lvl3pPr>
-            <a:lvl4pPr marL="1600200" indent="-228600" algn="l" defTabSz="914400" rtl="0" eaLnBrk="1" latinLnBrk="0" hangingPunct="1">
-              <a:lnSpc>
-                <a:spcPct val="90000"/>
-              </a:lnSpc>
-              <a:spcBef>
-                <a:spcPts val="500"/>
-              </a:spcBef>
-              <a:buFont typeface="Arial" panose="020B0604020202020204" pitchFamily="34" charset="0"/>
-              <a:buChar char="•"/>
-              <a:defRPr sz="1800" kern="1200">
-                <a:solidFill>
-                  <a:schemeClr val="tx1"/>
-                </a:solidFill>
-                <a:latin typeface="+mn-lt"/>
-                <a:ea typeface="+mn-ea"/>
-                <a:cs typeface="+mn-cs"/>
-              </a:defRPr>
-            </a:lvl4pPr>
-            <a:lvl5pPr marL="2057400" indent="-228600" algn="l" defTabSz="914400" rtl="0" eaLnBrk="1" latinLnBrk="0" hangingPunct="1">
-              <a:lnSpc>
-                <a:spcPct val="90000"/>
-              </a:lnSpc>
-              <a:spcBef>
-                <a:spcPts val="500"/>
-              </a:spcBef>
-              <a:buFont typeface="Arial" panose="020B0604020202020204" pitchFamily="34" charset="0"/>
-              <a:buChar char="•"/>
-              <a:defRPr sz="1800" kern="1200">
-                <a:solidFill>
-                  <a:schemeClr val="tx1"/>
-                </a:solidFill>
-                <a:latin typeface="+mn-lt"/>
-                <a:ea typeface="+mn-ea"/>
-                <a:cs typeface="+mn-cs"/>
-              </a:defRPr>
-            </a:lvl5pPr>
-            <a:lvl6pPr marL="2514600" indent="-228600" algn="l" defTabSz="914400" rtl="0" eaLnBrk="1" latinLnBrk="0" hangingPunct="1">
-              <a:lnSpc>
-                <a:spcPct val="90000"/>
-              </a:lnSpc>
-              <a:spcBef>
-                <a:spcPts val="500"/>
-              </a:spcBef>
-              <a:buFont typeface="Arial" panose="020B0604020202020204" pitchFamily="34" charset="0"/>
-              <a:buChar char="•"/>
-              <a:defRPr sz="1800" kern="1200">
-                <a:solidFill>
-                  <a:schemeClr val="tx1"/>
-                </a:solidFill>
-                <a:latin typeface="+mn-lt"/>
-                <a:ea typeface="+mn-ea"/>
-                <a:cs typeface="+mn-cs"/>
-              </a:defRPr>
-            </a:lvl6pPr>
-            <a:lvl7pPr marL="2971800" indent="-228600" algn="l" defTabSz="914400" rtl="0" eaLnBrk="1" latinLnBrk="0" hangingPunct="1">
-              <a:lnSpc>
-                <a:spcPct val="90000"/>
-              </a:lnSpc>
-              <a:spcBef>
-                <a:spcPts val="500"/>
-              </a:spcBef>
-              <a:buFont typeface="Arial" panose="020B0604020202020204" pitchFamily="34" charset="0"/>
-              <a:buChar char="•"/>
-              <a:defRPr sz="1800" kern="1200">
-                <a:solidFill>
-                  <a:schemeClr val="tx1"/>
-                </a:solidFill>
-                <a:latin typeface="+mn-lt"/>
-                <a:ea typeface="+mn-ea"/>
-                <a:cs typeface="+mn-cs"/>
-              </a:defRPr>
-            </a:lvl7pPr>
-            <a:lvl8pPr marL="3429000" indent="-228600" algn="l" defTabSz="914400" rtl="0" eaLnBrk="1" latinLnBrk="0" hangingPunct="1">
-              <a:lnSpc>
-                <a:spcPct val="90000"/>
-              </a:lnSpc>
-              <a:spcBef>
-                <a:spcPts val="500"/>
-              </a:spcBef>
-              <a:buFont typeface="Arial" panose="020B0604020202020204" pitchFamily="34" charset="0"/>
-              <a:buChar char="•"/>
-              <a:defRPr sz="1800" kern="1200">
-                <a:solidFill>
-                  <a:schemeClr val="tx1"/>
-                </a:solidFill>
-                <a:latin typeface="+mn-lt"/>
-                <a:ea typeface="+mn-ea"/>
-                <a:cs typeface="+mn-cs"/>
-              </a:defRPr>
-            </a:lvl8pPr>
-            <a:lvl9pPr marL="3886200" indent="-228600" algn="l" defTabSz="914400" rtl="0" eaLnBrk="1" latinLnBrk="0" hangingPunct="1">
-              <a:lnSpc>
-                <a:spcPct val="90000"/>
-              </a:lnSpc>
-              <a:spcBef>
-                <a:spcPts val="500"/>
-              </a:spcBef>
-              <a:buFont typeface="Arial" panose="020B0604020202020204" pitchFamily="34" charset="0"/>
-              <a:buChar char="•"/>
-              <a:defRPr sz="1800" kern="1200">
-                <a:solidFill>
-                  <a:schemeClr val="tx1"/>
-                </a:solidFill>
-                <a:latin typeface="+mn-lt"/>
-                <a:ea typeface="+mn-ea"/>
-                <a:cs typeface="+mn-cs"/>
-              </a:defRPr>
-            </a:lvl9pPr>
-          </a:lstStyle>
-          <a:p>
-            <a:r>
-              <a:rPr lang="en-US" dirty="0" smtClean="0"/>
-              <a:t>Ease of use: starting the project should be a single command</a:t>
-            </a:r>
-          </a:p>
-          <a:p>
-            <a:r>
-              <a:rPr lang="en-US" dirty="0" smtClean="0"/>
-              <a:t>Documentation:</a:t>
-            </a:r>
-            <a:br>
-              <a:rPr lang="en-US" dirty="0" smtClean="0"/>
-            </a:br>
-            <a:r>
-              <a:rPr lang="en-US" dirty="0" smtClean="0"/>
-              <a:t>instructions to build and run the project should be a machine readable recipe that generate containers</a:t>
-            </a:r>
-            <a:endParaRPr lang="en-US" i="1" dirty="0" smtClean="0"/>
-          </a:p>
-          <a:p>
-            <a:r>
-              <a:rPr lang="en-US" dirty="0" smtClean="0"/>
-              <a:t>Dependency hell:</a:t>
-            </a:r>
-            <a:br>
-              <a:rPr lang="en-US" dirty="0" smtClean="0"/>
-            </a:br>
-            <a:r>
-              <a:rPr lang="en-US" dirty="0" smtClean="0"/>
-              <a:t>solving dependencies should be expressed explicitly in the recipe; the recipe should be repeatable across time and environments </a:t>
-            </a:r>
-          </a:p>
-          <a:p>
-            <a:r>
-              <a:rPr lang="en-US" dirty="0" smtClean="0"/>
-              <a:t>Archival:</a:t>
-            </a:r>
-            <a:br>
-              <a:rPr lang="en-US" dirty="0" smtClean="0"/>
-            </a:br>
-            <a:r>
-              <a:rPr lang="en-US" dirty="0" smtClean="0"/>
-              <a:t>Once the project has been containerized, it should be archived as a container for later use without rebuilding</a:t>
+              <a:t>The result of the recipe should be </a:t>
+            </a:r>
+            <a:r>
+              <a:rPr lang="en-US" dirty="0" err="1" smtClean="0"/>
+              <a:t>archivable</a:t>
+            </a:r>
+            <a:r>
+              <a:rPr lang="en-US" dirty="0" smtClean="0"/>
+              <a:t> by itself for later use</a:t>
             </a:r>
             <a:endParaRPr lang="en-US" dirty="0"/>
           </a:p>
@@ -5982,6 +9637,9 @@
                     <p:cTn id="3" fill="hold">
                       <p:stCondLst>
                         <p:cond delay="indefinite"/>
+                        <p:cond evt="onBegin" delay="0">
+                          <p:tn val="2"/>
+                        </p:cond>
                       </p:stCondLst>
                       <p:childTnLst>
                         <p:par>
@@ -5991,37 +9649,45 @@
                             </p:stCondLst>
                             <p:childTnLst>
                               <p:par>
-                                <p:cTn id="5" presetID="10" presetClass="entr" presetSubtype="0" fill="hold" grpId="0" nodeType="clickEffect">
+                                <p:cTn id="5" presetID="10" presetClass="exit" presetSubtype="0" fill="hold" grpId="0" nodeType="withEffect">
                                   <p:stCondLst>
                                     <p:cond delay="0"/>
                                   </p:stCondLst>
                                   <p:childTnLst>
+                                    <p:animEffect transition="out" filter="fade">
+                                      <p:cBhvr>
+                                        <p:cTn id="6" dur="500"/>
+                                        <p:tgtEl>
+                                          <p:spTgt spid="3">
+                                            <p:txEl>
+                                              <p:pRg st="0" end="0"/>
+                                            </p:txEl>
+                                          </p:spTgt>
+                                        </p:tgtEl>
+                                      </p:cBhvr>
+                                    </p:animEffect>
                                     <p:set>
                                       <p:cBhvr>
-                                        <p:cTn id="6" dur="1" fill="hold">
+                                        <p:cTn id="7" dur="1" fill="hold">
                                           <p:stCondLst>
-                                            <p:cond delay="0"/>
+                                            <p:cond delay="499"/>
                                           </p:stCondLst>
                                         </p:cTn>
                                         <p:tgtEl>
-                                          <p:spTgt spid="5"/>
+                                          <p:spTgt spid="3">
+                                            <p:txEl>
+                                              <p:pRg st="0" end="0"/>
+                                            </p:txEl>
+                                          </p:spTgt>
                                         </p:tgtEl>
                                         <p:attrNameLst>
                                           <p:attrName>style.visibility</p:attrName>
                                         </p:attrNameLst>
                                       </p:cBhvr>
                                       <p:to>
-                                        <p:strVal val="visible"/>
+                                        <p:strVal val="hidden"/>
                                       </p:to>
                                     </p:set>
-                                    <p:animEffect transition="in" filter="fade">
-                                      <p:cBhvr>
-                                        <p:cTn id="7" dur="500"/>
-                                        <p:tgtEl>
-                                          <p:spTgt spid="5"/>
-                                        </p:tgtEl>
-                                      </p:cBhvr>
-                                    </p:animEffect>
                                   </p:childTnLst>
                                 </p:cTn>
                               </p:par>
@@ -6037,7 +9703,7 @@
                                         <p:tgtEl>
                                           <p:spTgt spid="3">
                                             <p:txEl>
-                                              <p:pRg st="0" end="0"/>
+                                              <p:pRg st="1" end="1"/>
                                             </p:txEl>
                                           </p:spTgt>
                                         </p:tgtEl>
@@ -6053,7 +9719,7 @@
                                         <p:tgtEl>
                                           <p:spTgt spid="3">
                                             <p:txEl>
-                                              <p:pRg st="0" end="0"/>
+                                              <p:pRg st="1" end="1"/>
                                             </p:txEl>
                                           </p:spTgt>
                                         </p:tgtEl>
@@ -6080,7 +9746,7 @@
                                         <p:tgtEl>
                                           <p:spTgt spid="3">
                                             <p:txEl>
-                                              <p:pRg st="1" end="1"/>
+                                              <p:pRg st="2" end="2"/>
                                             </p:txEl>
                                           </p:spTgt>
                                         </p:tgtEl>
@@ -6096,7 +9762,7 @@
                                         <p:tgtEl>
                                           <p:spTgt spid="3">
                                             <p:txEl>
-                                              <p:pRg st="1" end="1"/>
+                                              <p:pRg st="2" end="2"/>
                                             </p:txEl>
                                           </p:spTgt>
                                         </p:tgtEl>
@@ -6123,7 +9789,7 @@
                                         <p:tgtEl>
                                           <p:spTgt spid="3">
                                             <p:txEl>
-                                              <p:pRg st="2" end="2"/>
+                                              <p:pRg st="3" end="3"/>
                                             </p:txEl>
                                           </p:spTgt>
                                         </p:tgtEl>
@@ -6132,49 +9798,6 @@
                                     <p:set>
                                       <p:cBhvr>
                                         <p:cTn id="16" dur="1" fill="hold">
-                                          <p:stCondLst>
-                                            <p:cond delay="499"/>
-                                          </p:stCondLst>
-                                        </p:cTn>
-                                        <p:tgtEl>
-                                          <p:spTgt spid="3">
-                                            <p:txEl>
-                                              <p:pRg st="2" end="2"/>
-                                            </p:txEl>
-                                          </p:spTgt>
-                                        </p:tgtEl>
-                                        <p:attrNameLst>
-                                          <p:attrName>style.visibility</p:attrName>
-                                        </p:attrNameLst>
-                                      </p:cBhvr>
-                                      <p:to>
-                                        <p:strVal val="hidden"/>
-                                      </p:to>
-                                    </p:set>
-                                  </p:childTnLst>
-                                </p:cTn>
-                              </p:par>
-                              <p:par>
-                                <p:cTn id="17" presetID="10" presetClass="exit" presetSubtype="0" fill="hold" grpId="0" nodeType="withEffect">
-                                  <p:stCondLst>
-                                    <p:cond delay="0"/>
-                                  </p:stCondLst>
-                                  <p:childTnLst>
-                                    <p:animEffect transition="out" filter="fade">
-                                      <p:cBhvr>
-                                        <p:cTn id="18" dur="500"/>
-                                        <p:tgtEl>
-                                          <p:spTgt spid="3">
-                                            <p:txEl>
-                                              <p:pRg st="3" end="3"/>
-                                            </p:txEl>
-                                          </p:spTgt>
-                                        </p:tgtEl>
-                                      </p:cBhvr>
-                                    </p:animEffect>
-                                    <p:set>
-                                      <p:cBhvr>
-                                        <p:cTn id="19" dur="1" fill="hold">
                                           <p:stCondLst>
                                             <p:cond delay="499"/>
                                           </p:stCondLst>
@@ -6226,7 +9849,6 @@
     </p:tnLst>
     <p:bldLst>
       <p:bldP spid="3" grpId="0" build="p"/>
-      <p:bldP spid="5" grpId="0"/>
     </p:bldLst>
   </p:timing>
 </p:sld>
@@ -6265,8 +9887,16 @@
           <a:lstStyle/>
           <a:p>
             <a:r>
-              <a:rPr lang="en-US" dirty="0" smtClean="0"/>
-              <a:t>Wait, what even are containers anyway?</a:t>
+              <a:rPr lang="en-US" dirty="0"/>
+              <a:t>Demo: </a:t>
+            </a:r>
+            <a:r>
+              <a:rPr lang="en-US" dirty="0" smtClean="0"/>
+              <a:t>containers </a:t>
+            </a:r>
+            <a:r>
+              <a:rPr lang="en-US" dirty="0"/>
+              <a:t>as a dev tool</a:t>
             </a:r>
             <a:endParaRPr lang="en-US" dirty="0"/>
           </a:p>
@@ -6274,81 +9904,21 @@
       </p:sp>
       <p:sp>
         <p:nvSpPr>
-          <p:cNvPr id="3" name="Content Placeholder 2"/>
-          <p:cNvSpPr>
-            <a:spLocks noGrp="1"/>
-          </p:cNvSpPr>
-          <p:nvPr>
-            <p:ph idx="1"/>
+          <p:cNvPr id="3" name="Text Placeholder 2"/>
+          <p:cNvSpPr>
+            <a:spLocks noGrp="1"/>
+          </p:cNvSpPr>
+          <p:nvPr>
+            <p:ph type="body" idx="1"/>
           </p:nvPr>
         </p:nvSpPr>
         <p:spPr/>
         <p:txBody>
           <a:bodyPr>
-            <a:normAutofit lnSpcReduction="10000"/>
+            <a:normAutofit/>
           </a:bodyPr>
           <a:lstStyle/>
           <a:p>
-            <a:r>
-              <a:rPr lang="en-US" dirty="0" smtClean="0"/>
-              <a:t>An OS level virtualization technology offering:</a:t>
-            </a:r>
-          </a:p>
-          <a:p>
-            <a:pPr lvl="1"/>
-            <a:r>
-              <a:rPr lang="en-US" dirty="0" smtClean="0"/>
-              <a:t>Process space isolation</a:t>
-            </a:r>
-          </a:p>
-          <a:p>
-            <a:pPr lvl="1"/>
-            <a:r>
-              <a:rPr lang="en-US" dirty="0" smtClean="0"/>
-              <a:t>Network isolation</a:t>
-            </a:r>
-          </a:p>
-          <a:p>
-            <a:pPr lvl="1"/>
-            <a:r>
-              <a:rPr lang="en-US" dirty="0" smtClean="0"/>
-              <a:t>File system isolation</a:t>
-            </a:r>
-          </a:p>
-          <a:p>
-            <a:pPr lvl="1"/>
-            <a:r>
-              <a:rPr lang="en-US" dirty="0" smtClean="0"/>
-              <a:t>Performance</a:t>
-            </a:r>
-            <a:endParaRPr lang="en-US" dirty="0" smtClean="0"/>
-          </a:p>
-          <a:p>
-            <a:r>
-              <a:rPr lang="en-US" dirty="0" smtClean="0"/>
-              <a:t>A set of tools define, share, run, and manage container blueprints (“images”) and containers:</a:t>
-            </a:r>
-          </a:p>
-          <a:p>
-            <a:pPr lvl="1"/>
-            <a:r>
-              <a:rPr lang="en-US" dirty="0" smtClean="0"/>
-              <a:t>Images are defined in a human readable, machine executable format</a:t>
-            </a:r>
-          </a:p>
-          <a:p>
-            <a:pPr lvl="1"/>
-            <a:r>
-              <a:rPr lang="en-US" dirty="0" smtClean="0"/>
-              <a:t>Images can be shared as pre-built binary blobs with efficient storage and distribution</a:t>
-            </a:r>
-          </a:p>
-          <a:p>
-            <a:pPr lvl="1"/>
-            <a:r>
-              <a:rPr lang="en-US" dirty="0" smtClean="0"/>
-              <a:t>Containers can easily be spawned from images and are transient</a:t>
-            </a:r>
             <a:endParaRPr lang="en-US" dirty="0"/>
           </a:p>
         </p:txBody>
@@ -6356,7 +9926,7 @@
     </p:spTree>
     <p:extLst>
       <p:ext uri="{BB962C8B-B14F-4D97-AF65-F5344CB8AC3E}">
-        <p14:creationId xmlns:p14="http://schemas.microsoft.com/office/powerpoint/2010/main" val="3348717079"/>
+        <p14:creationId xmlns:p14="http://schemas.microsoft.com/office/powerpoint/2010/main" val="619107226"/>
       </p:ext>
     </p:extLst>
   </p:cSld>
@@ -6390,64 +9960,45 @@
           <a:chExt cx="0" cy="0"/>
         </a:xfrm>
       </p:grpSpPr>
-      <p:pic>
-        <p:nvPicPr>
-          <p:cNvPr id="5" name="Picture 4"/>
-          <p:cNvPicPr>
-            <a:picLocks noChangeAspect="1"/>
-          </p:cNvPicPr>
-          <p:nvPr/>
-        </p:nvPicPr>
-        <p:blipFill>
-          <a:blip r:embed="rId2"/>
-          <a:stretch>
-            <a:fillRect/>
-          </a:stretch>
-        </p:blipFill>
+      <p:sp>
+        <p:nvSpPr>
+          <p:cNvPr id="2" name="Title 1"/>
+          <p:cNvSpPr>
+            <a:spLocks noGrp="1"/>
+          </p:cNvSpPr>
+          <p:nvPr>
+            <p:ph type="title"/>
+          </p:nvPr>
+        </p:nvSpPr>
+        <p:spPr/>
+        <p:txBody>
+          <a:bodyPr/>
+          <a:lstStyle/>
+          <a:p>
+            <a:r>
+              <a:rPr lang="en-US" dirty="0" smtClean="0"/>
+              <a:t>Wait, what even are containers anyway?</a:t>
+            </a:r>
+            <a:endParaRPr lang="en-US" dirty="0"/>
+          </a:p>
+        </p:txBody>
+      </p:sp>
+      <p:sp>
+        <p:nvSpPr>
+          <p:cNvPr id="3" name="Content Placeholder 2"/>
+          <p:cNvSpPr>
+            <a:spLocks noGrp="1"/>
+          </p:cNvSpPr>
+          <p:nvPr>
+            <p:ph idx="1"/>
+          </p:nvPr>
+        </p:nvSpPr>
         <p:spPr>
           <a:xfrm>
-            <a:off x="5629524" y="3402722"/>
-            <a:ext cx="6562476" cy="3425261"/>
+            <a:off x="677334" y="1600201"/>
+            <a:ext cx="8596668" cy="4441162"/>
           </a:xfrm>
-          <a:prstGeom prst="rect">
-            <a:avLst/>
-          </a:prstGeom>
         </p:spPr>
-      </p:pic>
-      <p:sp>
-        <p:nvSpPr>
-          <p:cNvPr id="2" name="Title 1"/>
-          <p:cNvSpPr>
-            <a:spLocks noGrp="1"/>
-          </p:cNvSpPr>
-          <p:nvPr>
-            <p:ph type="title"/>
-          </p:nvPr>
-        </p:nvSpPr>
-        <p:spPr/>
-        <p:txBody>
-          <a:bodyPr/>
-          <a:lstStyle/>
-          <a:p>
-            <a:r>
-              <a:rPr lang="en-US" dirty="0" smtClean="0"/>
-              <a:t>A brief terminology detour</a:t>
-            </a:r>
-            <a:endParaRPr lang="en-US" dirty="0"/>
-          </a:p>
-        </p:txBody>
-      </p:sp>
-      <p:sp>
-        <p:nvSpPr>
-          <p:cNvPr id="3" name="Content Placeholder 2"/>
-          <p:cNvSpPr>
-            <a:spLocks noGrp="1"/>
-          </p:cNvSpPr>
-          <p:nvPr>
-            <p:ph idx="1"/>
-          </p:nvPr>
-        </p:nvSpPr>
-        <p:spPr/>
         <p:txBody>
           <a:bodyPr>
             <a:normAutofit/>
@@ -6455,35 +10006,72 @@
           <a:lstStyle/>
           <a:p>
             <a:r>
-              <a:rPr lang="en-US" sz="2000" dirty="0" smtClean="0"/>
-              <a:t>Containers are the running processes and their isolation wrapper</a:t>
-            </a:r>
-          </a:p>
-          <a:p>
-            <a:r>
-              <a:rPr lang="en-US" sz="2000" dirty="0" smtClean="0"/>
-              <a:t>Images are binary blobs to be instantiated as containers</a:t>
-            </a:r>
-          </a:p>
-          <a:p>
-            <a:r>
-              <a:rPr lang="en-US" sz="2000" dirty="0" smtClean="0"/>
-              <a:t>Registries store images</a:t>
-            </a:r>
-          </a:p>
-          <a:p>
-            <a:r>
-              <a:rPr lang="en-US" sz="2000" dirty="0" smtClean="0"/>
-              <a:t>Container runtimes build, upload, download, and run containers</a:t>
-            </a:r>
-            <a:endParaRPr lang="en-US" sz="2000" dirty="0"/>
+              <a:rPr lang="en-US" dirty="0" smtClean="0"/>
+              <a:t>An OS level virtualization technology offering:</a:t>
+            </a:r>
+          </a:p>
+          <a:p>
+            <a:pPr lvl="1"/>
+            <a:r>
+              <a:rPr lang="en-US" dirty="0" smtClean="0"/>
+              <a:t>Process space isolation</a:t>
+            </a:r>
+          </a:p>
+          <a:p>
+            <a:pPr lvl="1"/>
+            <a:r>
+              <a:rPr lang="en-US" dirty="0" smtClean="0"/>
+              <a:t>Network isolation</a:t>
+            </a:r>
+          </a:p>
+          <a:p>
+            <a:pPr lvl="1"/>
+            <a:r>
+              <a:rPr lang="en-US" dirty="0" smtClean="0"/>
+              <a:t>File system isolation</a:t>
+            </a:r>
+          </a:p>
+          <a:p>
+            <a:pPr lvl="1"/>
+            <a:r>
+              <a:rPr lang="en-US" dirty="0" smtClean="0"/>
+              <a:t>Performance</a:t>
+            </a:r>
+          </a:p>
+          <a:p>
+            <a:r>
+              <a:rPr lang="en-US" dirty="0" smtClean="0"/>
+              <a:t>A set of tools define, share, run, and manage container blueprints (“images”) and containers:</a:t>
+            </a:r>
+          </a:p>
+          <a:p>
+            <a:pPr lvl="1"/>
+            <a:r>
+              <a:rPr lang="en-US" dirty="0" smtClean="0"/>
+              <a:t>Images are defined in a human readable, machine executable format</a:t>
+            </a:r>
+          </a:p>
+          <a:p>
+            <a:pPr lvl="1"/>
+            <a:r>
+              <a:rPr lang="en-US" dirty="0" smtClean="0"/>
+              <a:t>Images can be shared as pre-built binary blobs with efficient storage and distribution</a:t>
+            </a:r>
+          </a:p>
+          <a:p>
+            <a:pPr lvl="1"/>
+            <a:r>
+              <a:rPr lang="en-US" dirty="0" smtClean="0"/>
+              <a:t>Containers can easily be spawned from images and are transient</a:t>
+            </a:r>
+            <a:endParaRPr lang="en-US" dirty="0"/>
           </a:p>
         </p:txBody>
       </p:sp>
     </p:spTree>
     <p:extLst>
       <p:ext uri="{BB962C8B-B14F-4D97-AF65-F5344CB8AC3E}">
-        <p14:creationId xmlns:p14="http://schemas.microsoft.com/office/powerpoint/2010/main" val="2516661514"/>
+        <p14:creationId xmlns:p14="http://schemas.microsoft.com/office/powerpoint/2010/main" val="3348717079"/>
       </p:ext>
     </p:extLst>
   </p:cSld>
@@ -6534,7 +10122,7 @@
           <a:p>
             <a:r>
               <a:rPr lang="en-US" dirty="0" smtClean="0"/>
-              <a:t>So how do containers solve our problems?</a:t>
+              <a:t>A brief terminology detour</a:t>
             </a:r>
             <a:endParaRPr lang="en-US" dirty="0"/>
           </a:p>
@@ -6550,123 +10138,102 @@
             <p:ph idx="1"/>
           </p:nvPr>
         </p:nvSpPr>
-        <p:spPr/>
+        <p:spPr>
+          <a:xfrm>
+            <a:off x="677334" y="1558609"/>
+            <a:ext cx="8596668" cy="3880773"/>
+          </a:xfrm>
+        </p:spPr>
         <p:txBody>
           <a:bodyPr>
-            <a:normAutofit fontScale="85000" lnSpcReduction="20000"/>
+            <a:normAutofit/>
           </a:bodyPr>
           <a:lstStyle/>
           <a:p>
             <a:r>
-              <a:rPr lang="en-US" dirty="0" smtClean="0"/>
-              <a:t>Ease of use:</a:t>
-            </a:r>
-          </a:p>
-          <a:p>
-            <a:pPr lvl="1"/>
-            <a:r>
-              <a:rPr lang="en-US" dirty="0" smtClean="0"/>
-              <a:t>Simple command line interface to download and run a container image</a:t>
-            </a:r>
-          </a:p>
-          <a:p>
-            <a:pPr lvl="1"/>
-            <a:r>
-              <a:rPr lang="en-US" dirty="0" smtClean="0"/>
-              <a:t>Options to customize runtime behavior</a:t>
-            </a:r>
-          </a:p>
-          <a:p>
-            <a:r>
-              <a:rPr lang="en-US" dirty="0" smtClean="0"/>
-              <a:t>Documentation:</a:t>
-            </a:r>
-          </a:p>
-          <a:p>
-            <a:pPr lvl="1"/>
-            <a:r>
-              <a:rPr lang="en-US" dirty="0" smtClean="0"/>
-              <a:t>Container images are created from text based definitions</a:t>
-            </a:r>
-          </a:p>
-          <a:p>
-            <a:pPr lvl="1"/>
-            <a:r>
-              <a:rPr lang="en-US" dirty="0" smtClean="0"/>
-              <a:t>These act as living documentation of how to build and run a project</a:t>
-            </a:r>
-          </a:p>
-          <a:p>
-            <a:pPr lvl="1"/>
-            <a:r>
-              <a:rPr lang="en-US" dirty="0" smtClean="0"/>
-              <a:t>They can be version controlled</a:t>
-            </a:r>
-          </a:p>
-          <a:p>
-            <a:r>
-              <a:rPr lang="en-US" dirty="0" smtClean="0"/>
-              <a:t>Dependency hell:</a:t>
-            </a:r>
-          </a:p>
-          <a:p>
-            <a:pPr lvl="1"/>
-            <a:r>
-              <a:rPr lang="en-US" dirty="0" smtClean="0"/>
-              <a:t>Image definitions are not a silver bullet =&gt; you’ll still need to solve the problem…</a:t>
-            </a:r>
-          </a:p>
-          <a:p>
-            <a:pPr lvl="1"/>
-            <a:r>
-              <a:rPr lang="en-US" dirty="0" smtClean="0"/>
-              <a:t>But you’ll only be solving it once, and you’ll be documenting </a:t>
-            </a:r>
-            <a:r>
-              <a:rPr lang="en-US" b="1" i="1" dirty="0" smtClean="0"/>
-              <a:t>how</a:t>
-            </a:r>
-            <a:r>
-              <a:rPr lang="en-US" dirty="0" smtClean="0"/>
-              <a:t> while you do it</a:t>
-            </a:r>
-          </a:p>
-          <a:p>
-            <a:r>
-              <a:rPr lang="en-US" dirty="0" smtClean="0"/>
-              <a:t>Archival:</a:t>
-            </a:r>
-          </a:p>
-          <a:p>
-            <a:pPr lvl="1"/>
-            <a:r>
-              <a:rPr lang="en-US" dirty="0" smtClean="0"/>
-              <a:t>Image registries store built images for future use</a:t>
-            </a:r>
-          </a:p>
-          <a:p>
-            <a:pPr lvl="1"/>
-            <a:r>
-              <a:rPr lang="en-US" dirty="0" smtClean="0"/>
-              <a:t>Registries are effective at distributing (potentially large) images</a:t>
-            </a:r>
-          </a:p>
-          <a:p>
-            <a:pPr lvl="1"/>
-            <a:r>
-              <a:rPr lang="en-US" dirty="0" smtClean="0"/>
-              <a:t>Registries integrate well with CI/CD tools for automated archival</a:t>
-            </a:r>
-          </a:p>
-          <a:p>
-            <a:endParaRPr lang="en-US" dirty="0"/>
-          </a:p>
-        </p:txBody>
-      </p:sp>
+              <a:rPr lang="en-US" sz="2000" dirty="0" smtClean="0"/>
+              <a:t>Containers are the running processes and their isolation wrapper</a:t>
+            </a:r>
+          </a:p>
+          <a:p>
+            <a:r>
+              <a:rPr lang="en-US" sz="2000" dirty="0" smtClean="0"/>
+              <a:t>Images are binary blobs to be instantiated as </a:t>
+            </a:r>
+            <a:r>
+              <a:rPr lang="en-US" sz="2000" dirty="0" smtClean="0"/>
+              <a:t>containers</a:t>
+            </a:r>
+          </a:p>
+          <a:p>
+            <a:r>
+              <a:rPr lang="en-US" sz="2000" dirty="0" err="1"/>
+              <a:t>Dockerfiles</a:t>
+            </a:r>
+            <a:r>
+              <a:rPr lang="en-US" sz="2000" dirty="0"/>
+              <a:t> define how to create an </a:t>
+            </a:r>
+            <a:r>
+              <a:rPr lang="en-US" sz="2000" dirty="0" smtClean="0"/>
+              <a:t>image</a:t>
+            </a:r>
+            <a:endParaRPr lang="en-US" sz="2000" dirty="0" smtClean="0"/>
+          </a:p>
+          <a:p>
+            <a:r>
+              <a:rPr lang="en-US" sz="2000" dirty="0"/>
+              <a:t>Container runtimes build, upload, download, and run </a:t>
+            </a:r>
+            <a:r>
+              <a:rPr lang="en-US" sz="2000" dirty="0" smtClean="0"/>
+              <a:t>containers</a:t>
+            </a:r>
+            <a:endParaRPr lang="en-US" sz="2000" dirty="0" smtClean="0"/>
+          </a:p>
+          <a:p>
+            <a:r>
+              <a:rPr lang="en-US" sz="2000" dirty="0" smtClean="0"/>
+              <a:t>Registries </a:t>
+            </a:r>
+            <a:r>
+              <a:rPr lang="en-US" sz="2000" dirty="0" smtClean="0"/>
+              <a:t>store images</a:t>
+            </a:r>
+          </a:p>
+          <a:p>
+            <a:endParaRPr lang="en-US" sz="2000" dirty="0"/>
+          </a:p>
+        </p:txBody>
+      </p:sp>
+      <p:pic>
+        <p:nvPicPr>
+          <p:cNvPr id="4" name="Picture 3"/>
+          <p:cNvPicPr>
+            <a:picLocks noChangeAspect="1"/>
+          </p:cNvPicPr>
+          <p:nvPr/>
+        </p:nvPicPr>
+        <p:blipFill>
+          <a:blip r:embed="rId3"/>
+          <a:stretch>
+            <a:fillRect/>
+          </a:stretch>
+        </p:blipFill>
+        <p:spPr>
+          <a:xfrm>
+            <a:off x="4847227" y="3079497"/>
+            <a:ext cx="5280215" cy="3778503"/>
+          </a:xfrm>
+          <a:prstGeom prst="rect">
+            <a:avLst/>
+          </a:prstGeom>
+        </p:spPr>
+      </p:pic>
     </p:spTree>
     <p:extLst>
       <p:ext uri="{BB962C8B-B14F-4D97-AF65-F5344CB8AC3E}">
-        <p14:creationId xmlns:p14="http://schemas.microsoft.com/office/powerpoint/2010/main" val="2461925119"/>
+        <p14:creationId xmlns:p14="http://schemas.microsoft.com/office/powerpoint/2010/main" val="2516661514"/>
       </p:ext>
     </p:extLst>
   </p:cSld>
@@ -6700,48 +10267,29 @@
           <a:chExt cx="0" cy="0"/>
         </a:xfrm>
       </p:grpSpPr>
-      <p:pic>
-        <p:nvPicPr>
-          <p:cNvPr id="7" name="Picture 6"/>
-          <p:cNvPicPr>
-            <a:picLocks noChangeAspect="1"/>
-          </p:cNvPicPr>
-          <p:nvPr/>
-        </p:nvPicPr>
-        <p:blipFill>
-          <a:blip r:embed="rId3"/>
-          <a:stretch>
-            <a:fillRect/>
-          </a:stretch>
-        </p:blipFill>
+      <p:sp>
+        <p:nvSpPr>
+          <p:cNvPr id="2" name="Title 1"/>
+          <p:cNvSpPr>
+            <a:spLocks noGrp="1"/>
+          </p:cNvSpPr>
+          <p:nvPr>
+            <p:ph type="title"/>
+          </p:nvPr>
+        </p:nvSpPr>
         <p:spPr>
           <a:xfrm>
-            <a:off x="2625248" y="3168796"/>
-            <a:ext cx="9294491" cy="3492962"/>
+            <a:off x="677334" y="609600"/>
+            <a:ext cx="10425006" cy="1320800"/>
           </a:xfrm>
-          <a:prstGeom prst="rect">
-            <a:avLst/>
-          </a:prstGeom>
         </p:spPr>
-      </p:pic>
-      <p:sp>
-        <p:nvSpPr>
-          <p:cNvPr id="2" name="Title 1"/>
-          <p:cNvSpPr>
-            <a:spLocks noGrp="1"/>
-          </p:cNvSpPr>
-          <p:nvPr>
-            <p:ph type="title"/>
-          </p:nvPr>
-        </p:nvSpPr>
-        <p:spPr/>
         <p:txBody>
           <a:bodyPr/>
           <a:lstStyle/>
           <a:p>
             <a:r>
               <a:rPr lang="en-US" dirty="0" smtClean="0"/>
-              <a:t>What other problems are people solving?</a:t>
+              <a:t>So how do containers solve our problems?</a:t>
             </a:r>
             <a:endParaRPr lang="en-US" dirty="0"/>
           </a:p>
@@ -6757,36 +10305,120 @@
             <p:ph idx="1"/>
           </p:nvPr>
         </p:nvSpPr>
-        <p:spPr/>
-        <p:txBody>
-          <a:bodyPr/>
-          <a:lstStyle/>
-          <a:p>
-            <a:pPr marL="0" indent="0">
-              <a:buNone/>
-            </a:pPr>
-            <a:r>
-              <a:rPr lang="en-US" dirty="0" smtClean="0"/>
-              <a:t>Across the software industry, containers are useful for:</a:t>
-            </a:r>
-          </a:p>
-          <a:p>
-            <a:r>
-              <a:rPr lang="en-US" dirty="0" smtClean="0"/>
-              <a:t>Isolation</a:t>
-            </a:r>
-          </a:p>
-          <a:p>
-            <a:r>
-              <a:rPr lang="en-US" dirty="0" smtClean="0"/>
-              <a:t>Continuous Deployment</a:t>
-            </a:r>
-          </a:p>
-          <a:p>
-            <a:r>
-              <a:rPr lang="en-US" dirty="0" smtClean="0"/>
-              <a:t>Reliability</a:t>
-            </a:r>
+        <p:spPr>
+          <a:xfrm>
+            <a:off x="677334" y="1386841"/>
+            <a:ext cx="8596668" cy="4654522"/>
+          </a:xfrm>
+        </p:spPr>
+        <p:txBody>
+          <a:bodyPr>
+            <a:normAutofit fontScale="92500" lnSpcReduction="20000"/>
+          </a:bodyPr>
+          <a:lstStyle/>
+          <a:p>
+            <a:r>
+              <a:rPr lang="en-US" dirty="0" smtClean="0"/>
+              <a:t>Ease of use:</a:t>
+            </a:r>
+          </a:p>
+          <a:p>
+            <a:pPr lvl="1"/>
+            <a:r>
+              <a:rPr lang="en-US" dirty="0" smtClean="0"/>
+              <a:t>Simple command line interface to download and run a container image</a:t>
+            </a:r>
+          </a:p>
+          <a:p>
+            <a:pPr lvl="1"/>
+            <a:r>
+              <a:rPr lang="en-US" dirty="0" smtClean="0"/>
+              <a:t>Options to customize runtime behavior</a:t>
+            </a:r>
+          </a:p>
+          <a:p>
+            <a:r>
+              <a:rPr lang="en-US" dirty="0" smtClean="0"/>
+              <a:t>Documentation:</a:t>
+            </a:r>
+          </a:p>
+          <a:p>
+            <a:pPr lvl="1"/>
+            <a:r>
+              <a:rPr lang="en-US" dirty="0" smtClean="0"/>
+              <a:t>Container images are created from text based definitions</a:t>
+            </a:r>
+          </a:p>
+          <a:p>
+            <a:pPr lvl="1"/>
+            <a:r>
+              <a:rPr lang="en-US" dirty="0" smtClean="0"/>
+              <a:t>These act as living documentation of how to build and run a project</a:t>
+            </a:r>
+          </a:p>
+          <a:p>
+            <a:pPr lvl="1"/>
+            <a:r>
+              <a:rPr lang="en-US" dirty="0" smtClean="0"/>
+              <a:t>They can be version controlled</a:t>
+            </a:r>
+          </a:p>
+          <a:p>
+            <a:r>
+              <a:rPr lang="en-US" dirty="0" smtClean="0"/>
+              <a:t>Dependency hell:</a:t>
+            </a:r>
+          </a:p>
+          <a:p>
+            <a:pPr lvl="1"/>
+            <a:r>
+              <a:rPr lang="en-US" dirty="0" smtClean="0"/>
+              <a:t>Image definitions are not a silver bullet =&gt; you’ll still need to solve the problem…</a:t>
+            </a:r>
+          </a:p>
+          <a:p>
+            <a:pPr lvl="1"/>
+            <a:r>
+              <a:rPr lang="en-US" dirty="0" smtClean="0"/>
+              <a:t>But you’ll only be solving it once, and you’ll be documenting </a:t>
+            </a:r>
+            <a:r>
+              <a:rPr lang="en-US" b="1" i="1" dirty="0" smtClean="0"/>
+              <a:t>how</a:t>
+            </a:r>
+            <a:r>
+              <a:rPr lang="en-US" dirty="0" smtClean="0"/>
+              <a:t> while you do it</a:t>
+            </a:r>
+          </a:p>
+          <a:p>
+            <a:r>
+              <a:rPr lang="en-US" dirty="0" smtClean="0"/>
+              <a:t>Archival:</a:t>
+            </a:r>
+          </a:p>
+          <a:p>
+            <a:pPr lvl="1"/>
+            <a:r>
+              <a:rPr lang="en-US" dirty="0" smtClean="0"/>
+              <a:t>Image registries store built images for future use</a:t>
+            </a:r>
+          </a:p>
+          <a:p>
+            <a:pPr lvl="1"/>
+            <a:r>
+              <a:rPr lang="en-US" dirty="0" smtClean="0"/>
+              <a:t>Registries are effective at distributing (potentially large) images</a:t>
+            </a:r>
+          </a:p>
+          <a:p>
+            <a:pPr lvl="1"/>
+            <a:r>
+              <a:rPr lang="en-US" dirty="0" smtClean="0"/>
+              <a:t>Registries integrate well with CI/CD tools for automated archival</a:t>
+            </a:r>
+          </a:p>
+          <a:p>
             <a:endParaRPr lang="en-US" dirty="0"/>
           </a:p>
         </p:txBody>
@@ -6794,7 +10426,7 @@
     </p:spTree>
     <p:extLst>
       <p:ext uri="{BB962C8B-B14F-4D97-AF65-F5344CB8AC3E}">
-        <p14:creationId xmlns:p14="http://schemas.microsoft.com/office/powerpoint/2010/main" val="102756410"/>
+        <p14:creationId xmlns:p14="http://schemas.microsoft.com/office/powerpoint/2010/main" val="2461925119"/>
       </p:ext>
     </p:extLst>
   </p:cSld>
@@ -6812,9 +10444,9 @@
 </file>
 
 <file path=ppt/theme/theme1.xml><?xml version="1.0" encoding="utf-8"?>
-<a:theme xmlns:a="http://schemas.openxmlformats.org/drawingml/2006/main" name="Office Theme">
+<a:theme xmlns:a="http://schemas.openxmlformats.org/drawingml/2006/main" name="Facet">
   <a:themeElements>
-    <a:clrScheme name="Office">
+    <a:clrScheme name="Red Orange">
       <a:dk1>
         <a:sysClr val="windowText" lastClr="000000"/>
       </a:dk1>
@@ -6822,52 +10454,52 @@
         <a:sysClr val="window" lastClr="FFFFFF"/>
       </a:lt1>
       <a:dk2>
-        <a:srgbClr val="44546A"/>
+        <a:srgbClr val="505046"/>
       </a:dk2>
       <a:lt2>
-        <a:srgbClr val="E7E6E6"/>
+        <a:srgbClr val="EEECE1"/>
       </a:lt2>
       <a:accent1>
-        <a:srgbClr val="5B9BD5"/>
+        <a:srgbClr val="E84C22"/>
       </a:accent1>
       <a:accent2>
-        <a:srgbClr val="ED7D31"/>
+        <a:srgbClr val="FFBD47"/>
       </a:accent2>
       <a:accent3>
-        <a:srgbClr val="A5A5A5"/>
+        <a:srgbClr val="B64926"/>
       </a:accent3>
       <a:accent4>
-        <a:srgbClr val="FFC000"/>
+        <a:srgbClr val="FF8427"/>
       </a:accent4>
       <a:accent5>
-        <a:srgbClr val="4472C4"/>
+        <a:srgbClr val="CC9900"/>
       </a:accent5>
       <a:accent6>
-        <a:srgbClr val="70AD47"/>
+        <a:srgbClr val="B22600"/>
       </a:accent6>
       <a:hlink>
-        <a:srgbClr val="0563C1"/>
+        <a:srgbClr val="CC9900"/>
       </a:hlink>
       <a:folHlink>
-        <a:srgbClr val="954F72"/>
+        <a:srgbClr val="666699"/>
       </a:folHlink>
     </a:clrScheme>
-    <a:fontScheme name="Office">
+    <a:fontScheme name="Facet">
       <a:majorFont>
-        <a:latin typeface="Calibri Light" panose="020F0302020204030204"/>
+        <a:latin typeface="Trebuchet MS" panose="020B0603020202020204"/>
         <a:ea typeface=""/>
         <a:cs typeface=""/>
-        <a:font script="Jpan" typeface="游ゴシック Light"/>
+        <a:font script="Jpan" typeface="メイリオ"/>
         <a:font script="Hang" typeface="맑은 고딕"/>
-        <a:font script="Hans" typeface="等线 Light"/>
-        <a:font script="Hant" typeface="新細明體"/>
-        <a:font script="Arab" typeface="Times New Roman"/>
-        <a:font script="Hebr" typeface="Times New Roman"/>
-        <a:font script="Thai" typeface="Angsana New"/>
+        <a:font script="Hans" typeface="方正姚体"/>
+        <a:font script="Hant" typeface="微軟正黑體"/>
+        <a:font script="Arab" typeface="Tahoma"/>
+        <a:font script="Hebr" typeface="Arial"/>
+        <a:font script="Thai" typeface="Cordia New"/>
         <a:font script="Ethi" typeface="Nyala"/>
         <a:font script="Beng" typeface="Vrinda"/>
         <a:font script="Gujr" typeface="Shruti"/>
-        <a:font script="Khmr" typeface="MoolBoran"/>
+        <a:font script="Khmr" typeface="DaunPenh"/>
         <a:font script="Knda" typeface="Tunga"/>
         <a:font script="Guru" typeface="Raavi"/>
         <a:font script="Cans" typeface="Euphemia"/>
@@ -6884,21 +10516,21 @@
         <a:font script="Laoo" typeface="DokChampa"/>
         <a:font script="Sinh" typeface="Iskoola Pota"/>
         <a:font script="Mong" typeface="Mongolian Baiti"/>
-        <a:font script="Viet" typeface="Times New Roman"/>
+        <a:font script="Viet" typeface="Tahoma"/>
         <a:font script="Uigh" typeface="Microsoft Uighur"/>
         <a:font script="Geor" typeface="Sylfaen"/>
       </a:majorFont>
       <a:minorFont>
-        <a:latin typeface="Calibri" panose="020F0502020204030204"/>
+        <a:latin typeface="Trebuchet MS" panose="020B0603020202020204"/>
         <a:ea typeface=""/>
         <a:cs typeface=""/>
-        <a:font script="Jpan" typeface="游ゴシック"/>
-        <a:font script="Hang" typeface="맑은 고딕"/>
-        <a:font script="Hans" typeface="等线"/>
-        <a:font script="Hant" typeface="新細明體"/>
-        <a:font script="Arab" typeface="Arial"/>
-        <a:font script="Hebr" typeface="Arial"/>
-        <a:font script="Thai" typeface="Cordia New"/>
+        <a:font script="Jpan" typeface="メイリオ"/>
+        <a:font script="Hang" typeface="HY그래픽M"/>
+        <a:font script="Hans" typeface="华文新魏"/>
+        <a:font script="Hant" typeface="微軟正黑體"/>
+        <a:font script="Arab" typeface="Tahoma"/>
+        <a:font script="Hebr" typeface="Gisha"/>
+        <a:font script="Thai" typeface="IrisUPC"/>
         <a:font script="Ethi" typeface="Nyala"/>
         <a:font script="Beng" typeface="Vrinda"/>
         <a:font script="Gujr" typeface="Shruti"/>
@@ -6924,7 +10556,7 @@
         <a:font script="Geor" typeface="Sylfaen"/>
       </a:minorFont>
     </a:fontScheme>
-    <a:fmtScheme name="Office">
+    <a:fmtScheme name="Facet">
       <a:fillStyleLst>
         <a:solidFill>
           <a:schemeClr val="phClr"/>
@@ -6933,23 +10565,13 @@
           <a:gsLst>
             <a:gs pos="0">
               <a:schemeClr val="phClr">
+                <a:tint val="65000"/>
                 <a:lumMod val="110000"/>
-                <a:satMod val="105000"/>
-                <a:tint val="67000"/>
               </a:schemeClr>
             </a:gs>
-            <a:gs pos="50000">
+            <a:gs pos="88000">
               <a:schemeClr val="phClr">
-                <a:lumMod val="105000"/>
-                <a:satMod val="103000"/>
-                <a:tint val="73000"/>
-              </a:schemeClr>
-            </a:gs>
-            <a:gs pos="100000">
-              <a:schemeClr val="phClr">
-                <a:lumMod val="105000"/>
-                <a:satMod val="109000"/>
-                <a:tint val="81000"/>
+                <a:tint val="90000"/>
               </a:schemeClr>
             </a:gs>
           </a:gsLst>
@@ -6959,23 +10581,14 @@
           <a:gsLst>
             <a:gs pos="0">
               <a:schemeClr val="phClr">
-                <a:satMod val="103000"/>
-                <a:lumMod val="102000"/>
-                <a:tint val="94000"/>
+                <a:tint val="96000"/>
+                <a:lumMod val="100000"/>
               </a:schemeClr>
             </a:gs>
-            <a:gs pos="50000">
+            <a:gs pos="78000">
               <a:schemeClr val="phClr">
-                <a:satMod val="110000"/>
-                <a:lumMod val="100000"/>
-                <a:shade val="100000"/>
-              </a:schemeClr>
-            </a:gs>
-            <a:gs pos="100000">
-              <a:schemeClr val="phClr">
-                <a:lumMod val="99000"/>
-                <a:satMod val="120000"/>
-                <a:shade val="78000"/>
+                <a:shade val="94000"/>
+                <a:lumMod val="94000"/>
               </a:schemeClr>
             </a:gs>
           </a:gsLst>
@@ -6983,26 +10596,23 @@
         </a:gradFill>
       </a:fillStyleLst>
       <a:lnStyleLst>
-        <a:ln w="6350" cap="flat" cmpd="sng" algn="ctr">
+        <a:ln w="12700" cap="rnd" cmpd="sng" algn="ctr">
           <a:solidFill>
             <a:schemeClr val="phClr"/>
           </a:solidFill>
           <a:prstDash val="solid"/>
-          <a:miter lim="800000"/>
         </a:ln>
-        <a:ln w="12700" cap="flat" cmpd="sng" algn="ctr">
+        <a:ln w="19050" cap="rnd" cmpd="sng" algn="ctr">
           <a:solidFill>
             <a:schemeClr val="phClr"/>
           </a:solidFill>
           <a:prstDash val="solid"/>
-          <a:miter lim="800000"/>
         </a:ln>
-        <a:ln w="19050" cap="flat" cmpd="sng" algn="ctr">
+        <a:ln w="25400" cap="rnd" cmpd="sng" algn="ctr">
           <a:solidFill>
             <a:schemeClr val="phClr"/>
           </a:solidFill>
           <a:prstDash val="solid"/>
-          <a:miter lim="800000"/>
         </a:ln>
       </a:lnStyleLst>
       <a:effectStyleLst>
@@ -7010,54 +10620,72 @@
           <a:effectLst/>
         </a:effectStyle>
         <a:effectStyle>
-          <a:effectLst/>
+          <a:effectLst>
+            <a:outerShdw blurRad="38100" dist="25400" dir="5400000" rotWithShape="0">
+              <a:srgbClr val="000000">
+                <a:alpha val="35000"/>
+              </a:srgbClr>
+            </a:outerShdw>
+          </a:effectLst>
         </a:effectStyle>
         <a:effectStyle>
           <a:effectLst>
-            <a:outerShdw blurRad="57150" dist="19050" dir="5400000" algn="ctr" rotWithShape="0">
+            <a:outerShdw blurRad="50800" dist="38100" dir="5400000" rotWithShape="0">
               <a:srgbClr val="000000">
-                <a:alpha val="63000"/>
+                <a:alpha val="35000"/>
               </a:srgbClr>
             </a:outerShdw>
           </a:effectLst>
+          <a:scene3d>
+            <a:camera prst="orthographicFront">
+              <a:rot lat="0" lon="0" rev="0"/>
+            </a:camera>
+            <a:lightRig rig="threePt" dir="tl"/>
+          </a:scene3d>
+          <a:sp3d prstMaterial="plastic">
+            <a:bevelT w="0" h="0"/>
+          </a:sp3d>
         </a:effectStyle>
       </a:effectStyleLst>
       <a:bgFillStyleLst>
         <a:solidFill>
           <a:schemeClr val="phClr"/>
         </a:solidFill>
-        <a:solidFill>
-          <a:schemeClr val="phClr">
-            <a:tint val="95000"/>
-            <a:satMod val="170000"/>
-          </a:schemeClr>
-        </a:solidFill>
         <a:gradFill rotWithShape="1">
           <a:gsLst>
             <a:gs pos="0">
               <a:schemeClr val="phClr">
-                <a:tint val="93000"/>
-                <a:satMod val="150000"/>
-                <a:shade val="98000"/>
-                <a:lumMod val="102000"/>
+                <a:tint val="90000"/>
+                <a:lumMod val="104000"/>
               </a:schemeClr>
             </a:gs>
-            <a:gs pos="50000">
+            <a:gs pos="94000">
               <a:schemeClr val="phClr">
-                <a:tint val="98000"/>
-                <a:satMod val="130000"/>
-                <a:shade val="90000"/>
-                <a:lumMod val="103000"/>
+                <a:shade val="96000"/>
+                <a:lumMod val="82000"/>
+              </a:schemeClr>
+            </a:gs>
+          </a:gsLst>
+          <a:lin ang="5400000" scaled="0"/>
+        </a:gradFill>
+        <a:gradFill rotWithShape="1">
+          <a:gsLst>
+            <a:gs pos="0">
+              <a:schemeClr val="phClr">
+                <a:tint val="90000"/>
+                <a:lumMod val="110000"/>
               </a:schemeClr>
             </a:gs>
             <a:gs pos="100000">
               <a:schemeClr val="phClr">
-                <a:shade val="63000"/>
-                <a:satMod val="120000"/>
+                <a:shade val="94000"/>
+                <a:lumMod val="96000"/>
               </a:schemeClr>
             </a:gs>
           </a:gsLst>
-          <a:lin ang="5400000" scaled="0"/>
+          <a:path path="circle">
+            <a:fillToRect l="50000" t="50000" r="100000" b="100000"/>
+          </a:path>
         </a:gradFill>
       </a:bgFillStyleLst>
     </a:fmtScheme>
@@ -7066,7 +10694,7 @@
   <a:extraClrSchemeLst/>
   <a:extLst>
     <a:ext uri="{05A4C25C-085E-4340-85A3-A5531E510DB2}">
-      <thm15:themeFamily xmlns:thm15="http://schemas.microsoft.com/office/thememl/2012/main" name="Office Theme" id="{62F939B6-93AF-4DB8-9C6B-D6C7DFDC589F}" vid="{4A3C46E8-61CC-4603-A589-7422A47A8E4A}"/>
+      <thm15:themeFamily xmlns:thm15="http://schemas.microsoft.com/office/thememl/2012/main" name="Facet" id="{C0C680CD-088A-49FC-A102-D699147F32B2}" vid="{CFBC31BA-B70F-4F30-BCAA-4F3011E16C4D}"/>
     </a:ext>
   </a:extLst>
 </a:theme>

--- a/Containerization as an Open Science tool.pptx
+++ b/Containerization as an Open Science tool.pptx
@@ -7573,15 +7573,7 @@
           <a:p>
             <a:r>
               <a:rPr lang="en-US" dirty="0" smtClean="0"/>
-              <a:t>Nicolas </a:t>
-            </a:r>
-            <a:r>
-              <a:rPr lang="en-US" dirty="0" err="1" smtClean="0"/>
-              <a:t>lefebvre</a:t>
-            </a:r>
-            <a:r>
-              <a:rPr lang="en-US" dirty="0" smtClean="0"/>
-              <a:t> – </a:t>
+              <a:t>Nicolas Lefebvre – </a:t>
             </a:r>
             <a:r>
               <a:rPr lang="en-US" dirty="0" err="1" smtClean="0"/>
@@ -8493,7 +8485,10 @@
               <a:buFontTx/>
               <a:buChar char="-"/>
             </a:pPr>
-            <a:endParaRPr lang="en-US" dirty="0" smtClean="0"/>
+            <a:r>
+              <a:rPr lang="en-US" dirty="0" smtClean="0"/>
+              <a:t>Volumes, ports</a:t>
+            </a:r>
           </a:p>
           <a:p>
             <a:pPr marL="342900" indent="-342900">
@@ -9628,228 +9623,9 @@
   <p:timing>
     <p:tnLst>
       <p:par>
-        <p:cTn id="1" dur="indefinite" restart="never" nodeType="tmRoot">
-          <p:childTnLst>
-            <p:seq concurrent="1" nextAc="seek">
-              <p:cTn id="2" dur="indefinite" nodeType="mainSeq">
-                <p:childTnLst>
-                  <p:par>
-                    <p:cTn id="3" fill="hold">
-                      <p:stCondLst>
-                        <p:cond delay="indefinite"/>
-                        <p:cond evt="onBegin" delay="0">
-                          <p:tn val="2"/>
-                        </p:cond>
-                      </p:stCondLst>
-                      <p:childTnLst>
-                        <p:par>
-                          <p:cTn id="4" fill="hold">
-                            <p:stCondLst>
-                              <p:cond delay="0"/>
-                            </p:stCondLst>
-                            <p:childTnLst>
-                              <p:par>
-                                <p:cTn id="5" presetID="10" presetClass="exit" presetSubtype="0" fill="hold" grpId="0" nodeType="withEffect">
-                                  <p:stCondLst>
-                                    <p:cond delay="0"/>
-                                  </p:stCondLst>
-                                  <p:childTnLst>
-                                    <p:animEffect transition="out" filter="fade">
-                                      <p:cBhvr>
-                                        <p:cTn id="6" dur="500"/>
-                                        <p:tgtEl>
-                                          <p:spTgt spid="3">
-                                            <p:txEl>
-                                              <p:pRg st="0" end="0"/>
-                                            </p:txEl>
-                                          </p:spTgt>
-                                        </p:tgtEl>
-                                      </p:cBhvr>
-                                    </p:animEffect>
-                                    <p:set>
-                                      <p:cBhvr>
-                                        <p:cTn id="7" dur="1" fill="hold">
-                                          <p:stCondLst>
-                                            <p:cond delay="499"/>
-                                          </p:stCondLst>
-                                        </p:cTn>
-                                        <p:tgtEl>
-                                          <p:spTgt spid="3">
-                                            <p:txEl>
-                                              <p:pRg st="0" end="0"/>
-                                            </p:txEl>
-                                          </p:spTgt>
-                                        </p:tgtEl>
-                                        <p:attrNameLst>
-                                          <p:attrName>style.visibility</p:attrName>
-                                        </p:attrNameLst>
-                                      </p:cBhvr>
-                                      <p:to>
-                                        <p:strVal val="hidden"/>
-                                      </p:to>
-                                    </p:set>
-                                  </p:childTnLst>
-                                </p:cTn>
-                              </p:par>
-                              <p:par>
-                                <p:cTn id="8" presetID="10" presetClass="exit" presetSubtype="0" fill="hold" grpId="0" nodeType="withEffect">
-                                  <p:stCondLst>
-                                    <p:cond delay="0"/>
-                                  </p:stCondLst>
-                                  <p:childTnLst>
-                                    <p:animEffect transition="out" filter="fade">
-                                      <p:cBhvr>
-                                        <p:cTn id="9" dur="500"/>
-                                        <p:tgtEl>
-                                          <p:spTgt spid="3">
-                                            <p:txEl>
-                                              <p:pRg st="1" end="1"/>
-                                            </p:txEl>
-                                          </p:spTgt>
-                                        </p:tgtEl>
-                                      </p:cBhvr>
-                                    </p:animEffect>
-                                    <p:set>
-                                      <p:cBhvr>
-                                        <p:cTn id="10" dur="1" fill="hold">
-                                          <p:stCondLst>
-                                            <p:cond delay="499"/>
-                                          </p:stCondLst>
-                                        </p:cTn>
-                                        <p:tgtEl>
-                                          <p:spTgt spid="3">
-                                            <p:txEl>
-                                              <p:pRg st="1" end="1"/>
-                                            </p:txEl>
-                                          </p:spTgt>
-                                        </p:tgtEl>
-                                        <p:attrNameLst>
-                                          <p:attrName>style.visibility</p:attrName>
-                                        </p:attrNameLst>
-                                      </p:cBhvr>
-                                      <p:to>
-                                        <p:strVal val="hidden"/>
-                                      </p:to>
-                                    </p:set>
-                                  </p:childTnLst>
-                                </p:cTn>
-                              </p:par>
-                              <p:par>
-                                <p:cTn id="11" presetID="10" presetClass="exit" presetSubtype="0" fill="hold" grpId="0" nodeType="withEffect">
-                                  <p:stCondLst>
-                                    <p:cond delay="0"/>
-                                  </p:stCondLst>
-                                  <p:childTnLst>
-                                    <p:animEffect transition="out" filter="fade">
-                                      <p:cBhvr>
-                                        <p:cTn id="12" dur="500"/>
-                                        <p:tgtEl>
-                                          <p:spTgt spid="3">
-                                            <p:txEl>
-                                              <p:pRg st="2" end="2"/>
-                                            </p:txEl>
-                                          </p:spTgt>
-                                        </p:tgtEl>
-                                      </p:cBhvr>
-                                    </p:animEffect>
-                                    <p:set>
-                                      <p:cBhvr>
-                                        <p:cTn id="13" dur="1" fill="hold">
-                                          <p:stCondLst>
-                                            <p:cond delay="499"/>
-                                          </p:stCondLst>
-                                        </p:cTn>
-                                        <p:tgtEl>
-                                          <p:spTgt spid="3">
-                                            <p:txEl>
-                                              <p:pRg st="2" end="2"/>
-                                            </p:txEl>
-                                          </p:spTgt>
-                                        </p:tgtEl>
-                                        <p:attrNameLst>
-                                          <p:attrName>style.visibility</p:attrName>
-                                        </p:attrNameLst>
-                                      </p:cBhvr>
-                                      <p:to>
-                                        <p:strVal val="hidden"/>
-                                      </p:to>
-                                    </p:set>
-                                  </p:childTnLst>
-                                </p:cTn>
-                              </p:par>
-                              <p:par>
-                                <p:cTn id="14" presetID="10" presetClass="exit" presetSubtype="0" fill="hold" grpId="0" nodeType="withEffect">
-                                  <p:stCondLst>
-                                    <p:cond delay="0"/>
-                                  </p:stCondLst>
-                                  <p:childTnLst>
-                                    <p:animEffect transition="out" filter="fade">
-                                      <p:cBhvr>
-                                        <p:cTn id="15" dur="500"/>
-                                        <p:tgtEl>
-                                          <p:spTgt spid="3">
-                                            <p:txEl>
-                                              <p:pRg st="3" end="3"/>
-                                            </p:txEl>
-                                          </p:spTgt>
-                                        </p:tgtEl>
-                                      </p:cBhvr>
-                                    </p:animEffect>
-                                    <p:set>
-                                      <p:cBhvr>
-                                        <p:cTn id="16" dur="1" fill="hold">
-                                          <p:stCondLst>
-                                            <p:cond delay="499"/>
-                                          </p:stCondLst>
-                                        </p:cTn>
-                                        <p:tgtEl>
-                                          <p:spTgt spid="3">
-                                            <p:txEl>
-                                              <p:pRg st="3" end="3"/>
-                                            </p:txEl>
-                                          </p:spTgt>
-                                        </p:tgtEl>
-                                        <p:attrNameLst>
-                                          <p:attrName>style.visibility</p:attrName>
-                                        </p:attrNameLst>
-                                      </p:cBhvr>
-                                      <p:to>
-                                        <p:strVal val="hidden"/>
-                                      </p:to>
-                                    </p:set>
-                                  </p:childTnLst>
-                                </p:cTn>
-                              </p:par>
-                            </p:childTnLst>
-                          </p:cTn>
-                        </p:par>
-                      </p:childTnLst>
-                    </p:cTn>
-                  </p:par>
-                </p:childTnLst>
-              </p:cTn>
-              <p:prevCondLst>
-                <p:cond evt="onPrev" delay="0">
-                  <p:tgtEl>
-                    <p:sldTgt/>
-                  </p:tgtEl>
-                </p:cond>
-              </p:prevCondLst>
-              <p:nextCondLst>
-                <p:cond evt="onNext" delay="0">
-                  <p:tgtEl>
-                    <p:sldTgt/>
-                  </p:tgtEl>
-                </p:cond>
-              </p:nextCondLst>
-            </p:seq>
-          </p:childTnLst>
-        </p:cTn>
+        <p:cTn id="1" dur="indefinite" restart="never" nodeType="tmRoot"/>
       </p:par>
     </p:tnLst>
-    <p:bldLst>
-      <p:bldP spid="3" grpId="0" build="p"/>
-    </p:bldLst>
   </p:timing>
 </p:sld>
 </file>
